--- a/표정리.pptx
+++ b/표정리.pptx
@@ -107,6 +107,11 @@
       </a:defRPr>
     </a:lvl9pPr>
   </p:defaultTextStyle>
+  <p:extLst>
+    <p:ext uri="{EFAFB233-063F-42B5-8137-9DF3F51BA10A}">
+      <p15:sldGuideLst xmlns:p15="http://schemas.microsoft.com/office/powerpoint/2012/main"/>
+    </p:ext>
+  </p:extLst>
 </p:presentation>
 </file>
 
@@ -257,7 +262,7 @@
           <a:p>
             <a:fld id="{93EFE02C-6951-4A24-9F91-644F60701F4E}" type="datetimeFigureOut">
               <a:rPr lang="ko-KR" altLang="en-US" smtClean="0"/>
-              <a:t>2021-10-01</a:t>
+              <a:t>2021-10-04</a:t>
             </a:fld>
             <a:endParaRPr lang="ko-KR" altLang="en-US"/>
           </a:p>
@@ -455,7 +460,7 @@
           <a:p>
             <a:fld id="{93EFE02C-6951-4A24-9F91-644F60701F4E}" type="datetimeFigureOut">
               <a:rPr lang="ko-KR" altLang="en-US" smtClean="0"/>
-              <a:t>2021-10-01</a:t>
+              <a:t>2021-10-04</a:t>
             </a:fld>
             <a:endParaRPr lang="ko-KR" altLang="en-US"/>
           </a:p>
@@ -663,7 +668,7 @@
           <a:p>
             <a:fld id="{93EFE02C-6951-4A24-9F91-644F60701F4E}" type="datetimeFigureOut">
               <a:rPr lang="ko-KR" altLang="en-US" smtClean="0"/>
-              <a:t>2021-10-01</a:t>
+              <a:t>2021-10-04</a:t>
             </a:fld>
             <a:endParaRPr lang="ko-KR" altLang="en-US"/>
           </a:p>
@@ -861,7 +866,7 @@
           <a:p>
             <a:fld id="{93EFE02C-6951-4A24-9F91-644F60701F4E}" type="datetimeFigureOut">
               <a:rPr lang="ko-KR" altLang="en-US" smtClean="0"/>
-              <a:t>2021-10-01</a:t>
+              <a:t>2021-10-04</a:t>
             </a:fld>
             <a:endParaRPr lang="ko-KR" altLang="en-US"/>
           </a:p>
@@ -1136,7 +1141,7 @@
           <a:p>
             <a:fld id="{93EFE02C-6951-4A24-9F91-644F60701F4E}" type="datetimeFigureOut">
               <a:rPr lang="ko-KR" altLang="en-US" smtClean="0"/>
-              <a:t>2021-10-01</a:t>
+              <a:t>2021-10-04</a:t>
             </a:fld>
             <a:endParaRPr lang="ko-KR" altLang="en-US"/>
           </a:p>
@@ -1401,7 +1406,7 @@
           <a:p>
             <a:fld id="{93EFE02C-6951-4A24-9F91-644F60701F4E}" type="datetimeFigureOut">
               <a:rPr lang="ko-KR" altLang="en-US" smtClean="0"/>
-              <a:t>2021-10-01</a:t>
+              <a:t>2021-10-04</a:t>
             </a:fld>
             <a:endParaRPr lang="ko-KR" altLang="en-US"/>
           </a:p>
@@ -1813,7 +1818,7 @@
           <a:p>
             <a:fld id="{93EFE02C-6951-4A24-9F91-644F60701F4E}" type="datetimeFigureOut">
               <a:rPr lang="ko-KR" altLang="en-US" smtClean="0"/>
-              <a:t>2021-10-01</a:t>
+              <a:t>2021-10-04</a:t>
             </a:fld>
             <a:endParaRPr lang="ko-KR" altLang="en-US"/>
           </a:p>
@@ -1954,7 +1959,7 @@
           <a:p>
             <a:fld id="{93EFE02C-6951-4A24-9F91-644F60701F4E}" type="datetimeFigureOut">
               <a:rPr lang="ko-KR" altLang="en-US" smtClean="0"/>
-              <a:t>2021-10-01</a:t>
+              <a:t>2021-10-04</a:t>
             </a:fld>
             <a:endParaRPr lang="ko-KR" altLang="en-US"/>
           </a:p>
@@ -2067,7 +2072,7 @@
           <a:p>
             <a:fld id="{93EFE02C-6951-4A24-9F91-644F60701F4E}" type="datetimeFigureOut">
               <a:rPr lang="ko-KR" altLang="en-US" smtClean="0"/>
-              <a:t>2021-10-01</a:t>
+              <a:t>2021-10-04</a:t>
             </a:fld>
             <a:endParaRPr lang="ko-KR" altLang="en-US"/>
           </a:p>
@@ -2378,7 +2383,7 @@
           <a:p>
             <a:fld id="{93EFE02C-6951-4A24-9F91-644F60701F4E}" type="datetimeFigureOut">
               <a:rPr lang="ko-KR" altLang="en-US" smtClean="0"/>
-              <a:t>2021-10-01</a:t>
+              <a:t>2021-10-04</a:t>
             </a:fld>
             <a:endParaRPr lang="ko-KR" altLang="en-US"/>
           </a:p>
@@ -2666,7 +2671,7 @@
           <a:p>
             <a:fld id="{93EFE02C-6951-4A24-9F91-644F60701F4E}" type="datetimeFigureOut">
               <a:rPr lang="ko-KR" altLang="en-US" smtClean="0"/>
-              <a:t>2021-10-01</a:t>
+              <a:t>2021-10-04</a:t>
             </a:fld>
             <a:endParaRPr lang="ko-KR" altLang="en-US"/>
           </a:p>
@@ -2907,7 +2912,7 @@
           <a:p>
             <a:fld id="{93EFE02C-6951-4A24-9F91-644F60701F4E}" type="datetimeFigureOut">
               <a:rPr lang="ko-KR" altLang="en-US" smtClean="0"/>
-              <a:t>2021-10-01</a:t>
+              <a:t>2021-10-04</a:t>
             </a:fld>
             <a:endParaRPr lang="ko-KR" altLang="en-US"/>
           </a:p>
@@ -4589,352 +4594,6 @@
           <a:chExt cx="0" cy="0"/>
         </a:xfrm>
       </p:grpSpPr>
-      <p:graphicFrame>
-        <p:nvGraphicFramePr>
-          <p:cNvPr id="5" name="표 5">
-            <a:extLst>
-              <a:ext uri="{FF2B5EF4-FFF2-40B4-BE49-F238E27FC236}">
-                <a16:creationId xmlns:a16="http://schemas.microsoft.com/office/drawing/2014/main" id="{3224C753-06C5-444F-A172-3C6379BAA518}"/>
-              </a:ext>
-            </a:extLst>
-          </p:cNvPr>
-          <p:cNvGraphicFramePr>
-            <a:graphicFrameLocks noGrp="1"/>
-          </p:cNvGraphicFramePr>
-          <p:nvPr/>
-        </p:nvGraphicFramePr>
-        <p:xfrm>
-          <a:off x="638629" y="654351"/>
-          <a:ext cx="8127999" cy="3416905"/>
-        </p:xfrm>
-        <a:graphic>
-          <a:graphicData uri="http://schemas.openxmlformats.org/drawingml/2006/table">
-            <a:tbl>
-              <a:tblPr firstRow="1" bandRow="1">
-                <a:tableStyleId>{1FECB4D8-DB02-4DC6-A0A2-4F2EBAE1DC90}</a:tableStyleId>
-              </a:tblPr>
-              <a:tblGrid>
-                <a:gridCol w="2709333">
-                  <a:extLst>
-                    <a:ext uri="{9D8B030D-6E8A-4147-A177-3AD203B41FA5}">
-                      <a16:colId xmlns:a16="http://schemas.microsoft.com/office/drawing/2014/main" val="1410968825"/>
-                    </a:ext>
-                  </a:extLst>
-                </a:gridCol>
-                <a:gridCol w="2709333">
-                  <a:extLst>
-                    <a:ext uri="{9D8B030D-6E8A-4147-A177-3AD203B41FA5}">
-                      <a16:colId xmlns:a16="http://schemas.microsoft.com/office/drawing/2014/main" val="2828192862"/>
-                    </a:ext>
-                  </a:extLst>
-                </a:gridCol>
-                <a:gridCol w="2709333">
-                  <a:extLst>
-                    <a:ext uri="{9D8B030D-6E8A-4147-A177-3AD203B41FA5}">
-                      <a16:colId xmlns:a16="http://schemas.microsoft.com/office/drawing/2014/main" val="3830808436"/>
-                    </a:ext>
-                  </a:extLst>
-                </a:gridCol>
-              </a:tblGrid>
-              <a:tr h="683381">
-                <a:tc>
-                  <a:txBody>
-                    <a:bodyPr/>
-                    <a:lstStyle/>
-                    <a:p>
-                      <a:pPr algn="ctr" latinLnBrk="1"/>
-                      <a:r>
-                        <a:rPr lang="ko-KR" altLang="en-US">
-                          <a:solidFill>
-                            <a:schemeClr val="tx1"/>
-                          </a:solidFill>
-                        </a:rPr>
-                        <a:t>쓰레드</a:t>
-                      </a:r>
-                    </a:p>
-                  </a:txBody>
-                  <a:tcPr anchor="ctr"/>
-                </a:tc>
-                <a:tc>
-                  <a:txBody>
-                    <a:bodyPr/>
-                    <a:lstStyle/>
-                    <a:p>
-                      <a:pPr algn="ctr" latinLnBrk="1"/>
-                      <a:r>
-                        <a:rPr lang="ko-KR" altLang="en-US">
-                          <a:solidFill>
-                            <a:schemeClr val="tx1"/>
-                          </a:solidFill>
-                        </a:rPr>
-                        <a:t>시간</a:t>
-                      </a:r>
-                      <a:r>
-                        <a:rPr lang="en-US" altLang="ko-KR">
-                          <a:solidFill>
-                            <a:schemeClr val="tx1"/>
-                          </a:solidFill>
-                        </a:rPr>
-                        <a:t>(ms)</a:t>
-                      </a:r>
-                      <a:endParaRPr lang="ko-KR" altLang="en-US">
-                        <a:solidFill>
-                          <a:schemeClr val="tx1"/>
-                        </a:solidFill>
-                      </a:endParaRPr>
-                    </a:p>
-                  </a:txBody>
-                  <a:tcPr anchor="ctr"/>
-                </a:tc>
-                <a:tc>
-                  <a:txBody>
-                    <a:bodyPr/>
-                    <a:lstStyle/>
-                    <a:p>
-                      <a:pPr algn="ctr" latinLnBrk="1"/>
-                      <a:r>
-                        <a:rPr lang="ko-KR" altLang="en-US">
-                          <a:solidFill>
-                            <a:schemeClr val="tx1"/>
-                          </a:solidFill>
-                        </a:rPr>
-                        <a:t>결과</a:t>
-                      </a:r>
-                    </a:p>
-                  </a:txBody>
-                  <a:tcPr anchor="ctr"/>
-                </a:tc>
-                <a:extLst>
-                  <a:ext uri="{0D108BD9-81ED-4DB2-BD59-A6C34878D82A}">
-                    <a16:rowId xmlns:a16="http://schemas.microsoft.com/office/drawing/2014/main" val="1890738120"/>
-                  </a:ext>
-                </a:extLst>
-              </a:tr>
-              <a:tr h="683381">
-                <a:tc>
-                  <a:txBody>
-                    <a:bodyPr/>
-                    <a:lstStyle/>
-                    <a:p>
-                      <a:pPr algn="ctr" latinLnBrk="1"/>
-                      <a:r>
-                        <a:rPr lang="en-US" altLang="ko-KR"/>
-                        <a:t>1</a:t>
-                      </a:r>
-                      <a:r>
-                        <a:rPr lang="ko-KR" altLang="en-US"/>
-                        <a:t>개</a:t>
-                      </a:r>
-                      <a:endParaRPr lang="en-US" altLang="ko-KR"/>
-                    </a:p>
-                  </a:txBody>
-                  <a:tcPr anchor="ctr"/>
-                </a:tc>
-                <a:tc>
-                  <a:txBody>
-                    <a:bodyPr/>
-                    <a:lstStyle/>
-                    <a:p>
-                      <a:pPr algn="ctr" latinLnBrk="1"/>
-                      <a:r>
-                        <a:rPr lang="en-US" altLang="ko-KR"/>
-                        <a:t>138</a:t>
-                      </a:r>
-                      <a:endParaRPr lang="ko-KR" altLang="en-US"/>
-                    </a:p>
-                  </a:txBody>
-                  <a:tcPr anchor="ctr"/>
-                </a:tc>
-                <a:tc>
-                  <a:txBody>
-                    <a:bodyPr/>
-                    <a:lstStyle/>
-                    <a:p>
-                      <a:pPr algn="ctr" latinLnBrk="1"/>
-                      <a:r>
-                        <a:rPr lang="en-US" altLang="ko-KR"/>
-                        <a:t>10000000</a:t>
-                      </a:r>
-                      <a:endParaRPr lang="ko-KR" altLang="en-US"/>
-                    </a:p>
-                  </a:txBody>
-                  <a:tcPr anchor="ctr"/>
-                </a:tc>
-                <a:extLst>
-                  <a:ext uri="{0D108BD9-81ED-4DB2-BD59-A6C34878D82A}">
-                    <a16:rowId xmlns:a16="http://schemas.microsoft.com/office/drawing/2014/main" val="921373988"/>
-                  </a:ext>
-                </a:extLst>
-              </a:tr>
-              <a:tr h="683381">
-                <a:tc>
-                  <a:txBody>
-                    <a:bodyPr/>
-                    <a:lstStyle/>
-                    <a:p>
-                      <a:pPr algn="ctr" latinLnBrk="1"/>
-                      <a:r>
-                        <a:rPr lang="en-US" altLang="ko-KR"/>
-                        <a:t>2</a:t>
-                      </a:r>
-                      <a:r>
-                        <a:rPr lang="ko-KR" altLang="en-US"/>
-                        <a:t>개</a:t>
-                      </a:r>
-                    </a:p>
-                  </a:txBody>
-                  <a:tcPr anchor="ctr"/>
-                </a:tc>
-                <a:tc>
-                  <a:txBody>
-                    <a:bodyPr/>
-                    <a:lstStyle/>
-                    <a:p>
-                      <a:pPr algn="ctr" latinLnBrk="1"/>
-                      <a:r>
-                        <a:rPr lang="en-US" altLang="ko-KR"/>
-                        <a:t>1958</a:t>
-                      </a:r>
-                      <a:endParaRPr lang="ko-KR" altLang="en-US"/>
-                    </a:p>
-                  </a:txBody>
-                  <a:tcPr anchor="ctr"/>
-                </a:tc>
-                <a:tc>
-                  <a:txBody>
-                    <a:bodyPr/>
-                    <a:lstStyle/>
-                    <a:p>
-                      <a:pPr algn="ctr" latinLnBrk="1"/>
-                      <a:r>
-                        <a:rPr lang="en-US" altLang="ko-KR"/>
-                        <a:t>10000000</a:t>
-                      </a:r>
-                      <a:endParaRPr lang="ko-KR" altLang="en-US"/>
-                    </a:p>
-                  </a:txBody>
-                  <a:tcPr anchor="ctr"/>
-                </a:tc>
-                <a:extLst>
-                  <a:ext uri="{0D108BD9-81ED-4DB2-BD59-A6C34878D82A}">
-                    <a16:rowId xmlns:a16="http://schemas.microsoft.com/office/drawing/2014/main" val="3320458616"/>
-                  </a:ext>
-                </a:extLst>
-              </a:tr>
-              <a:tr h="683381">
-                <a:tc>
-                  <a:txBody>
-                    <a:bodyPr/>
-                    <a:lstStyle/>
-                    <a:p>
-                      <a:pPr algn="ctr" latinLnBrk="1"/>
-                      <a:r>
-                        <a:rPr lang="en-US" altLang="ko-KR"/>
-                        <a:t>4</a:t>
-                      </a:r>
-                      <a:r>
-                        <a:rPr lang="ko-KR" altLang="en-US"/>
-                        <a:t>개</a:t>
-                      </a:r>
-                    </a:p>
-                  </a:txBody>
-                  <a:tcPr anchor="ctr"/>
-                </a:tc>
-                <a:tc>
-                  <a:txBody>
-                    <a:bodyPr/>
-                    <a:lstStyle/>
-                    <a:p>
-                      <a:pPr algn="ctr" latinLnBrk="1"/>
-                      <a:r>
-                        <a:rPr lang="en-US" altLang="ko-KR"/>
-                        <a:t>1760</a:t>
-                      </a:r>
-                      <a:endParaRPr lang="ko-KR" altLang="en-US"/>
-                    </a:p>
-                  </a:txBody>
-                  <a:tcPr anchor="ctr"/>
-                </a:tc>
-                <a:tc>
-                  <a:txBody>
-                    <a:bodyPr/>
-                    <a:lstStyle/>
-                    <a:p>
-                      <a:pPr algn="ctr" latinLnBrk="1"/>
-                      <a:r>
-                        <a:rPr lang="en-US" altLang="ko-KR"/>
-                        <a:t>10000000</a:t>
-                      </a:r>
-                      <a:endParaRPr lang="ko-KR" altLang="en-US"/>
-                    </a:p>
-                  </a:txBody>
-                  <a:tcPr anchor="ctr"/>
-                </a:tc>
-                <a:extLst>
-                  <a:ext uri="{0D108BD9-81ED-4DB2-BD59-A6C34878D82A}">
-                    <a16:rowId xmlns:a16="http://schemas.microsoft.com/office/drawing/2014/main" val="3275777393"/>
-                  </a:ext>
-                </a:extLst>
-              </a:tr>
-              <a:tr h="683381">
-                <a:tc>
-                  <a:txBody>
-                    <a:bodyPr/>
-                    <a:lstStyle/>
-                    <a:p>
-                      <a:pPr algn="ctr" latinLnBrk="1"/>
-                      <a:r>
-                        <a:rPr lang="en-US" altLang="ko-KR"/>
-                        <a:t>8</a:t>
-                      </a:r>
-                      <a:r>
-                        <a:rPr lang="ko-KR" altLang="en-US"/>
-                        <a:t>개</a:t>
-                      </a:r>
-                    </a:p>
-                  </a:txBody>
-                  <a:tcPr anchor="ctr"/>
-                </a:tc>
-                <a:tc>
-                  <a:txBody>
-                    <a:bodyPr/>
-                    <a:lstStyle/>
-                    <a:p>
-                      <a:pPr algn="ctr" latinLnBrk="1"/>
-                      <a:r>
-                        <a:rPr lang="en-US" altLang="ko-KR"/>
-                        <a:t>4319</a:t>
-                      </a:r>
-                      <a:endParaRPr lang="ko-KR" altLang="en-US"/>
-                    </a:p>
-                  </a:txBody>
-                  <a:tcPr anchor="ctr"/>
-                </a:tc>
-                <a:tc>
-                  <a:txBody>
-                    <a:bodyPr/>
-                    <a:lstStyle/>
-                    <a:p>
-                      <a:pPr algn="ctr" latinLnBrk="1"/>
-                      <a:r>
-                        <a:rPr lang="en-US" altLang="ko-KR"/>
-                        <a:t>10000000</a:t>
-                      </a:r>
-                      <a:endParaRPr lang="ko-KR" altLang="en-US"/>
-                    </a:p>
-                  </a:txBody>
-                  <a:tcPr anchor="ctr"/>
-                </a:tc>
-                <a:extLst>
-                  <a:ext uri="{0D108BD9-81ED-4DB2-BD59-A6C34878D82A}">
-                    <a16:rowId xmlns:a16="http://schemas.microsoft.com/office/drawing/2014/main" val="1123357034"/>
-                  </a:ext>
-                </a:extLst>
-              </a:tr>
-            </a:tbl>
-          </a:graphicData>
-        </a:graphic>
-      </p:graphicFrame>
       <p:sp>
         <p:nvSpPr>
           <p:cNvPr id="6" name="TextBox 5">
@@ -4995,14 +4654,14 @@
           <p:nvPr>
             <p:extLst>
               <p:ext uri="{D42A27DB-BD31-4B8C-83A1-F6EECF244321}">
-                <p14:modId xmlns:p14="http://schemas.microsoft.com/office/powerpoint/2010/main" val="262745558"/>
+                <p14:modId xmlns:p14="http://schemas.microsoft.com/office/powerpoint/2010/main" val="465630050"/>
               </p:ext>
             </p:extLst>
           </p:nvPr>
         </p:nvGraphicFramePr>
         <p:xfrm>
-          <a:off x="2032000" y="719666"/>
-          <a:ext cx="8128000" cy="4820920"/>
+          <a:off x="428367" y="197708"/>
+          <a:ext cx="8128000" cy="6263640"/>
         </p:xfrm>
         <a:graphic>
           <a:graphicData uri="http://schemas.openxmlformats.org/drawingml/2006/table">
@@ -5131,7 +4790,7 @@
                     <a:bodyPr/>
                     <a:lstStyle/>
                     <a:p>
-                      <a:pPr latinLnBrk="1"/>
+                      <a:pPr algn="ctr" latinLnBrk="1"/>
                       <a:r>
                         <a:rPr lang="en-US" altLang="ko-KR"/>
                         <a:t>No Lock</a:t>
@@ -5139,7 +4798,7 @@
                       <a:endParaRPr lang="ko-KR" altLang="en-US"/>
                     </a:p>
                   </a:txBody>
-                  <a:tcPr/>
+                  <a:tcPr anchor="ctr"/>
                 </a:tc>
                 <a:tc>
                   <a:txBody>
@@ -5400,7 +5059,7 @@
                     <a:bodyPr/>
                     <a:lstStyle/>
                     <a:p>
-                      <a:pPr latinLnBrk="1"/>
+                      <a:pPr algn="ctr" latinLnBrk="1"/>
                       <a:r>
                         <a:rPr lang="en-US" altLang="ko-KR"/>
                         <a:t>With Mutex</a:t>
@@ -5408,7 +5067,7 @@
                       <a:endParaRPr lang="ko-KR" altLang="en-US"/>
                     </a:p>
                   </a:txBody>
-                  <a:tcPr/>
+                  <a:tcPr anchor="ctr"/>
                 </a:tc>
                 <a:tc>
                   <a:txBody>
@@ -5663,20 +5322,20 @@
                   </a:ext>
                 </a:extLst>
               </a:tr>
-              <a:tr h="370840">
+              <a:tr h="185420">
                 <a:tc rowSpan="4">
                   <a:txBody>
                     <a:bodyPr/>
                     <a:lstStyle/>
                     <a:p>
-                      <a:pPr latinLnBrk="1"/>
+                      <a:pPr algn="ctr" latinLnBrk="1"/>
                       <a:r>
                         <a:rPr lang="ko-KR" altLang="en-US"/>
                         <a:t>빵집 알고리즘</a:t>
                       </a:r>
                     </a:p>
                   </a:txBody>
-                  <a:tcPr/>
+                  <a:tcPr anchor="ctr"/>
                 </a:tc>
                 <a:tc>
                   <a:txBody>
@@ -5733,7 +5392,7 @@
                   </a:ext>
                 </a:extLst>
               </a:tr>
-              <a:tr h="370840">
+              <a:tr h="185420">
                 <a:tc vMerge="1">
                   <a:txBody>
                     <a:bodyPr/>
@@ -5772,6 +5431,72 @@
                       <a:r>
                         <a:rPr lang="en-US" altLang="ko-KR"/>
                         <a:t>1958</a:t>
+                      </a:r>
+                      <a:endParaRPr lang="ko-KR" altLang="en-US"/>
+                    </a:p>
+                  </a:txBody>
+                  <a:tcPr anchor="ctr"/>
+                </a:tc>
+                <a:tc>
+                  <a:txBody>
+                    <a:bodyPr/>
+                    <a:lstStyle/>
+                    <a:p>
+                      <a:pPr algn="ctr" latinLnBrk="1"/>
+                      <a:r>
+                        <a:rPr lang="en-US" altLang="ko-KR"/>
+                        <a:t>10000000</a:t>
+                      </a:r>
+                      <a:endParaRPr lang="ko-KR" altLang="en-US"/>
+                    </a:p>
+                  </a:txBody>
+                  <a:tcPr anchor="ctr"/>
+                </a:tc>
+                <a:extLst>
+                  <a:ext uri="{0D108BD9-81ED-4DB2-BD59-A6C34878D82A}">
+                    <a16:rowId xmlns:a16="http://schemas.microsoft.com/office/drawing/2014/main" val="2654434173"/>
+                  </a:ext>
+                </a:extLst>
+              </a:tr>
+              <a:tr h="185420">
+                <a:tc vMerge="1">
+                  <a:txBody>
+                    <a:bodyPr/>
+                    <a:lstStyle/>
+                    <a:p>
+                      <a:pPr latinLnBrk="1"/>
+                      <a:endParaRPr lang="ko-KR" altLang="en-US"/>
+                    </a:p>
+                  </a:txBody>
+                  <a:tcPr/>
+                </a:tc>
+                <a:tc>
+                  <a:txBody>
+                    <a:bodyPr/>
+                    <a:lstStyle/>
+                    <a:p>
+                      <a:pPr algn="ctr" latinLnBrk="1"/>
+                      <a:r>
+                        <a:rPr lang="en-US" altLang="ko-KR"/>
+                        <a:t>4</a:t>
+                      </a:r>
+                      <a:r>
+                        <a:rPr lang="ko-KR" altLang="en-US"/>
+                        <a:t>개</a:t>
+                      </a:r>
+                    </a:p>
+                  </a:txBody>
+                  <a:tcPr anchor="ctr"/>
+                </a:tc>
+                <a:tc>
+                  <a:txBody>
+                    <a:bodyPr/>
+                    <a:lstStyle/>
+                    <a:p>
+                      <a:pPr algn="ctr" latinLnBrk="1"/>
+                      <a:r>
+                        <a:rPr lang="en-US" altLang="ko-KR"/>
+                        <a:t>1760</a:t>
                       </a:r>
                       <a:endParaRPr lang="ko-KR" altLang="en-US"/>
                     </a:p>
@@ -5799,7 +5524,7 @@
                   </a:ext>
                 </a:extLst>
               </a:tr>
-              <a:tr h="370840">
+              <a:tr h="185420">
                 <a:tc vMerge="1">
                   <a:txBody>
                     <a:bodyPr/>
@@ -5819,7 +5544,7 @@
                       <a:pPr algn="ctr" latinLnBrk="1"/>
                       <a:r>
                         <a:rPr lang="en-US" altLang="ko-KR"/>
-                        <a:t>4</a:t>
+                        <a:t>8</a:t>
                       </a:r>
                       <a:r>
                         <a:rPr lang="ko-KR" altLang="en-US"/>
@@ -5837,19 +5562,90 @@
                       <a:pPr algn="ctr" latinLnBrk="1"/>
                       <a:r>
                         <a:rPr lang="en-US" altLang="ko-KR"/>
-                        <a:t>1760</a:t>
-                      </a:r>
-                      <a:endParaRPr lang="ko-KR" altLang="en-US"/>
-                    </a:p>
-                  </a:txBody>
-                  <a:tcPr anchor="ctr"/>
-                </a:tc>
-                <a:tc>
-                  <a:txBody>
-                    <a:bodyPr/>
-                    <a:lstStyle/>
-                    <a:p>
-                      <a:pPr algn="ctr" latinLnBrk="1"/>
+                        <a:t>4319</a:t>
+                      </a:r>
+                      <a:endParaRPr lang="ko-KR" altLang="en-US"/>
+                    </a:p>
+                  </a:txBody>
+                  <a:tcPr anchor="ctr"/>
+                </a:tc>
+                <a:tc>
+                  <a:txBody>
+                    <a:bodyPr/>
+                    <a:lstStyle/>
+                    <a:p>
+                      <a:pPr algn="ctr" latinLnBrk="1"/>
+                      <a:r>
+                        <a:rPr lang="en-US" altLang="ko-KR"/>
+                        <a:t>10000000</a:t>
+                      </a:r>
+                      <a:endParaRPr lang="ko-KR" altLang="en-US"/>
+                    </a:p>
+                  </a:txBody>
+                  <a:tcPr anchor="ctr"/>
+                </a:tc>
+                <a:extLst>
+                  <a:ext uri="{0D108BD9-81ED-4DB2-BD59-A6C34878D82A}">
+                    <a16:rowId xmlns:a16="http://schemas.microsoft.com/office/drawing/2014/main" val="176764186"/>
+                  </a:ext>
+                </a:extLst>
+              </a:tr>
+              <a:tr h="185420">
+                <a:tc rowSpan="4">
+                  <a:txBody>
+                    <a:bodyPr/>
+                    <a:lstStyle/>
+                    <a:p>
+                      <a:pPr algn="ctr" latinLnBrk="1"/>
+                      <a:r>
+                        <a:rPr lang="en-US" altLang="ko-KR"/>
+                        <a:t>CAS</a:t>
+                      </a:r>
+                      <a:endParaRPr lang="ko-KR" altLang="en-US"/>
+                    </a:p>
+                  </a:txBody>
+                  <a:tcPr anchor="ctr"/>
+                </a:tc>
+                <a:tc>
+                  <a:txBody>
+                    <a:bodyPr/>
+                    <a:lstStyle/>
+                    <a:p>
+                      <a:pPr algn="ctr" latinLnBrk="1"/>
+                      <a:r>
+                        <a:rPr lang="en-US" altLang="ko-KR"/>
+                        <a:t>1</a:t>
+                      </a:r>
+                      <a:r>
+                        <a:rPr lang="ko-KR" altLang="en-US"/>
+                        <a:t>개</a:t>
+                      </a:r>
+                      <a:endParaRPr lang="en-US" altLang="ko-KR"/>
+                    </a:p>
+                  </a:txBody>
+                  <a:tcPr anchor="ctr"/>
+                </a:tc>
+                <a:tc>
+                  <a:txBody>
+                    <a:bodyPr/>
+                    <a:lstStyle/>
+                    <a:p>
+                      <a:pPr algn="ctr"/>
+                      <a:r>
+                        <a:rPr lang="en-US" altLang="ko-KR"/>
+                        <a:t>56</a:t>
+                      </a:r>
+                      <a:endParaRPr lang="ko-KR" altLang="en-US"/>
+                    </a:p>
+                  </a:txBody>
+                  <a:tcPr anchor="ctr"/>
+                </a:tc>
+                <a:tc>
+                  <a:txBody>
+                    <a:bodyPr/>
+                    <a:lstStyle/>
+                    <a:p>
+                      <a:pPr algn="ctr"/>
                       <a:r>
                         <a:rPr lang="en-US" altLang="ko-KR"/>
                         <a:t>10000000</a:t>
@@ -5865,7 +5661,7 @@
                   </a:ext>
                 </a:extLst>
               </a:tr>
-              <a:tr h="370840">
+              <a:tr h="185420">
                 <a:tc vMerge="1">
                   <a:txBody>
                     <a:bodyPr/>
@@ -5885,7 +5681,7 @@
                       <a:pPr algn="ctr" latinLnBrk="1"/>
                       <a:r>
                         <a:rPr lang="en-US" altLang="ko-KR"/>
-                        <a:t>8</a:t>
+                        <a:t>2</a:t>
                       </a:r>
                       <a:r>
                         <a:rPr lang="ko-KR" altLang="en-US"/>
@@ -5900,22 +5696,88 @@
                     <a:bodyPr/>
                     <a:lstStyle/>
                     <a:p>
-                      <a:pPr algn="ctr" latinLnBrk="1"/>
-                      <a:r>
-                        <a:rPr lang="en-US" altLang="ko-KR"/>
-                        <a:t>4319</a:t>
-                      </a:r>
-                      <a:endParaRPr lang="ko-KR" altLang="en-US"/>
-                    </a:p>
-                  </a:txBody>
-                  <a:tcPr anchor="ctr"/>
-                </a:tc>
-                <a:tc>
-                  <a:txBody>
-                    <a:bodyPr/>
-                    <a:lstStyle/>
-                    <a:p>
-                      <a:pPr algn="ctr" latinLnBrk="1"/>
+                      <a:pPr algn="ctr"/>
+                      <a:r>
+                        <a:rPr lang="en-US" altLang="ko-KR"/>
+                        <a:t>399</a:t>
+                      </a:r>
+                      <a:endParaRPr lang="ko-KR" altLang="en-US"/>
+                    </a:p>
+                  </a:txBody>
+                  <a:tcPr anchor="ctr"/>
+                </a:tc>
+                <a:tc>
+                  <a:txBody>
+                    <a:bodyPr/>
+                    <a:lstStyle/>
+                    <a:p>
+                      <a:pPr algn="ctr"/>
+                      <a:r>
+                        <a:rPr lang="en-US" altLang="ko-KR"/>
+                        <a:t>10000000</a:t>
+                      </a:r>
+                      <a:endParaRPr lang="ko-KR" altLang="en-US"/>
+                    </a:p>
+                  </a:txBody>
+                  <a:tcPr anchor="ctr"/>
+                </a:tc>
+                <a:extLst>
+                  <a:ext uri="{0D108BD9-81ED-4DB2-BD59-A6C34878D82A}">
+                    <a16:rowId xmlns:a16="http://schemas.microsoft.com/office/drawing/2014/main" val="2603122134"/>
+                  </a:ext>
+                </a:extLst>
+              </a:tr>
+              <a:tr h="185420">
+                <a:tc vMerge="1">
+                  <a:txBody>
+                    <a:bodyPr/>
+                    <a:lstStyle/>
+                    <a:p>
+                      <a:pPr latinLnBrk="1"/>
+                      <a:endParaRPr lang="ko-KR" altLang="en-US"/>
+                    </a:p>
+                  </a:txBody>
+                  <a:tcPr/>
+                </a:tc>
+                <a:tc>
+                  <a:txBody>
+                    <a:bodyPr/>
+                    <a:lstStyle/>
+                    <a:p>
+                      <a:pPr algn="ctr" latinLnBrk="1"/>
+                      <a:r>
+                        <a:rPr lang="en-US" altLang="ko-KR"/>
+                        <a:t>4</a:t>
+                      </a:r>
+                      <a:r>
+                        <a:rPr lang="ko-KR" altLang="en-US"/>
+                        <a:t>개</a:t>
+                      </a:r>
+                    </a:p>
+                  </a:txBody>
+                  <a:tcPr anchor="ctr"/>
+                </a:tc>
+                <a:tc>
+                  <a:txBody>
+                    <a:bodyPr/>
+                    <a:lstStyle/>
+                    <a:p>
+                      <a:pPr algn="ctr"/>
+                      <a:r>
+                        <a:rPr lang="en-US" altLang="ko-KR"/>
+                        <a:t>719</a:t>
+                      </a:r>
+                      <a:endParaRPr lang="ko-KR" altLang="en-US"/>
+                    </a:p>
+                  </a:txBody>
+                  <a:tcPr anchor="ctr"/>
+                </a:tc>
+                <a:tc>
+                  <a:txBody>
+                    <a:bodyPr/>
+                    <a:lstStyle/>
+                    <a:p>
+                      <a:pPr algn="ctr"/>
                       <a:r>
                         <a:rPr lang="en-US" altLang="ko-KR"/>
                         <a:t>10000000</a:t>
@@ -5928,6 +5790,72 @@
                 <a:extLst>
                   <a:ext uri="{0D108BD9-81ED-4DB2-BD59-A6C34878D82A}">
                     <a16:rowId xmlns:a16="http://schemas.microsoft.com/office/drawing/2014/main" val="2718542255"/>
+                  </a:ext>
+                </a:extLst>
+              </a:tr>
+              <a:tr h="185420">
+                <a:tc vMerge="1">
+                  <a:txBody>
+                    <a:bodyPr/>
+                    <a:lstStyle/>
+                    <a:p>
+                      <a:pPr latinLnBrk="1"/>
+                      <a:endParaRPr lang="ko-KR" altLang="en-US"/>
+                    </a:p>
+                  </a:txBody>
+                  <a:tcPr/>
+                </a:tc>
+                <a:tc>
+                  <a:txBody>
+                    <a:bodyPr/>
+                    <a:lstStyle/>
+                    <a:p>
+                      <a:pPr algn="ctr" latinLnBrk="1"/>
+                      <a:r>
+                        <a:rPr lang="en-US" altLang="ko-KR"/>
+                        <a:t>8</a:t>
+                      </a:r>
+                      <a:r>
+                        <a:rPr lang="ko-KR" altLang="en-US"/>
+                        <a:t>개</a:t>
+                      </a:r>
+                    </a:p>
+                  </a:txBody>
+                  <a:tcPr anchor="ctr"/>
+                </a:tc>
+                <a:tc>
+                  <a:txBody>
+                    <a:bodyPr/>
+                    <a:lstStyle/>
+                    <a:p>
+                      <a:pPr algn="ctr"/>
+                      <a:r>
+                        <a:rPr lang="en-US" altLang="ko-KR"/>
+                        <a:t>2778</a:t>
+                      </a:r>
+                      <a:endParaRPr lang="ko-KR" altLang="en-US"/>
+                    </a:p>
+                  </a:txBody>
+                  <a:tcPr anchor="ctr"/>
+                </a:tc>
+                <a:tc>
+                  <a:txBody>
+                    <a:bodyPr/>
+                    <a:lstStyle/>
+                    <a:p>
+                      <a:pPr algn="ctr"/>
+                      <a:r>
+                        <a:rPr lang="en-US" altLang="ko-KR"/>
+                        <a:t>10000000</a:t>
+                      </a:r>
+                      <a:endParaRPr lang="ko-KR" altLang="en-US"/>
+                    </a:p>
+                  </a:txBody>
+                  <a:tcPr anchor="ctr"/>
+                </a:tc>
+                <a:extLst>
+                  <a:ext uri="{0D108BD9-81ED-4DB2-BD59-A6C34878D82A}">
+                    <a16:rowId xmlns:a16="http://schemas.microsoft.com/office/drawing/2014/main" val="1519623855"/>
                   </a:ext>
                 </a:extLst>
               </a:tr>

--- a/표정리.pptx
+++ b/표정리.pptx
@@ -9,6 +9,7 @@
     <p:sldId id="257" r:id="rId3"/>
     <p:sldId id="258" r:id="rId4"/>
     <p:sldId id="259" r:id="rId5"/>
+    <p:sldId id="260" r:id="rId6"/>
   </p:sldIdLst>
   <p:sldSz cx="12192000" cy="6858000"/>
   <p:notesSz cx="6858000" cy="9144000"/>
@@ -262,7 +263,7 @@
           <a:p>
             <a:fld id="{93EFE02C-6951-4A24-9F91-644F60701F4E}" type="datetimeFigureOut">
               <a:rPr lang="ko-KR" altLang="en-US" smtClean="0"/>
-              <a:t>2021-10-04</a:t>
+              <a:t>2021-10-08</a:t>
             </a:fld>
             <a:endParaRPr lang="ko-KR" altLang="en-US"/>
           </a:p>
@@ -460,7 +461,7 @@
           <a:p>
             <a:fld id="{93EFE02C-6951-4A24-9F91-644F60701F4E}" type="datetimeFigureOut">
               <a:rPr lang="ko-KR" altLang="en-US" smtClean="0"/>
-              <a:t>2021-10-04</a:t>
+              <a:t>2021-10-08</a:t>
             </a:fld>
             <a:endParaRPr lang="ko-KR" altLang="en-US"/>
           </a:p>
@@ -668,7 +669,7 @@
           <a:p>
             <a:fld id="{93EFE02C-6951-4A24-9F91-644F60701F4E}" type="datetimeFigureOut">
               <a:rPr lang="ko-KR" altLang="en-US" smtClean="0"/>
-              <a:t>2021-10-04</a:t>
+              <a:t>2021-10-08</a:t>
             </a:fld>
             <a:endParaRPr lang="ko-KR" altLang="en-US"/>
           </a:p>
@@ -866,7 +867,7 @@
           <a:p>
             <a:fld id="{93EFE02C-6951-4A24-9F91-644F60701F4E}" type="datetimeFigureOut">
               <a:rPr lang="ko-KR" altLang="en-US" smtClean="0"/>
-              <a:t>2021-10-04</a:t>
+              <a:t>2021-10-08</a:t>
             </a:fld>
             <a:endParaRPr lang="ko-KR" altLang="en-US"/>
           </a:p>
@@ -1141,7 +1142,7 @@
           <a:p>
             <a:fld id="{93EFE02C-6951-4A24-9F91-644F60701F4E}" type="datetimeFigureOut">
               <a:rPr lang="ko-KR" altLang="en-US" smtClean="0"/>
-              <a:t>2021-10-04</a:t>
+              <a:t>2021-10-08</a:t>
             </a:fld>
             <a:endParaRPr lang="ko-KR" altLang="en-US"/>
           </a:p>
@@ -1406,7 +1407,7 @@
           <a:p>
             <a:fld id="{93EFE02C-6951-4A24-9F91-644F60701F4E}" type="datetimeFigureOut">
               <a:rPr lang="ko-KR" altLang="en-US" smtClean="0"/>
-              <a:t>2021-10-04</a:t>
+              <a:t>2021-10-08</a:t>
             </a:fld>
             <a:endParaRPr lang="ko-KR" altLang="en-US"/>
           </a:p>
@@ -1818,7 +1819,7 @@
           <a:p>
             <a:fld id="{93EFE02C-6951-4A24-9F91-644F60701F4E}" type="datetimeFigureOut">
               <a:rPr lang="ko-KR" altLang="en-US" smtClean="0"/>
-              <a:t>2021-10-04</a:t>
+              <a:t>2021-10-08</a:t>
             </a:fld>
             <a:endParaRPr lang="ko-KR" altLang="en-US"/>
           </a:p>
@@ -1959,7 +1960,7 @@
           <a:p>
             <a:fld id="{93EFE02C-6951-4A24-9F91-644F60701F4E}" type="datetimeFigureOut">
               <a:rPr lang="ko-KR" altLang="en-US" smtClean="0"/>
-              <a:t>2021-10-04</a:t>
+              <a:t>2021-10-08</a:t>
             </a:fld>
             <a:endParaRPr lang="ko-KR" altLang="en-US"/>
           </a:p>
@@ -2072,7 +2073,7 @@
           <a:p>
             <a:fld id="{93EFE02C-6951-4A24-9F91-644F60701F4E}" type="datetimeFigureOut">
               <a:rPr lang="ko-KR" altLang="en-US" smtClean="0"/>
-              <a:t>2021-10-04</a:t>
+              <a:t>2021-10-08</a:t>
             </a:fld>
             <a:endParaRPr lang="ko-KR" altLang="en-US"/>
           </a:p>
@@ -2383,7 +2384,7 @@
           <a:p>
             <a:fld id="{93EFE02C-6951-4A24-9F91-644F60701F4E}" type="datetimeFigureOut">
               <a:rPr lang="ko-KR" altLang="en-US" smtClean="0"/>
-              <a:t>2021-10-04</a:t>
+              <a:t>2021-10-08</a:t>
             </a:fld>
             <a:endParaRPr lang="ko-KR" altLang="en-US"/>
           </a:p>
@@ -2671,7 +2672,7 @@
           <a:p>
             <a:fld id="{93EFE02C-6951-4A24-9F91-644F60701F4E}" type="datetimeFigureOut">
               <a:rPr lang="ko-KR" altLang="en-US" smtClean="0"/>
-              <a:t>2021-10-04</a:t>
+              <a:t>2021-10-08</a:t>
             </a:fld>
             <a:endParaRPr lang="ko-KR" altLang="en-US"/>
           </a:p>
@@ -2912,7 +2913,7 @@
           <a:p>
             <a:fld id="{93EFE02C-6951-4A24-9F91-644F60701F4E}" type="datetimeFigureOut">
               <a:rPr lang="ko-KR" altLang="en-US" smtClean="0"/>
-              <a:t>2021-10-04</a:t>
+              <a:t>2021-10-08</a:t>
             </a:fld>
             <a:endParaRPr lang="ko-KR" altLang="en-US"/>
           </a:p>
@@ -5876,6 +5877,782 @@
 </p:sld>
 </file>
 
+<file path=ppt/slides/slide5.xml><?xml version="1.0" encoding="utf-8"?>
+<p:sld xmlns:a="http://schemas.openxmlformats.org/drawingml/2006/main" xmlns:r="http://schemas.openxmlformats.org/officeDocument/2006/relationships" xmlns:p="http://schemas.openxmlformats.org/presentationml/2006/main">
+  <p:cSld>
+    <p:spTree>
+      <p:nvGrpSpPr>
+        <p:cNvPr id="1" name=""/>
+        <p:cNvGrpSpPr/>
+        <p:nvPr/>
+      </p:nvGrpSpPr>
+      <p:grpSpPr>
+        <a:xfrm>
+          <a:off x="0" y="0"/>
+          <a:ext cx="0" cy="0"/>
+          <a:chOff x="0" y="0"/>
+          <a:chExt cx="0" cy="0"/>
+        </a:xfrm>
+      </p:grpSpPr>
+      <p:sp>
+        <p:nvSpPr>
+          <p:cNvPr id="6" name="TextBox 5">
+            <a:extLst>
+              <a:ext uri="{FF2B5EF4-FFF2-40B4-BE49-F238E27FC236}">
+                <a16:creationId xmlns:a16="http://schemas.microsoft.com/office/drawing/2014/main" id="{0A7BDBCA-B22C-4194-8E7D-197C28900707}"/>
+              </a:ext>
+            </a:extLst>
+          </p:cNvPr>
+          <p:cNvSpPr txBox="1"/>
+          <p:nvPr/>
+        </p:nvSpPr>
+        <p:spPr>
+          <a:xfrm>
+            <a:off x="638629" y="4071256"/>
+            <a:ext cx="8127999" cy="369332"/>
+          </a:xfrm>
+          <a:prstGeom prst="rect">
+            <a:avLst/>
+          </a:prstGeom>
+          <a:noFill/>
+        </p:spPr>
+        <p:txBody>
+          <a:bodyPr wrap="square" rtlCol="0">
+            <a:spAutoFit/>
+          </a:bodyPr>
+          <a:lstStyle/>
+          <a:p>
+            <a:pPr algn="ctr"/>
+            <a:r>
+              <a:rPr lang="en-US" altLang="ko-KR"/>
+              <a:t>&lt;</a:t>
+            </a:r>
+            <a:r>
+              <a:rPr lang="ko-KR" altLang="en-US"/>
+              <a:t>빵집 알고리즘</a:t>
+            </a:r>
+            <a:r>
+              <a:rPr lang="en-US" altLang="ko-KR"/>
+              <a:t>&gt;</a:t>
+            </a:r>
+            <a:endParaRPr lang="ko-KR" altLang="en-US"/>
+          </a:p>
+        </p:txBody>
+      </p:sp>
+      <p:graphicFrame>
+        <p:nvGraphicFramePr>
+          <p:cNvPr id="2" name="표 2">
+            <a:extLst>
+              <a:ext uri="{FF2B5EF4-FFF2-40B4-BE49-F238E27FC236}">
+                <a16:creationId xmlns:a16="http://schemas.microsoft.com/office/drawing/2014/main" id="{2080671F-9281-426D-9D0D-5EE282A5DF46}"/>
+              </a:ext>
+            </a:extLst>
+          </p:cNvPr>
+          <p:cNvGraphicFramePr>
+            <a:graphicFrameLocks noGrp="1"/>
+          </p:cNvGraphicFramePr>
+          <p:nvPr>
+            <p:extLst>
+              <p:ext uri="{D42A27DB-BD31-4B8C-83A1-F6EECF244321}">
+                <p14:modId xmlns:p14="http://schemas.microsoft.com/office/powerpoint/2010/main" val="3224428903"/>
+              </p:ext>
+            </p:extLst>
+          </p:nvPr>
+        </p:nvGraphicFramePr>
+        <p:xfrm>
+          <a:off x="638629" y="297180"/>
+          <a:ext cx="9288101" cy="5745662"/>
+        </p:xfrm>
+        <a:graphic>
+          <a:graphicData uri="http://schemas.openxmlformats.org/drawingml/2006/table">
+            <a:tbl>
+              <a:tblPr firstRow="1" bandRow="1">
+                <a:tableStyleId>{F5AB1C69-6EDB-4FF4-983F-18BD219EF322}</a:tableStyleId>
+              </a:tblPr>
+              <a:tblGrid>
+                <a:gridCol w="2779486">
+                  <a:extLst>
+                    <a:ext uri="{9D8B030D-6E8A-4147-A177-3AD203B41FA5}">
+                      <a16:colId xmlns:a16="http://schemas.microsoft.com/office/drawing/2014/main" val="858713340"/>
+                    </a:ext>
+                  </a:extLst>
+                </a:gridCol>
+                <a:gridCol w="1480456">
+                  <a:extLst>
+                    <a:ext uri="{9D8B030D-6E8A-4147-A177-3AD203B41FA5}">
+                      <a16:colId xmlns:a16="http://schemas.microsoft.com/office/drawing/2014/main" val="3452561164"/>
+                    </a:ext>
+                  </a:extLst>
+                </a:gridCol>
+                <a:gridCol w="1045029">
+                  <a:extLst>
+                    <a:ext uri="{9D8B030D-6E8A-4147-A177-3AD203B41FA5}">
+                      <a16:colId xmlns:a16="http://schemas.microsoft.com/office/drawing/2014/main" val="3285258382"/>
+                    </a:ext>
+                  </a:extLst>
+                </a:gridCol>
+                <a:gridCol w="3983130">
+                  <a:extLst>
+                    <a:ext uri="{9D8B030D-6E8A-4147-A177-3AD203B41FA5}">
+                      <a16:colId xmlns:a16="http://schemas.microsoft.com/office/drawing/2014/main" val="2543099069"/>
+                    </a:ext>
+                  </a:extLst>
+                </a:gridCol>
+              </a:tblGrid>
+              <a:tr h="402998">
+                <a:tc>
+                  <a:txBody>
+                    <a:bodyPr/>
+                    <a:lstStyle/>
+                    <a:p>
+                      <a:pPr latinLnBrk="1"/>
+                      <a:endParaRPr lang="ko-KR" altLang="en-US"/>
+                    </a:p>
+                  </a:txBody>
+                  <a:tcPr/>
+                </a:tc>
+                <a:tc>
+                  <a:txBody>
+                    <a:bodyPr/>
+                    <a:lstStyle/>
+                    <a:p>
+                      <a:pPr algn="ctr" latinLnBrk="1"/>
+                      <a:r>
+                        <a:rPr lang="ko-KR" altLang="en-US">
+                          <a:solidFill>
+                            <a:schemeClr val="tx1"/>
+                          </a:solidFill>
+                        </a:rPr>
+                        <a:t>쓰레드</a:t>
+                      </a:r>
+                    </a:p>
+                  </a:txBody>
+                  <a:tcPr anchor="ctr"/>
+                </a:tc>
+                <a:tc>
+                  <a:txBody>
+                    <a:bodyPr/>
+                    <a:lstStyle/>
+                    <a:p>
+                      <a:pPr algn="ctr" latinLnBrk="1"/>
+                      <a:r>
+                        <a:rPr lang="ko-KR" altLang="en-US">
+                          <a:solidFill>
+                            <a:schemeClr val="tx1"/>
+                          </a:solidFill>
+                        </a:rPr>
+                        <a:t>시간</a:t>
+                      </a:r>
+                      <a:r>
+                        <a:rPr lang="en-US" altLang="ko-KR">
+                          <a:solidFill>
+                            <a:schemeClr val="tx1"/>
+                          </a:solidFill>
+                        </a:rPr>
+                        <a:t>(ms)</a:t>
+                      </a:r>
+                      <a:endParaRPr lang="ko-KR" altLang="en-US">
+                        <a:solidFill>
+                          <a:schemeClr val="tx1"/>
+                        </a:solidFill>
+                      </a:endParaRPr>
+                    </a:p>
+                  </a:txBody>
+                  <a:tcPr anchor="ctr"/>
+                </a:tc>
+                <a:tc>
+                  <a:txBody>
+                    <a:bodyPr/>
+                    <a:lstStyle/>
+                    <a:p>
+                      <a:pPr algn="ctr" latinLnBrk="1"/>
+                      <a:r>
+                        <a:rPr lang="ko-KR" altLang="en-US">
+                          <a:solidFill>
+                            <a:schemeClr val="tx1"/>
+                          </a:solidFill>
+                        </a:rPr>
+                        <a:t>결과</a:t>
+                      </a:r>
+                    </a:p>
+                  </a:txBody>
+                  <a:tcPr anchor="ctr"/>
+                </a:tc>
+                <a:extLst>
+                  <a:ext uri="{0D108BD9-81ED-4DB2-BD59-A6C34878D82A}">
+                    <a16:rowId xmlns:a16="http://schemas.microsoft.com/office/drawing/2014/main" val="3542652350"/>
+                  </a:ext>
+                </a:extLst>
+              </a:tr>
+              <a:tr h="402998">
+                <a:tc rowSpan="4">
+                  <a:txBody>
+                    <a:bodyPr/>
+                    <a:lstStyle/>
+                    <a:p>
+                      <a:pPr algn="ctr" latinLnBrk="1"/>
+                      <a:r>
+                        <a:rPr lang="ko-KR" altLang="en-US"/>
+                        <a:t>성긴</a:t>
+                      </a:r>
+                      <a:endParaRPr lang="en-US" altLang="ko-KR"/>
+                    </a:p>
+                    <a:p>
+                      <a:pPr algn="ctr" latinLnBrk="1"/>
+                      <a:r>
+                        <a:rPr lang="ko-KR" altLang="en-US"/>
+                        <a:t> 동기화</a:t>
+                      </a:r>
+                    </a:p>
+                  </a:txBody>
+                  <a:tcPr anchor="ctr"/>
+                </a:tc>
+                <a:tc>
+                  <a:txBody>
+                    <a:bodyPr/>
+                    <a:lstStyle/>
+                    <a:p>
+                      <a:pPr algn="ctr" latinLnBrk="1"/>
+                      <a:r>
+                        <a:rPr lang="en-US" altLang="ko-KR"/>
+                        <a:t>1</a:t>
+                      </a:r>
+                      <a:r>
+                        <a:rPr lang="ko-KR" altLang="en-US"/>
+                        <a:t>개</a:t>
+                      </a:r>
+                      <a:endParaRPr lang="en-US" altLang="ko-KR"/>
+                    </a:p>
+                  </a:txBody>
+                  <a:tcPr anchor="ctr"/>
+                </a:tc>
+                <a:tc>
+                  <a:txBody>
+                    <a:bodyPr/>
+                    <a:lstStyle/>
+                    <a:p>
+                      <a:pPr algn="ctr" latinLnBrk="1"/>
+                      <a:r>
+                        <a:rPr lang="en-US" altLang="ko-KR"/>
+                        <a:t>1487</a:t>
+                      </a:r>
+                      <a:endParaRPr lang="ko-KR" altLang="en-US"/>
+                    </a:p>
+                  </a:txBody>
+                  <a:tcPr anchor="ctr"/>
+                </a:tc>
+                <a:tc>
+                  <a:txBody>
+                    <a:bodyPr/>
+                    <a:lstStyle/>
+                    <a:p>
+                      <a:pPr algn="ctr" latinLnBrk="1"/>
+                      <a:r>
+                        <a:rPr lang="en-US" altLang="ko-KR"/>
+                        <a:t>0, 7, 9, 10, 13, 19, 20, 21, 25, 29, 32, 33, 36, 38, 40, 42, 43, 45, 46, 47,</a:t>
+                      </a:r>
+                      <a:endParaRPr lang="ko-KR" altLang="en-US"/>
+                    </a:p>
+                  </a:txBody>
+                  <a:tcPr anchor="ctr"/>
+                </a:tc>
+                <a:extLst>
+                  <a:ext uri="{0D108BD9-81ED-4DB2-BD59-A6C34878D82A}">
+                    <a16:rowId xmlns:a16="http://schemas.microsoft.com/office/drawing/2014/main" val="2220231314"/>
+                  </a:ext>
+                </a:extLst>
+              </a:tr>
+              <a:tr h="402998">
+                <a:tc vMerge="1">
+                  <a:txBody>
+                    <a:bodyPr/>
+                    <a:lstStyle/>
+                    <a:p>
+                      <a:pPr latinLnBrk="1"/>
+                      <a:endParaRPr lang="ko-KR" altLang="en-US"/>
+                    </a:p>
+                  </a:txBody>
+                  <a:tcPr/>
+                </a:tc>
+                <a:tc>
+                  <a:txBody>
+                    <a:bodyPr/>
+                    <a:lstStyle/>
+                    <a:p>
+                      <a:pPr algn="ctr" latinLnBrk="1"/>
+                      <a:r>
+                        <a:rPr lang="en-US" altLang="ko-KR"/>
+                        <a:t>2</a:t>
+                      </a:r>
+                      <a:r>
+                        <a:rPr lang="ko-KR" altLang="en-US"/>
+                        <a:t>개</a:t>
+                      </a:r>
+                    </a:p>
+                  </a:txBody>
+                  <a:tcPr anchor="ctr"/>
+                </a:tc>
+                <a:tc>
+                  <a:txBody>
+                    <a:bodyPr/>
+                    <a:lstStyle/>
+                    <a:p>
+                      <a:pPr algn="ctr" latinLnBrk="1"/>
+                      <a:r>
+                        <a:rPr lang="en-US" altLang="ko-KR"/>
+                        <a:t>1543</a:t>
+                      </a:r>
+                      <a:endParaRPr lang="ko-KR" altLang="en-US"/>
+                    </a:p>
+                  </a:txBody>
+                  <a:tcPr anchor="ctr"/>
+                </a:tc>
+                <a:tc>
+                  <a:txBody>
+                    <a:bodyPr/>
+                    <a:lstStyle/>
+                    <a:p>
+                      <a:pPr algn="ctr" latinLnBrk="1"/>
+                      <a:r>
+                        <a:rPr lang="en-US" altLang="ko-KR"/>
+                        <a:t>1, 2, 3, 8, 10, 12, 13, 23, 24, 30, 34, 35, 36, 38, 40, 42, 43, 44, 47, 48,</a:t>
+                      </a:r>
+                      <a:endParaRPr lang="ko-KR" altLang="en-US"/>
+                    </a:p>
+                  </a:txBody>
+                  <a:tcPr anchor="ctr"/>
+                </a:tc>
+                <a:extLst>
+                  <a:ext uri="{0D108BD9-81ED-4DB2-BD59-A6C34878D82A}">
+                    <a16:rowId xmlns:a16="http://schemas.microsoft.com/office/drawing/2014/main" val="484012607"/>
+                  </a:ext>
+                </a:extLst>
+              </a:tr>
+              <a:tr h="402998">
+                <a:tc vMerge="1">
+                  <a:txBody>
+                    <a:bodyPr/>
+                    <a:lstStyle/>
+                    <a:p>
+                      <a:pPr latinLnBrk="1"/>
+                      <a:endParaRPr lang="ko-KR" altLang="en-US"/>
+                    </a:p>
+                  </a:txBody>
+                  <a:tcPr/>
+                </a:tc>
+                <a:tc>
+                  <a:txBody>
+                    <a:bodyPr/>
+                    <a:lstStyle/>
+                    <a:p>
+                      <a:pPr algn="ctr" latinLnBrk="1"/>
+                      <a:r>
+                        <a:rPr lang="en-US" altLang="ko-KR"/>
+                        <a:t>4</a:t>
+                      </a:r>
+                      <a:r>
+                        <a:rPr lang="ko-KR" altLang="en-US"/>
+                        <a:t>개</a:t>
+                      </a:r>
+                    </a:p>
+                  </a:txBody>
+                  <a:tcPr anchor="ctr"/>
+                </a:tc>
+                <a:tc>
+                  <a:txBody>
+                    <a:bodyPr/>
+                    <a:lstStyle/>
+                    <a:p>
+                      <a:pPr algn="ctr" latinLnBrk="1"/>
+                      <a:r>
+                        <a:rPr lang="en-US" altLang="ko-KR"/>
+                        <a:t>1814</a:t>
+                      </a:r>
+                      <a:endParaRPr lang="ko-KR" altLang="en-US"/>
+                    </a:p>
+                  </a:txBody>
+                  <a:tcPr anchor="ctr"/>
+                </a:tc>
+                <a:tc>
+                  <a:txBody>
+                    <a:bodyPr/>
+                    <a:lstStyle/>
+                    <a:p>
+                      <a:pPr algn="ctr" latinLnBrk="1"/>
+                      <a:r>
+                        <a:rPr lang="en-US" altLang="ko-KR"/>
+                        <a:t>1, 2, 3, 6, 9, 11, 13, 14, 16, 17, 18, 19, 21, 23, 24, 26, 33, 34, 35, 36,</a:t>
+                      </a:r>
+                      <a:endParaRPr lang="ko-KR" altLang="en-US"/>
+                    </a:p>
+                  </a:txBody>
+                  <a:tcPr anchor="ctr"/>
+                </a:tc>
+                <a:extLst>
+                  <a:ext uri="{0D108BD9-81ED-4DB2-BD59-A6C34878D82A}">
+                    <a16:rowId xmlns:a16="http://schemas.microsoft.com/office/drawing/2014/main" val="114936681"/>
+                  </a:ext>
+                </a:extLst>
+              </a:tr>
+              <a:tr h="402998">
+                <a:tc vMerge="1">
+                  <a:txBody>
+                    <a:bodyPr/>
+                    <a:lstStyle/>
+                    <a:p>
+                      <a:pPr latinLnBrk="1"/>
+                      <a:endParaRPr lang="ko-KR" altLang="en-US"/>
+                    </a:p>
+                  </a:txBody>
+                  <a:tcPr/>
+                </a:tc>
+                <a:tc>
+                  <a:txBody>
+                    <a:bodyPr/>
+                    <a:lstStyle/>
+                    <a:p>
+                      <a:pPr algn="ctr" latinLnBrk="1"/>
+                      <a:r>
+                        <a:rPr lang="en-US" altLang="ko-KR"/>
+                        <a:t>8</a:t>
+                      </a:r>
+                      <a:r>
+                        <a:rPr lang="ko-KR" altLang="en-US"/>
+                        <a:t>개</a:t>
+                      </a:r>
+                    </a:p>
+                  </a:txBody>
+                  <a:tcPr anchor="ctr"/>
+                </a:tc>
+                <a:tc>
+                  <a:txBody>
+                    <a:bodyPr/>
+                    <a:lstStyle/>
+                    <a:p>
+                      <a:pPr algn="ctr" latinLnBrk="1"/>
+                      <a:r>
+                        <a:rPr lang="en-US" altLang="ko-KR"/>
+                        <a:t>2451</a:t>
+                      </a:r>
+                      <a:endParaRPr lang="ko-KR" altLang="en-US"/>
+                    </a:p>
+                  </a:txBody>
+                  <a:tcPr anchor="ctr"/>
+                </a:tc>
+                <a:tc>
+                  <a:txBody>
+                    <a:bodyPr/>
+                    <a:lstStyle/>
+                    <a:p>
+                      <a:pPr algn="ctr" latinLnBrk="1"/>
+                      <a:r>
+                        <a:rPr lang="en-US" altLang="ko-KR"/>
+                        <a:t>3, 8, 10, 11, 12, 13, 17, 18, 19, 20, 21, 22, 24, 29, 30, 32, 33, 34, 35, 36,</a:t>
+                      </a:r>
+                      <a:endParaRPr lang="ko-KR" altLang="en-US"/>
+                    </a:p>
+                  </a:txBody>
+                  <a:tcPr anchor="ctr"/>
+                </a:tc>
+                <a:extLst>
+                  <a:ext uri="{0D108BD9-81ED-4DB2-BD59-A6C34878D82A}">
+                    <a16:rowId xmlns:a16="http://schemas.microsoft.com/office/drawing/2014/main" val="272348954"/>
+                  </a:ext>
+                </a:extLst>
+              </a:tr>
+              <a:tr h="695586">
+                <a:tc rowSpan="4">
+                  <a:txBody>
+                    <a:bodyPr/>
+                    <a:lstStyle/>
+                    <a:p>
+                      <a:pPr algn="ctr" latinLnBrk="1"/>
+                      <a:r>
+                        <a:rPr lang="ko-KR" altLang="en-US"/>
+                        <a:t>세밀한 </a:t>
+                      </a:r>
+                      <a:endParaRPr lang="en-US" altLang="ko-KR"/>
+                    </a:p>
+                    <a:p>
+                      <a:pPr algn="ctr" latinLnBrk="1"/>
+                      <a:r>
+                        <a:rPr lang="ko-KR" altLang="en-US"/>
+                        <a:t>동기화</a:t>
+                      </a:r>
+                    </a:p>
+                  </a:txBody>
+                  <a:tcPr anchor="ctr"/>
+                </a:tc>
+                <a:tc>
+                  <a:txBody>
+                    <a:bodyPr/>
+                    <a:lstStyle/>
+                    <a:p>
+                      <a:pPr algn="ctr" latinLnBrk="1"/>
+                      <a:r>
+                        <a:rPr lang="en-US" altLang="ko-KR"/>
+                        <a:t>1</a:t>
+                      </a:r>
+                      <a:r>
+                        <a:rPr lang="ko-KR" altLang="en-US"/>
+                        <a:t>개</a:t>
+                      </a:r>
+                      <a:endParaRPr lang="en-US" altLang="ko-KR"/>
+                    </a:p>
+                  </a:txBody>
+                  <a:tcPr anchor="ctr"/>
+                </a:tc>
+                <a:tc>
+                  <a:txBody>
+                    <a:bodyPr/>
+                    <a:lstStyle/>
+                    <a:p>
+                      <a:pPr algn="ctr" latinLnBrk="1"/>
+                      <a:r>
+                        <a:rPr lang="en-US" altLang="ko-KR"/>
+                        <a:t>11158</a:t>
+                      </a:r>
+                      <a:endParaRPr lang="ko-KR" altLang="en-US"/>
+                    </a:p>
+                  </a:txBody>
+                  <a:tcPr anchor="ctr"/>
+                </a:tc>
+                <a:tc>
+                  <a:txBody>
+                    <a:bodyPr/>
+                    <a:lstStyle/>
+                    <a:p>
+                      <a:pPr algn="ctr" latinLnBrk="1"/>
+                      <a:r>
+                        <a:rPr lang="en-US" altLang="ko-KR"/>
+                        <a:t>0, 7, 9, 10, 13, 19, 20, 21, 25, 29, 32, 33, 36, 38, 40, 42, 43, 45, 46, 47,</a:t>
+                      </a:r>
+                      <a:endParaRPr lang="ko-KR" altLang="en-US"/>
+                    </a:p>
+                  </a:txBody>
+                  <a:tcPr anchor="ctr"/>
+                </a:tc>
+                <a:extLst>
+                  <a:ext uri="{0D108BD9-81ED-4DB2-BD59-A6C34878D82A}">
+                    <a16:rowId xmlns:a16="http://schemas.microsoft.com/office/drawing/2014/main" val="1171725222"/>
+                  </a:ext>
+                </a:extLst>
+              </a:tr>
+              <a:tr h="695586">
+                <a:tc vMerge="1">
+                  <a:txBody>
+                    <a:bodyPr/>
+                    <a:lstStyle/>
+                    <a:p>
+                      <a:pPr latinLnBrk="1"/>
+                      <a:endParaRPr lang="ko-KR" altLang="en-US"/>
+                    </a:p>
+                  </a:txBody>
+                  <a:tcPr/>
+                </a:tc>
+                <a:tc>
+                  <a:txBody>
+                    <a:bodyPr/>
+                    <a:lstStyle/>
+                    <a:p>
+                      <a:pPr algn="ctr" latinLnBrk="1"/>
+                      <a:r>
+                        <a:rPr lang="en-US" altLang="ko-KR"/>
+                        <a:t>2</a:t>
+                      </a:r>
+                      <a:r>
+                        <a:rPr lang="ko-KR" altLang="en-US"/>
+                        <a:t>개</a:t>
+                      </a:r>
+                    </a:p>
+                  </a:txBody>
+                  <a:tcPr anchor="ctr"/>
+                </a:tc>
+                <a:tc>
+                  <a:txBody>
+                    <a:bodyPr/>
+                    <a:lstStyle/>
+                    <a:p>
+                      <a:pPr algn="ctr" latinLnBrk="1"/>
+                      <a:r>
+                        <a:rPr lang="en-US" altLang="ko-KR"/>
+                        <a:t>11882</a:t>
+                      </a:r>
+                      <a:endParaRPr lang="ko-KR" altLang="en-US"/>
+                    </a:p>
+                  </a:txBody>
+                  <a:tcPr anchor="ctr"/>
+                </a:tc>
+                <a:tc>
+                  <a:txBody>
+                    <a:bodyPr/>
+                    <a:lstStyle/>
+                    <a:p>
+                      <a:pPr algn="ctr" latinLnBrk="1"/>
+                      <a:r>
+                        <a:rPr lang="en-US" altLang="ko-KR"/>
+                        <a:t>1, 2, 3, 8, 10, 12, 13, 23, 24, 30, 34, 35, 36, 38, 40, 42, 43, 44, 47, 48,</a:t>
+                      </a:r>
+                      <a:endParaRPr lang="ko-KR" altLang="en-US"/>
+                    </a:p>
+                  </a:txBody>
+                  <a:tcPr anchor="ctr"/>
+                </a:tc>
+                <a:extLst>
+                  <a:ext uri="{0D108BD9-81ED-4DB2-BD59-A6C34878D82A}">
+                    <a16:rowId xmlns:a16="http://schemas.microsoft.com/office/drawing/2014/main" val="3770393000"/>
+                  </a:ext>
+                </a:extLst>
+              </a:tr>
+              <a:tr h="695586">
+                <a:tc vMerge="1">
+                  <a:txBody>
+                    <a:bodyPr/>
+                    <a:lstStyle/>
+                    <a:p>
+                      <a:pPr latinLnBrk="1"/>
+                      <a:endParaRPr lang="ko-KR" altLang="en-US"/>
+                    </a:p>
+                  </a:txBody>
+                  <a:tcPr/>
+                </a:tc>
+                <a:tc>
+                  <a:txBody>
+                    <a:bodyPr/>
+                    <a:lstStyle/>
+                    <a:p>
+                      <a:pPr algn="ctr" latinLnBrk="1"/>
+                      <a:r>
+                        <a:rPr lang="en-US" altLang="ko-KR"/>
+                        <a:t>4</a:t>
+                      </a:r>
+                      <a:r>
+                        <a:rPr lang="ko-KR" altLang="en-US"/>
+                        <a:t>개</a:t>
+                      </a:r>
+                    </a:p>
+                  </a:txBody>
+                  <a:tcPr anchor="ctr"/>
+                </a:tc>
+                <a:tc>
+                  <a:txBody>
+                    <a:bodyPr/>
+                    <a:lstStyle/>
+                    <a:p>
+                      <a:pPr algn="ctr" latinLnBrk="1"/>
+                      <a:r>
+                        <a:rPr lang="en-US" altLang="ko-KR"/>
+                        <a:t>7256</a:t>
+                      </a:r>
+                      <a:endParaRPr lang="ko-KR" altLang="en-US"/>
+                    </a:p>
+                  </a:txBody>
+                  <a:tcPr anchor="ctr"/>
+                </a:tc>
+                <a:tc>
+                  <a:txBody>
+                    <a:bodyPr/>
+                    <a:lstStyle/>
+                    <a:p>
+                      <a:pPr algn="ctr" latinLnBrk="1"/>
+                      <a:r>
+                        <a:rPr lang="en-US" altLang="ko-KR"/>
+                        <a:t>1, 2, 3, 6, 9, 11, 13, 14, 16, 17, 18, 19, 21, 23, 24, 26, 33, 34, 35, 36,</a:t>
+                      </a:r>
+                      <a:endParaRPr lang="ko-KR" altLang="en-US"/>
+                    </a:p>
+                  </a:txBody>
+                  <a:tcPr anchor="ctr"/>
+                </a:tc>
+                <a:extLst>
+                  <a:ext uri="{0D108BD9-81ED-4DB2-BD59-A6C34878D82A}">
+                    <a16:rowId xmlns:a16="http://schemas.microsoft.com/office/drawing/2014/main" val="1956506710"/>
+                  </a:ext>
+                </a:extLst>
+              </a:tr>
+              <a:tr h="695586">
+                <a:tc vMerge="1">
+                  <a:txBody>
+                    <a:bodyPr/>
+                    <a:lstStyle/>
+                    <a:p>
+                      <a:pPr latinLnBrk="1"/>
+                      <a:endParaRPr lang="ko-KR" altLang="en-US"/>
+                    </a:p>
+                  </a:txBody>
+                  <a:tcPr/>
+                </a:tc>
+                <a:tc>
+                  <a:txBody>
+                    <a:bodyPr/>
+                    <a:lstStyle/>
+                    <a:p>
+                      <a:pPr algn="ctr" latinLnBrk="1"/>
+                      <a:r>
+                        <a:rPr lang="en-US" altLang="ko-KR"/>
+                        <a:t>8</a:t>
+                      </a:r>
+                      <a:r>
+                        <a:rPr lang="ko-KR" altLang="en-US"/>
+                        <a:t>개</a:t>
+                      </a:r>
+                    </a:p>
+                  </a:txBody>
+                  <a:tcPr anchor="ctr"/>
+                </a:tc>
+                <a:tc>
+                  <a:txBody>
+                    <a:bodyPr/>
+                    <a:lstStyle/>
+                    <a:p>
+                      <a:pPr algn="ctr" latinLnBrk="1"/>
+                      <a:r>
+                        <a:rPr lang="en-US" altLang="ko-KR"/>
+                        <a:t>7092</a:t>
+                      </a:r>
+                      <a:endParaRPr lang="ko-KR" altLang="en-US"/>
+                    </a:p>
+                  </a:txBody>
+                  <a:tcPr anchor="ctr"/>
+                </a:tc>
+                <a:tc>
+                  <a:txBody>
+                    <a:bodyPr/>
+                    <a:lstStyle/>
+                    <a:p>
+                      <a:pPr algn="ctr" latinLnBrk="1"/>
+                      <a:r>
+                        <a:rPr lang="en-US" altLang="ko-KR"/>
+                        <a:t>3, 8, 10, 11, 12, 13, 17, 18, 19, 20, 21, 22, 24, 29, 30, 32, 33, 34, 35, 36,</a:t>
+                      </a:r>
+                      <a:endParaRPr lang="ko-KR" altLang="en-US"/>
+                    </a:p>
+                  </a:txBody>
+                  <a:tcPr anchor="ctr"/>
+                </a:tc>
+                <a:extLst>
+                  <a:ext uri="{0D108BD9-81ED-4DB2-BD59-A6C34878D82A}">
+                    <a16:rowId xmlns:a16="http://schemas.microsoft.com/office/drawing/2014/main" val="4149718984"/>
+                  </a:ext>
+                </a:extLst>
+              </a:tr>
+            </a:tbl>
+          </a:graphicData>
+        </a:graphic>
+      </p:graphicFrame>
+    </p:spTree>
+    <p:extLst>
+      <p:ext uri="{BB962C8B-B14F-4D97-AF65-F5344CB8AC3E}">
+        <p14:creationId xmlns:p14="http://schemas.microsoft.com/office/powerpoint/2010/main" val="3456241605"/>
+      </p:ext>
+    </p:extLst>
+  </p:cSld>
+  <p:clrMapOvr>
+    <a:masterClrMapping/>
+  </p:clrMapOvr>
+</p:sld>
+</file>
+
 <file path=ppt/theme/theme1.xml><?xml version="1.0" encoding="utf-8"?>
 <a:theme xmlns:a="http://schemas.openxmlformats.org/drawingml/2006/main" name="Office 테마">
   <a:themeElements>

--- a/표정리.pptx
+++ b/표정리.pptx
@@ -10,6 +10,7 @@
     <p:sldId id="258" r:id="rId4"/>
     <p:sldId id="259" r:id="rId5"/>
     <p:sldId id="260" r:id="rId6"/>
+    <p:sldId id="261" r:id="rId7"/>
   </p:sldIdLst>
   <p:sldSz cx="12192000" cy="6858000"/>
   <p:notesSz cx="6858000" cy="9144000"/>
@@ -263,7 +264,7 @@
           <a:p>
             <a:fld id="{93EFE02C-6951-4A24-9F91-644F60701F4E}" type="datetimeFigureOut">
               <a:rPr lang="ko-KR" altLang="en-US" smtClean="0"/>
-              <a:t>2021-10-08</a:t>
+              <a:t>2021-11-07</a:t>
             </a:fld>
             <a:endParaRPr lang="ko-KR" altLang="en-US"/>
           </a:p>
@@ -461,7 +462,7 @@
           <a:p>
             <a:fld id="{93EFE02C-6951-4A24-9F91-644F60701F4E}" type="datetimeFigureOut">
               <a:rPr lang="ko-KR" altLang="en-US" smtClean="0"/>
-              <a:t>2021-10-08</a:t>
+              <a:t>2021-11-07</a:t>
             </a:fld>
             <a:endParaRPr lang="ko-KR" altLang="en-US"/>
           </a:p>
@@ -669,7 +670,7 @@
           <a:p>
             <a:fld id="{93EFE02C-6951-4A24-9F91-644F60701F4E}" type="datetimeFigureOut">
               <a:rPr lang="ko-KR" altLang="en-US" smtClean="0"/>
-              <a:t>2021-10-08</a:t>
+              <a:t>2021-11-07</a:t>
             </a:fld>
             <a:endParaRPr lang="ko-KR" altLang="en-US"/>
           </a:p>
@@ -867,7 +868,7 @@
           <a:p>
             <a:fld id="{93EFE02C-6951-4A24-9F91-644F60701F4E}" type="datetimeFigureOut">
               <a:rPr lang="ko-KR" altLang="en-US" smtClean="0"/>
-              <a:t>2021-10-08</a:t>
+              <a:t>2021-11-07</a:t>
             </a:fld>
             <a:endParaRPr lang="ko-KR" altLang="en-US"/>
           </a:p>
@@ -1142,7 +1143,7 @@
           <a:p>
             <a:fld id="{93EFE02C-6951-4A24-9F91-644F60701F4E}" type="datetimeFigureOut">
               <a:rPr lang="ko-KR" altLang="en-US" smtClean="0"/>
-              <a:t>2021-10-08</a:t>
+              <a:t>2021-11-07</a:t>
             </a:fld>
             <a:endParaRPr lang="ko-KR" altLang="en-US"/>
           </a:p>
@@ -1407,7 +1408,7 @@
           <a:p>
             <a:fld id="{93EFE02C-6951-4A24-9F91-644F60701F4E}" type="datetimeFigureOut">
               <a:rPr lang="ko-KR" altLang="en-US" smtClean="0"/>
-              <a:t>2021-10-08</a:t>
+              <a:t>2021-11-07</a:t>
             </a:fld>
             <a:endParaRPr lang="ko-KR" altLang="en-US"/>
           </a:p>
@@ -1819,7 +1820,7 @@
           <a:p>
             <a:fld id="{93EFE02C-6951-4A24-9F91-644F60701F4E}" type="datetimeFigureOut">
               <a:rPr lang="ko-KR" altLang="en-US" smtClean="0"/>
-              <a:t>2021-10-08</a:t>
+              <a:t>2021-11-07</a:t>
             </a:fld>
             <a:endParaRPr lang="ko-KR" altLang="en-US"/>
           </a:p>
@@ -1960,7 +1961,7 @@
           <a:p>
             <a:fld id="{93EFE02C-6951-4A24-9F91-644F60701F4E}" type="datetimeFigureOut">
               <a:rPr lang="ko-KR" altLang="en-US" smtClean="0"/>
-              <a:t>2021-10-08</a:t>
+              <a:t>2021-11-07</a:t>
             </a:fld>
             <a:endParaRPr lang="ko-KR" altLang="en-US"/>
           </a:p>
@@ -2073,7 +2074,7 @@
           <a:p>
             <a:fld id="{93EFE02C-6951-4A24-9F91-644F60701F4E}" type="datetimeFigureOut">
               <a:rPr lang="ko-KR" altLang="en-US" smtClean="0"/>
-              <a:t>2021-10-08</a:t>
+              <a:t>2021-11-07</a:t>
             </a:fld>
             <a:endParaRPr lang="ko-KR" altLang="en-US"/>
           </a:p>
@@ -2384,7 +2385,7 @@
           <a:p>
             <a:fld id="{93EFE02C-6951-4A24-9F91-644F60701F4E}" type="datetimeFigureOut">
               <a:rPr lang="ko-KR" altLang="en-US" smtClean="0"/>
-              <a:t>2021-10-08</a:t>
+              <a:t>2021-11-07</a:t>
             </a:fld>
             <a:endParaRPr lang="ko-KR" altLang="en-US"/>
           </a:p>
@@ -2672,7 +2673,7 @@
           <a:p>
             <a:fld id="{93EFE02C-6951-4A24-9F91-644F60701F4E}" type="datetimeFigureOut">
               <a:rPr lang="ko-KR" altLang="en-US" smtClean="0"/>
-              <a:t>2021-10-08</a:t>
+              <a:t>2021-11-07</a:t>
             </a:fld>
             <a:endParaRPr lang="ko-KR" altLang="en-US"/>
           </a:p>
@@ -2913,7 +2914,7 @@
           <a:p>
             <a:fld id="{93EFE02C-6951-4A24-9F91-644F60701F4E}" type="datetimeFigureOut">
               <a:rPr lang="ko-KR" altLang="en-US" smtClean="0"/>
-              <a:t>2021-10-08</a:t>
+              <a:t>2021-11-07</a:t>
             </a:fld>
             <a:endParaRPr lang="ko-KR" altLang="en-US"/>
           </a:p>
@@ -6653,6 +6654,846 @@
 </p:sld>
 </file>
 
+<file path=ppt/slides/slide6.xml><?xml version="1.0" encoding="utf-8"?>
+<p:sld xmlns:a="http://schemas.openxmlformats.org/drawingml/2006/main" xmlns:r="http://schemas.openxmlformats.org/officeDocument/2006/relationships" xmlns:p="http://schemas.openxmlformats.org/presentationml/2006/main">
+  <p:cSld>
+    <p:spTree>
+      <p:nvGrpSpPr>
+        <p:cNvPr id="1" name=""/>
+        <p:cNvGrpSpPr/>
+        <p:nvPr/>
+      </p:nvGrpSpPr>
+      <p:grpSpPr>
+        <a:xfrm>
+          <a:off x="0" y="0"/>
+          <a:ext cx="0" cy="0"/>
+          <a:chOff x="0" y="0"/>
+          <a:chExt cx="0" cy="0"/>
+        </a:xfrm>
+      </p:grpSpPr>
+      <p:sp>
+        <p:nvSpPr>
+          <p:cNvPr id="6" name="TextBox 5">
+            <a:extLst>
+              <a:ext uri="{FF2B5EF4-FFF2-40B4-BE49-F238E27FC236}">
+                <a16:creationId xmlns:a16="http://schemas.microsoft.com/office/drawing/2014/main" id="{0A7BDBCA-B22C-4194-8E7D-197C28900707}"/>
+              </a:ext>
+            </a:extLst>
+          </p:cNvPr>
+          <p:cNvSpPr txBox="1"/>
+          <p:nvPr/>
+        </p:nvSpPr>
+        <p:spPr>
+          <a:xfrm>
+            <a:off x="638629" y="4071256"/>
+            <a:ext cx="8127999" cy="369332"/>
+          </a:xfrm>
+          <a:prstGeom prst="rect">
+            <a:avLst/>
+          </a:prstGeom>
+          <a:noFill/>
+        </p:spPr>
+        <p:txBody>
+          <a:bodyPr wrap="square" rtlCol="0">
+            <a:spAutoFit/>
+          </a:bodyPr>
+          <a:lstStyle/>
+          <a:p>
+            <a:pPr algn="ctr"/>
+            <a:r>
+              <a:rPr lang="en-US" altLang="ko-KR"/>
+              <a:t>&lt;</a:t>
+            </a:r>
+            <a:r>
+              <a:rPr lang="ko-KR" altLang="en-US"/>
+              <a:t>빵집 알고리즘</a:t>
+            </a:r>
+            <a:r>
+              <a:rPr lang="en-US" altLang="ko-KR"/>
+              <a:t>&gt;</a:t>
+            </a:r>
+            <a:endParaRPr lang="ko-KR" altLang="en-US"/>
+          </a:p>
+        </p:txBody>
+      </p:sp>
+      <p:graphicFrame>
+        <p:nvGraphicFramePr>
+          <p:cNvPr id="2" name="표 2">
+            <a:extLst>
+              <a:ext uri="{FF2B5EF4-FFF2-40B4-BE49-F238E27FC236}">
+                <a16:creationId xmlns:a16="http://schemas.microsoft.com/office/drawing/2014/main" id="{2080671F-9281-426D-9D0D-5EE282A5DF46}"/>
+              </a:ext>
+            </a:extLst>
+          </p:cNvPr>
+          <p:cNvGraphicFramePr>
+            <a:graphicFrameLocks noGrp="1"/>
+          </p:cNvGraphicFramePr>
+          <p:nvPr>
+            <p:extLst>
+              <p:ext uri="{D42A27DB-BD31-4B8C-83A1-F6EECF244321}">
+                <p14:modId xmlns:p14="http://schemas.microsoft.com/office/powerpoint/2010/main" val="952049943"/>
+              </p:ext>
+            </p:extLst>
+          </p:nvPr>
+        </p:nvGraphicFramePr>
+        <p:xfrm>
+          <a:off x="266670" y="286158"/>
+          <a:ext cx="8381384" cy="4903832"/>
+        </p:xfrm>
+        <a:graphic>
+          <a:graphicData uri="http://schemas.openxmlformats.org/drawingml/2006/table">
+            <a:tbl>
+              <a:tblPr firstRow="1" bandRow="1">
+                <a:tableStyleId>{F5AB1C69-6EDB-4FF4-983F-18BD219EF322}</a:tableStyleId>
+              </a:tblPr>
+              <a:tblGrid>
+                <a:gridCol w="3768819">
+                  <a:extLst>
+                    <a:ext uri="{9D8B030D-6E8A-4147-A177-3AD203B41FA5}">
+                      <a16:colId xmlns:a16="http://schemas.microsoft.com/office/drawing/2014/main" val="858713340"/>
+                    </a:ext>
+                  </a:extLst>
+                </a:gridCol>
+                <a:gridCol w="2396308">
+                  <a:extLst>
+                    <a:ext uri="{9D8B030D-6E8A-4147-A177-3AD203B41FA5}">
+                      <a16:colId xmlns:a16="http://schemas.microsoft.com/office/drawing/2014/main" val="3452561164"/>
+                    </a:ext>
+                  </a:extLst>
+                </a:gridCol>
+                <a:gridCol w="2216257">
+                  <a:extLst>
+                    <a:ext uri="{9D8B030D-6E8A-4147-A177-3AD203B41FA5}">
+                      <a16:colId xmlns:a16="http://schemas.microsoft.com/office/drawing/2014/main" val="3285258382"/>
+                    </a:ext>
+                  </a:extLst>
+                </a:gridCol>
+              </a:tblGrid>
+              <a:tr h="0">
+                <a:tc>
+                  <a:txBody>
+                    <a:bodyPr/>
+                    <a:lstStyle/>
+                    <a:p>
+                      <a:pPr latinLnBrk="1"/>
+                      <a:endParaRPr lang="ko-KR" altLang="en-US"/>
+                    </a:p>
+                  </a:txBody>
+                  <a:tcPr/>
+                </a:tc>
+                <a:tc>
+                  <a:txBody>
+                    <a:bodyPr/>
+                    <a:lstStyle/>
+                    <a:p>
+                      <a:pPr algn="ctr" latinLnBrk="1"/>
+                      <a:r>
+                        <a:rPr lang="ko-KR" altLang="en-US">
+                          <a:solidFill>
+                            <a:schemeClr val="tx1"/>
+                          </a:solidFill>
+                        </a:rPr>
+                        <a:t>쓰레드</a:t>
+                      </a:r>
+                    </a:p>
+                  </a:txBody>
+                  <a:tcPr anchor="ctr"/>
+                </a:tc>
+                <a:tc>
+                  <a:txBody>
+                    <a:bodyPr/>
+                    <a:lstStyle/>
+                    <a:p>
+                      <a:pPr algn="ctr" latinLnBrk="1"/>
+                      <a:r>
+                        <a:rPr lang="ko-KR" altLang="en-US">
+                          <a:solidFill>
+                            <a:schemeClr val="tx1"/>
+                          </a:solidFill>
+                        </a:rPr>
+                        <a:t>시간</a:t>
+                      </a:r>
+                      <a:r>
+                        <a:rPr lang="en-US" altLang="ko-KR">
+                          <a:solidFill>
+                            <a:schemeClr val="tx1"/>
+                          </a:solidFill>
+                        </a:rPr>
+                        <a:t>(ms)</a:t>
+                      </a:r>
+                      <a:endParaRPr lang="ko-KR" altLang="en-US">
+                        <a:solidFill>
+                          <a:schemeClr val="tx1"/>
+                        </a:solidFill>
+                      </a:endParaRPr>
+                    </a:p>
+                  </a:txBody>
+                  <a:tcPr anchor="ctr"/>
+                </a:tc>
+                <a:extLst>
+                  <a:ext uri="{0D108BD9-81ED-4DB2-BD59-A6C34878D82A}">
+                    <a16:rowId xmlns:a16="http://schemas.microsoft.com/office/drawing/2014/main" val="3542652350"/>
+                  </a:ext>
+                </a:extLst>
+              </a:tr>
+              <a:tr h="402998">
+                <a:tc rowSpan="4">
+                  <a:txBody>
+                    <a:bodyPr/>
+                    <a:lstStyle/>
+                    <a:p>
+                      <a:pPr algn="ctr" latinLnBrk="1"/>
+                      <a:r>
+                        <a:rPr lang="ko-KR" altLang="en-US"/>
+                        <a:t>성긴</a:t>
+                      </a:r>
+                      <a:endParaRPr lang="en-US" altLang="ko-KR"/>
+                    </a:p>
+                    <a:p>
+                      <a:pPr algn="ctr" latinLnBrk="1"/>
+                      <a:r>
+                        <a:rPr lang="ko-KR" altLang="en-US"/>
+                        <a:t> 동기화</a:t>
+                      </a:r>
+                    </a:p>
+                  </a:txBody>
+                  <a:tcPr anchor="ctr"/>
+                </a:tc>
+                <a:tc>
+                  <a:txBody>
+                    <a:bodyPr/>
+                    <a:lstStyle/>
+                    <a:p>
+                      <a:pPr algn="ctr" latinLnBrk="1"/>
+                      <a:r>
+                        <a:rPr lang="en-US" altLang="ko-KR"/>
+                        <a:t>1</a:t>
+                      </a:r>
+                      <a:r>
+                        <a:rPr lang="ko-KR" altLang="en-US"/>
+                        <a:t>개</a:t>
+                      </a:r>
+                      <a:endParaRPr lang="en-US" altLang="ko-KR"/>
+                    </a:p>
+                  </a:txBody>
+                  <a:tcPr anchor="ctr"/>
+                </a:tc>
+                <a:tc>
+                  <a:txBody>
+                    <a:bodyPr/>
+                    <a:lstStyle/>
+                    <a:p>
+                      <a:pPr algn="ctr" latinLnBrk="1"/>
+                      <a:r>
+                        <a:rPr lang="en-US" altLang="ko-KR"/>
+                        <a:t>715</a:t>
+                      </a:r>
+                      <a:endParaRPr lang="ko-KR" altLang="en-US"/>
+                    </a:p>
+                  </a:txBody>
+                  <a:tcPr anchor="ctr"/>
+                </a:tc>
+                <a:extLst>
+                  <a:ext uri="{0D108BD9-81ED-4DB2-BD59-A6C34878D82A}">
+                    <a16:rowId xmlns:a16="http://schemas.microsoft.com/office/drawing/2014/main" val="2220231314"/>
+                  </a:ext>
+                </a:extLst>
+              </a:tr>
+              <a:tr h="402998">
+                <a:tc vMerge="1">
+                  <a:txBody>
+                    <a:bodyPr/>
+                    <a:lstStyle/>
+                    <a:p>
+                      <a:pPr latinLnBrk="1"/>
+                      <a:endParaRPr lang="ko-KR" altLang="en-US"/>
+                    </a:p>
+                  </a:txBody>
+                  <a:tcPr/>
+                </a:tc>
+                <a:tc>
+                  <a:txBody>
+                    <a:bodyPr/>
+                    <a:lstStyle/>
+                    <a:p>
+                      <a:pPr algn="ctr" latinLnBrk="1"/>
+                      <a:r>
+                        <a:rPr lang="en-US" altLang="ko-KR"/>
+                        <a:t>2</a:t>
+                      </a:r>
+                      <a:r>
+                        <a:rPr lang="ko-KR" altLang="en-US"/>
+                        <a:t>개</a:t>
+                      </a:r>
+                    </a:p>
+                  </a:txBody>
+                  <a:tcPr anchor="ctr"/>
+                </a:tc>
+                <a:tc>
+                  <a:txBody>
+                    <a:bodyPr/>
+                    <a:lstStyle/>
+                    <a:p>
+                      <a:pPr algn="ctr" latinLnBrk="1"/>
+                      <a:r>
+                        <a:rPr lang="en-US" altLang="ko-KR"/>
+                        <a:t>1120</a:t>
+                      </a:r>
+                      <a:endParaRPr lang="ko-KR" altLang="en-US"/>
+                    </a:p>
+                  </a:txBody>
+                  <a:tcPr anchor="ctr"/>
+                </a:tc>
+                <a:extLst>
+                  <a:ext uri="{0D108BD9-81ED-4DB2-BD59-A6C34878D82A}">
+                    <a16:rowId xmlns:a16="http://schemas.microsoft.com/office/drawing/2014/main" val="484012607"/>
+                  </a:ext>
+                </a:extLst>
+              </a:tr>
+              <a:tr h="402998">
+                <a:tc vMerge="1">
+                  <a:txBody>
+                    <a:bodyPr/>
+                    <a:lstStyle/>
+                    <a:p>
+                      <a:pPr latinLnBrk="1"/>
+                      <a:endParaRPr lang="ko-KR" altLang="en-US"/>
+                    </a:p>
+                  </a:txBody>
+                  <a:tcPr/>
+                </a:tc>
+                <a:tc>
+                  <a:txBody>
+                    <a:bodyPr/>
+                    <a:lstStyle/>
+                    <a:p>
+                      <a:pPr algn="ctr" latinLnBrk="1"/>
+                      <a:r>
+                        <a:rPr lang="en-US" altLang="ko-KR"/>
+                        <a:t>4</a:t>
+                      </a:r>
+                      <a:r>
+                        <a:rPr lang="ko-KR" altLang="en-US"/>
+                        <a:t>개</a:t>
+                      </a:r>
+                    </a:p>
+                  </a:txBody>
+                  <a:tcPr anchor="ctr"/>
+                </a:tc>
+                <a:tc>
+                  <a:txBody>
+                    <a:bodyPr/>
+                    <a:lstStyle/>
+                    <a:p>
+                      <a:pPr algn="ctr" latinLnBrk="1"/>
+                      <a:r>
+                        <a:rPr lang="en-US" altLang="ko-KR"/>
+                        <a:t>1552</a:t>
+                      </a:r>
+                      <a:endParaRPr lang="ko-KR" altLang="en-US"/>
+                    </a:p>
+                  </a:txBody>
+                  <a:tcPr anchor="ctr"/>
+                </a:tc>
+                <a:extLst>
+                  <a:ext uri="{0D108BD9-81ED-4DB2-BD59-A6C34878D82A}">
+                    <a16:rowId xmlns:a16="http://schemas.microsoft.com/office/drawing/2014/main" val="114936681"/>
+                  </a:ext>
+                </a:extLst>
+              </a:tr>
+              <a:tr h="402998">
+                <a:tc vMerge="1">
+                  <a:txBody>
+                    <a:bodyPr/>
+                    <a:lstStyle/>
+                    <a:p>
+                      <a:pPr latinLnBrk="1"/>
+                      <a:endParaRPr lang="ko-KR" altLang="en-US"/>
+                    </a:p>
+                  </a:txBody>
+                  <a:tcPr/>
+                </a:tc>
+                <a:tc>
+                  <a:txBody>
+                    <a:bodyPr/>
+                    <a:lstStyle/>
+                    <a:p>
+                      <a:pPr algn="ctr" latinLnBrk="1"/>
+                      <a:r>
+                        <a:rPr lang="en-US" altLang="ko-KR"/>
+                        <a:t>8</a:t>
+                      </a:r>
+                      <a:r>
+                        <a:rPr lang="ko-KR" altLang="en-US"/>
+                        <a:t>개</a:t>
+                      </a:r>
+                    </a:p>
+                  </a:txBody>
+                  <a:tcPr anchor="ctr"/>
+                </a:tc>
+                <a:tc>
+                  <a:txBody>
+                    <a:bodyPr/>
+                    <a:lstStyle/>
+                    <a:p>
+                      <a:pPr algn="ctr" latinLnBrk="1"/>
+                      <a:r>
+                        <a:rPr lang="en-US" altLang="ko-KR"/>
+                        <a:t>1668</a:t>
+                      </a:r>
+                      <a:endParaRPr lang="ko-KR" altLang="en-US"/>
+                    </a:p>
+                  </a:txBody>
+                  <a:tcPr anchor="ctr"/>
+                </a:tc>
+                <a:extLst>
+                  <a:ext uri="{0D108BD9-81ED-4DB2-BD59-A6C34878D82A}">
+                    <a16:rowId xmlns:a16="http://schemas.microsoft.com/office/drawing/2014/main" val="272348954"/>
+                  </a:ext>
+                </a:extLst>
+              </a:tr>
+              <a:tr h="347793">
+                <a:tc rowSpan="4">
+                  <a:txBody>
+                    <a:bodyPr/>
+                    <a:lstStyle/>
+                    <a:p>
+                      <a:pPr algn="ctr"/>
+                      <a:r>
+                        <a:rPr lang="en-US" altLang="ko-KR"/>
+                        <a:t>Lock-Free</a:t>
+                      </a:r>
+                      <a:endParaRPr lang="ko-KR" altLang="en-US"/>
+                    </a:p>
+                  </a:txBody>
+                  <a:tcPr anchor="ctr"/>
+                </a:tc>
+                <a:tc>
+                  <a:txBody>
+                    <a:bodyPr/>
+                    <a:lstStyle/>
+                    <a:p>
+                      <a:pPr algn="ctr" latinLnBrk="1"/>
+                      <a:r>
+                        <a:rPr lang="en-US" altLang="ko-KR"/>
+                        <a:t>1</a:t>
+                      </a:r>
+                      <a:r>
+                        <a:rPr lang="ko-KR" altLang="en-US"/>
+                        <a:t>개</a:t>
+                      </a:r>
+                      <a:endParaRPr lang="en-US" altLang="ko-KR"/>
+                    </a:p>
+                  </a:txBody>
+                  <a:tcPr anchor="ctr"/>
+                </a:tc>
+                <a:tc>
+                  <a:txBody>
+                    <a:bodyPr/>
+                    <a:lstStyle/>
+                    <a:p>
+                      <a:pPr algn="ctr"/>
+                      <a:r>
+                        <a:rPr lang="en-US" altLang="ko-KR"/>
+                        <a:t>550</a:t>
+                      </a:r>
+                      <a:endParaRPr lang="ko-KR" altLang="en-US"/>
+                    </a:p>
+                  </a:txBody>
+                  <a:tcPr anchor="ctr"/>
+                </a:tc>
+                <a:extLst>
+                  <a:ext uri="{0D108BD9-81ED-4DB2-BD59-A6C34878D82A}">
+                    <a16:rowId xmlns:a16="http://schemas.microsoft.com/office/drawing/2014/main" val="1171725222"/>
+                  </a:ext>
+                </a:extLst>
+              </a:tr>
+              <a:tr h="347793">
+                <a:tc vMerge="1">
+                  <a:txBody>
+                    <a:bodyPr/>
+                    <a:lstStyle/>
+                    <a:p>
+                      <a:pPr latinLnBrk="1"/>
+                      <a:endParaRPr lang="ko-KR" altLang="en-US"/>
+                    </a:p>
+                  </a:txBody>
+                  <a:tcPr/>
+                </a:tc>
+                <a:tc>
+                  <a:txBody>
+                    <a:bodyPr/>
+                    <a:lstStyle/>
+                    <a:p>
+                      <a:pPr algn="ctr" latinLnBrk="1"/>
+                      <a:r>
+                        <a:rPr lang="en-US" altLang="ko-KR"/>
+                        <a:t>2</a:t>
+                      </a:r>
+                      <a:r>
+                        <a:rPr lang="ko-KR" altLang="en-US"/>
+                        <a:t>개</a:t>
+                      </a:r>
+                    </a:p>
+                  </a:txBody>
+                  <a:tcPr anchor="ctr"/>
+                </a:tc>
+                <a:tc>
+                  <a:txBody>
+                    <a:bodyPr/>
+                    <a:lstStyle/>
+                    <a:p>
+                      <a:pPr algn="ctr"/>
+                      <a:r>
+                        <a:rPr lang="en-US" altLang="ko-KR"/>
+                        <a:t>779</a:t>
+                      </a:r>
+                      <a:endParaRPr lang="ko-KR" altLang="en-US"/>
+                    </a:p>
+                  </a:txBody>
+                  <a:tcPr anchor="ctr"/>
+                </a:tc>
+                <a:extLst>
+                  <a:ext uri="{0D108BD9-81ED-4DB2-BD59-A6C34878D82A}">
+                    <a16:rowId xmlns:a16="http://schemas.microsoft.com/office/drawing/2014/main" val="3198805274"/>
+                  </a:ext>
+                </a:extLst>
+              </a:tr>
+              <a:tr h="347793">
+                <a:tc vMerge="1">
+                  <a:txBody>
+                    <a:bodyPr/>
+                    <a:lstStyle/>
+                    <a:p>
+                      <a:pPr latinLnBrk="1"/>
+                      <a:endParaRPr lang="ko-KR" altLang="en-US"/>
+                    </a:p>
+                  </a:txBody>
+                  <a:tcPr/>
+                </a:tc>
+                <a:tc>
+                  <a:txBody>
+                    <a:bodyPr/>
+                    <a:lstStyle/>
+                    <a:p>
+                      <a:pPr algn="ctr" latinLnBrk="1"/>
+                      <a:r>
+                        <a:rPr lang="en-US" altLang="ko-KR"/>
+                        <a:t>4</a:t>
+                      </a:r>
+                      <a:r>
+                        <a:rPr lang="ko-KR" altLang="en-US"/>
+                        <a:t>개</a:t>
+                      </a:r>
+                    </a:p>
+                  </a:txBody>
+                  <a:tcPr anchor="ctr"/>
+                </a:tc>
+                <a:tc>
+                  <a:txBody>
+                    <a:bodyPr/>
+                    <a:lstStyle/>
+                    <a:p>
+                      <a:pPr algn="ctr"/>
+                      <a:r>
+                        <a:rPr lang="en-US" altLang="ko-KR"/>
+                        <a:t>724</a:t>
+                      </a:r>
+                      <a:endParaRPr lang="ko-KR" altLang="en-US"/>
+                    </a:p>
+                  </a:txBody>
+                  <a:tcPr anchor="ctr"/>
+                </a:tc>
+                <a:extLst>
+                  <a:ext uri="{0D108BD9-81ED-4DB2-BD59-A6C34878D82A}">
+                    <a16:rowId xmlns:a16="http://schemas.microsoft.com/office/drawing/2014/main" val="3770393000"/>
+                  </a:ext>
+                </a:extLst>
+              </a:tr>
+              <a:tr h="347793">
+                <a:tc vMerge="1">
+                  <a:txBody>
+                    <a:bodyPr/>
+                    <a:lstStyle/>
+                    <a:p>
+                      <a:pPr latinLnBrk="1"/>
+                      <a:endParaRPr lang="ko-KR" altLang="en-US"/>
+                    </a:p>
+                  </a:txBody>
+                  <a:tcPr/>
+                </a:tc>
+                <a:tc>
+                  <a:txBody>
+                    <a:bodyPr/>
+                    <a:lstStyle/>
+                    <a:p>
+                      <a:pPr algn="ctr" latinLnBrk="1"/>
+                      <a:r>
+                        <a:rPr lang="en-US" altLang="ko-KR"/>
+                        <a:t>8</a:t>
+                      </a:r>
+                      <a:r>
+                        <a:rPr lang="ko-KR" altLang="en-US"/>
+                        <a:t>개</a:t>
+                      </a:r>
+                    </a:p>
+                  </a:txBody>
+                  <a:tcPr anchor="ctr"/>
+                </a:tc>
+                <a:tc>
+                  <a:txBody>
+                    <a:bodyPr/>
+                    <a:lstStyle/>
+                    <a:p>
+                      <a:pPr algn="ctr"/>
+                      <a:r>
+                        <a:rPr lang="en-US" altLang="ko-KR"/>
+                        <a:t>858</a:t>
+                      </a:r>
+                      <a:endParaRPr lang="ko-KR" altLang="en-US"/>
+                    </a:p>
+                  </a:txBody>
+                  <a:tcPr anchor="ctr"/>
+                </a:tc>
+                <a:extLst>
+                  <a:ext uri="{0D108BD9-81ED-4DB2-BD59-A6C34878D82A}">
+                    <a16:rowId xmlns:a16="http://schemas.microsoft.com/office/drawing/2014/main" val="883999911"/>
+                  </a:ext>
+                </a:extLst>
+              </a:tr>
+              <a:tr h="347793">
+                <a:tc rowSpan="4">
+                  <a:txBody>
+                    <a:bodyPr/>
+                    <a:lstStyle/>
+                    <a:p>
+                      <a:pPr algn="ctr" latinLnBrk="1"/>
+                      <a:r>
+                        <a:rPr lang="en-US" altLang="ko-KR"/>
+                        <a:t>Lock-Free </a:t>
+                      </a:r>
+                    </a:p>
+                    <a:p>
+                      <a:pPr algn="ctr" latinLnBrk="1"/>
+                      <a:r>
+                        <a:rPr lang="en-US" altLang="ko-KR"/>
+                        <a:t>STAMPED</a:t>
+                      </a:r>
+                      <a:endParaRPr lang="ko-KR" altLang="en-US"/>
+                    </a:p>
+                  </a:txBody>
+                  <a:tcPr anchor="ctr"/>
+                </a:tc>
+                <a:tc>
+                  <a:txBody>
+                    <a:bodyPr/>
+                    <a:lstStyle/>
+                    <a:p>
+                      <a:pPr algn="ctr" latinLnBrk="1"/>
+                      <a:r>
+                        <a:rPr lang="en-US" altLang="ko-KR"/>
+                        <a:t>1</a:t>
+                      </a:r>
+                      <a:r>
+                        <a:rPr lang="ko-KR" altLang="en-US"/>
+                        <a:t>개</a:t>
+                      </a:r>
+                      <a:endParaRPr lang="en-US" altLang="ko-KR"/>
+                    </a:p>
+                  </a:txBody>
+                  <a:tcPr anchor="ctr"/>
+                </a:tc>
+                <a:tc>
+                  <a:txBody>
+                    <a:bodyPr/>
+                    <a:lstStyle/>
+                    <a:p>
+                      <a:pPr algn="ctr" latinLnBrk="1"/>
+                      <a:r>
+                        <a:rPr lang="en-US" altLang="ko-KR"/>
+                        <a:t>580</a:t>
+                      </a:r>
+                      <a:endParaRPr lang="ko-KR" altLang="en-US"/>
+                    </a:p>
+                  </a:txBody>
+                  <a:tcPr anchor="ctr"/>
+                </a:tc>
+                <a:extLst>
+                  <a:ext uri="{0D108BD9-81ED-4DB2-BD59-A6C34878D82A}">
+                    <a16:rowId xmlns:a16="http://schemas.microsoft.com/office/drawing/2014/main" val="1956506710"/>
+                  </a:ext>
+                </a:extLst>
+              </a:tr>
+              <a:tr h="347793">
+                <a:tc vMerge="1">
+                  <a:txBody>
+                    <a:bodyPr/>
+                    <a:lstStyle/>
+                    <a:p>
+                      <a:pPr latinLnBrk="1"/>
+                      <a:endParaRPr lang="ko-KR" altLang="en-US"/>
+                    </a:p>
+                  </a:txBody>
+                  <a:tcPr/>
+                </a:tc>
+                <a:tc>
+                  <a:txBody>
+                    <a:bodyPr/>
+                    <a:lstStyle/>
+                    <a:p>
+                      <a:pPr algn="ctr" latinLnBrk="1"/>
+                      <a:r>
+                        <a:rPr lang="en-US" altLang="ko-KR"/>
+                        <a:t>2</a:t>
+                      </a:r>
+                      <a:r>
+                        <a:rPr lang="ko-KR" altLang="en-US"/>
+                        <a:t>개</a:t>
+                      </a:r>
+                    </a:p>
+                  </a:txBody>
+                  <a:tcPr anchor="ctr"/>
+                </a:tc>
+                <a:tc>
+                  <a:txBody>
+                    <a:bodyPr/>
+                    <a:lstStyle/>
+                    <a:p>
+                      <a:pPr algn="ctr" latinLnBrk="1"/>
+                      <a:r>
+                        <a:rPr lang="en-US" altLang="ko-KR"/>
+                        <a:t>800</a:t>
+                      </a:r>
+                      <a:endParaRPr lang="ko-KR" altLang="en-US"/>
+                    </a:p>
+                  </a:txBody>
+                  <a:tcPr anchor="ctr"/>
+                </a:tc>
+                <a:extLst>
+                  <a:ext uri="{0D108BD9-81ED-4DB2-BD59-A6C34878D82A}">
+                    <a16:rowId xmlns:a16="http://schemas.microsoft.com/office/drawing/2014/main" val="1069000350"/>
+                  </a:ext>
+                </a:extLst>
+              </a:tr>
+              <a:tr h="347793">
+                <a:tc vMerge="1">
+                  <a:txBody>
+                    <a:bodyPr/>
+                    <a:lstStyle/>
+                    <a:p>
+                      <a:pPr latinLnBrk="1"/>
+                      <a:endParaRPr lang="ko-KR" altLang="en-US"/>
+                    </a:p>
+                  </a:txBody>
+                  <a:tcPr/>
+                </a:tc>
+                <a:tc>
+                  <a:txBody>
+                    <a:bodyPr/>
+                    <a:lstStyle/>
+                    <a:p>
+                      <a:pPr algn="ctr" latinLnBrk="1"/>
+                      <a:r>
+                        <a:rPr lang="en-US" altLang="ko-KR"/>
+                        <a:t>4</a:t>
+                      </a:r>
+                      <a:r>
+                        <a:rPr lang="ko-KR" altLang="en-US"/>
+                        <a:t>개</a:t>
+                      </a:r>
+                    </a:p>
+                  </a:txBody>
+                  <a:tcPr anchor="ctr"/>
+                </a:tc>
+                <a:tc>
+                  <a:txBody>
+                    <a:bodyPr/>
+                    <a:lstStyle/>
+                    <a:p>
+                      <a:pPr algn="ctr" latinLnBrk="1"/>
+                      <a:r>
+                        <a:rPr lang="en-US" altLang="ko-KR"/>
+                        <a:t>786</a:t>
+                      </a:r>
+                      <a:endParaRPr lang="ko-KR" altLang="en-US"/>
+                    </a:p>
+                  </a:txBody>
+                  <a:tcPr anchor="ctr"/>
+                </a:tc>
+                <a:extLst>
+                  <a:ext uri="{0D108BD9-81ED-4DB2-BD59-A6C34878D82A}">
+                    <a16:rowId xmlns:a16="http://schemas.microsoft.com/office/drawing/2014/main" val="4149718984"/>
+                  </a:ext>
+                </a:extLst>
+              </a:tr>
+              <a:tr h="347793">
+                <a:tc vMerge="1">
+                  <a:txBody>
+                    <a:bodyPr/>
+                    <a:lstStyle/>
+                    <a:p>
+                      <a:pPr latinLnBrk="1"/>
+                      <a:endParaRPr lang="ko-KR" altLang="en-US"/>
+                    </a:p>
+                  </a:txBody>
+                  <a:tcPr/>
+                </a:tc>
+                <a:tc>
+                  <a:txBody>
+                    <a:bodyPr/>
+                    <a:lstStyle/>
+                    <a:p>
+                      <a:pPr algn="ctr" latinLnBrk="1"/>
+                      <a:r>
+                        <a:rPr lang="en-US" altLang="ko-KR"/>
+                        <a:t>8</a:t>
+                      </a:r>
+                      <a:r>
+                        <a:rPr lang="ko-KR" altLang="en-US"/>
+                        <a:t>개</a:t>
+                      </a:r>
+                    </a:p>
+                  </a:txBody>
+                  <a:tcPr anchor="ctr"/>
+                </a:tc>
+                <a:tc>
+                  <a:txBody>
+                    <a:bodyPr/>
+                    <a:lstStyle/>
+                    <a:p>
+                      <a:pPr algn="ctr" latinLnBrk="1"/>
+                      <a:r>
+                        <a:rPr lang="en-US" altLang="ko-KR"/>
+                        <a:t>923</a:t>
+                      </a:r>
+                      <a:endParaRPr lang="ko-KR" altLang="en-US"/>
+                    </a:p>
+                  </a:txBody>
+                  <a:tcPr anchor="ctr"/>
+                </a:tc>
+                <a:extLst>
+                  <a:ext uri="{0D108BD9-81ED-4DB2-BD59-A6C34878D82A}">
+                    <a16:rowId xmlns:a16="http://schemas.microsoft.com/office/drawing/2014/main" val="1562089562"/>
+                  </a:ext>
+                </a:extLst>
+              </a:tr>
+            </a:tbl>
+          </a:graphicData>
+        </a:graphic>
+      </p:graphicFrame>
+    </p:spTree>
+    <p:extLst>
+      <p:ext uri="{BB962C8B-B14F-4D97-AF65-F5344CB8AC3E}">
+        <p14:creationId xmlns:p14="http://schemas.microsoft.com/office/powerpoint/2010/main" val="2542297200"/>
+      </p:ext>
+    </p:extLst>
+  </p:cSld>
+  <p:clrMapOvr>
+    <a:masterClrMapping/>
+  </p:clrMapOvr>
+</p:sld>
+</file>
+
 <file path=ppt/theme/theme1.xml><?xml version="1.0" encoding="utf-8"?>
 <a:theme xmlns:a="http://schemas.openxmlformats.org/drawingml/2006/main" name="Office 테마">
   <a:themeElements>

--- a/표정리.pptx
+++ b/표정리.pptx
@@ -11,6 +11,7 @@
     <p:sldId id="259" r:id="rId5"/>
     <p:sldId id="260" r:id="rId6"/>
     <p:sldId id="261" r:id="rId7"/>
+    <p:sldId id="262" r:id="rId8"/>
   </p:sldIdLst>
   <p:sldSz cx="12192000" cy="6858000"/>
   <p:notesSz cx="6858000" cy="9144000"/>
@@ -264,7 +265,7 @@
           <a:p>
             <a:fld id="{93EFE02C-6951-4A24-9F91-644F60701F4E}" type="datetimeFigureOut">
               <a:rPr lang="ko-KR" altLang="en-US" smtClean="0"/>
-              <a:t>2021-11-07</a:t>
+              <a:t>2021-11-09</a:t>
             </a:fld>
             <a:endParaRPr lang="ko-KR" altLang="en-US"/>
           </a:p>
@@ -462,7 +463,7 @@
           <a:p>
             <a:fld id="{93EFE02C-6951-4A24-9F91-644F60701F4E}" type="datetimeFigureOut">
               <a:rPr lang="ko-KR" altLang="en-US" smtClean="0"/>
-              <a:t>2021-11-07</a:t>
+              <a:t>2021-11-09</a:t>
             </a:fld>
             <a:endParaRPr lang="ko-KR" altLang="en-US"/>
           </a:p>
@@ -670,7 +671,7 @@
           <a:p>
             <a:fld id="{93EFE02C-6951-4A24-9F91-644F60701F4E}" type="datetimeFigureOut">
               <a:rPr lang="ko-KR" altLang="en-US" smtClean="0"/>
-              <a:t>2021-11-07</a:t>
+              <a:t>2021-11-09</a:t>
             </a:fld>
             <a:endParaRPr lang="ko-KR" altLang="en-US"/>
           </a:p>
@@ -868,7 +869,7 @@
           <a:p>
             <a:fld id="{93EFE02C-6951-4A24-9F91-644F60701F4E}" type="datetimeFigureOut">
               <a:rPr lang="ko-KR" altLang="en-US" smtClean="0"/>
-              <a:t>2021-11-07</a:t>
+              <a:t>2021-11-09</a:t>
             </a:fld>
             <a:endParaRPr lang="ko-KR" altLang="en-US"/>
           </a:p>
@@ -1143,7 +1144,7 @@
           <a:p>
             <a:fld id="{93EFE02C-6951-4A24-9F91-644F60701F4E}" type="datetimeFigureOut">
               <a:rPr lang="ko-KR" altLang="en-US" smtClean="0"/>
-              <a:t>2021-11-07</a:t>
+              <a:t>2021-11-09</a:t>
             </a:fld>
             <a:endParaRPr lang="ko-KR" altLang="en-US"/>
           </a:p>
@@ -1408,7 +1409,7 @@
           <a:p>
             <a:fld id="{93EFE02C-6951-4A24-9F91-644F60701F4E}" type="datetimeFigureOut">
               <a:rPr lang="ko-KR" altLang="en-US" smtClean="0"/>
-              <a:t>2021-11-07</a:t>
+              <a:t>2021-11-09</a:t>
             </a:fld>
             <a:endParaRPr lang="ko-KR" altLang="en-US"/>
           </a:p>
@@ -1820,7 +1821,7 @@
           <a:p>
             <a:fld id="{93EFE02C-6951-4A24-9F91-644F60701F4E}" type="datetimeFigureOut">
               <a:rPr lang="ko-KR" altLang="en-US" smtClean="0"/>
-              <a:t>2021-11-07</a:t>
+              <a:t>2021-11-09</a:t>
             </a:fld>
             <a:endParaRPr lang="ko-KR" altLang="en-US"/>
           </a:p>
@@ -1961,7 +1962,7 @@
           <a:p>
             <a:fld id="{93EFE02C-6951-4A24-9F91-644F60701F4E}" type="datetimeFigureOut">
               <a:rPr lang="ko-KR" altLang="en-US" smtClean="0"/>
-              <a:t>2021-11-07</a:t>
+              <a:t>2021-11-09</a:t>
             </a:fld>
             <a:endParaRPr lang="ko-KR" altLang="en-US"/>
           </a:p>
@@ -2074,7 +2075,7 @@
           <a:p>
             <a:fld id="{93EFE02C-6951-4A24-9F91-644F60701F4E}" type="datetimeFigureOut">
               <a:rPr lang="ko-KR" altLang="en-US" smtClean="0"/>
-              <a:t>2021-11-07</a:t>
+              <a:t>2021-11-09</a:t>
             </a:fld>
             <a:endParaRPr lang="ko-KR" altLang="en-US"/>
           </a:p>
@@ -2385,7 +2386,7 @@
           <a:p>
             <a:fld id="{93EFE02C-6951-4A24-9F91-644F60701F4E}" type="datetimeFigureOut">
               <a:rPr lang="ko-KR" altLang="en-US" smtClean="0"/>
-              <a:t>2021-11-07</a:t>
+              <a:t>2021-11-09</a:t>
             </a:fld>
             <a:endParaRPr lang="ko-KR" altLang="en-US"/>
           </a:p>
@@ -2673,7 +2674,7 @@
           <a:p>
             <a:fld id="{93EFE02C-6951-4A24-9F91-644F60701F4E}" type="datetimeFigureOut">
               <a:rPr lang="ko-KR" altLang="en-US" smtClean="0"/>
-              <a:t>2021-11-07</a:t>
+              <a:t>2021-11-09</a:t>
             </a:fld>
             <a:endParaRPr lang="ko-KR" altLang="en-US"/>
           </a:p>
@@ -2914,7 +2915,7 @@
           <a:p>
             <a:fld id="{93EFE02C-6951-4A24-9F91-644F60701F4E}" type="datetimeFigureOut">
               <a:rPr lang="ko-KR" altLang="en-US" smtClean="0"/>
-              <a:t>2021-11-07</a:t>
+              <a:t>2021-11-09</a:t>
             </a:fld>
             <a:endParaRPr lang="ko-KR" altLang="en-US"/>
           </a:p>
@@ -7494,6 +7495,780 @@
 </p:sld>
 </file>
 
+<file path=ppt/slides/slide7.xml><?xml version="1.0" encoding="utf-8"?>
+<p:sld xmlns:a="http://schemas.openxmlformats.org/drawingml/2006/main" xmlns:r="http://schemas.openxmlformats.org/officeDocument/2006/relationships" xmlns:p="http://schemas.openxmlformats.org/presentationml/2006/main">
+  <p:cSld>
+    <p:spTree>
+      <p:nvGrpSpPr>
+        <p:cNvPr id="1" name=""/>
+        <p:cNvGrpSpPr/>
+        <p:nvPr/>
+      </p:nvGrpSpPr>
+      <p:grpSpPr>
+        <a:xfrm>
+          <a:off x="0" y="0"/>
+          <a:ext cx="0" cy="0"/>
+          <a:chOff x="0" y="0"/>
+          <a:chExt cx="0" cy="0"/>
+        </a:xfrm>
+      </p:grpSpPr>
+      <p:sp>
+        <p:nvSpPr>
+          <p:cNvPr id="6" name="TextBox 5">
+            <a:extLst>
+              <a:ext uri="{FF2B5EF4-FFF2-40B4-BE49-F238E27FC236}">
+                <a16:creationId xmlns:a16="http://schemas.microsoft.com/office/drawing/2014/main" id="{0A7BDBCA-B22C-4194-8E7D-197C28900707}"/>
+              </a:ext>
+            </a:extLst>
+          </p:cNvPr>
+          <p:cNvSpPr txBox="1"/>
+          <p:nvPr/>
+        </p:nvSpPr>
+        <p:spPr>
+          <a:xfrm>
+            <a:off x="638629" y="4071256"/>
+            <a:ext cx="8127999" cy="369332"/>
+          </a:xfrm>
+          <a:prstGeom prst="rect">
+            <a:avLst/>
+          </a:prstGeom>
+          <a:noFill/>
+        </p:spPr>
+        <p:txBody>
+          <a:bodyPr wrap="square" rtlCol="0">
+            <a:spAutoFit/>
+          </a:bodyPr>
+          <a:lstStyle/>
+          <a:p>
+            <a:pPr algn="ctr"/>
+            <a:r>
+              <a:rPr lang="en-US" altLang="ko-KR"/>
+              <a:t>&lt;</a:t>
+            </a:r>
+            <a:r>
+              <a:rPr lang="ko-KR" altLang="en-US"/>
+              <a:t>빵집 알고리즘</a:t>
+            </a:r>
+            <a:r>
+              <a:rPr lang="en-US" altLang="ko-KR"/>
+              <a:t>&gt;</a:t>
+            </a:r>
+            <a:endParaRPr lang="ko-KR" altLang="en-US"/>
+          </a:p>
+        </p:txBody>
+      </p:sp>
+      <p:graphicFrame>
+        <p:nvGraphicFramePr>
+          <p:cNvPr id="2" name="표 2">
+            <a:extLst>
+              <a:ext uri="{FF2B5EF4-FFF2-40B4-BE49-F238E27FC236}">
+                <a16:creationId xmlns:a16="http://schemas.microsoft.com/office/drawing/2014/main" id="{2080671F-9281-426D-9D0D-5EE282A5DF46}"/>
+              </a:ext>
+            </a:extLst>
+          </p:cNvPr>
+          <p:cNvGraphicFramePr>
+            <a:graphicFrameLocks noGrp="1"/>
+          </p:cNvGraphicFramePr>
+          <p:nvPr>
+            <p:extLst>
+              <p:ext uri="{D42A27DB-BD31-4B8C-83A1-F6EECF244321}">
+                <p14:modId xmlns:p14="http://schemas.microsoft.com/office/powerpoint/2010/main" val="2389948256"/>
+              </p:ext>
+            </p:extLst>
+          </p:nvPr>
+        </p:nvGraphicFramePr>
+        <p:xfrm>
+          <a:off x="638629" y="297180"/>
+          <a:ext cx="9288101" cy="5745662"/>
+        </p:xfrm>
+        <a:graphic>
+          <a:graphicData uri="http://schemas.openxmlformats.org/drawingml/2006/table">
+            <a:tbl>
+              <a:tblPr firstRow="1" bandRow="1">
+                <a:tableStyleId>{F5AB1C69-6EDB-4FF4-983F-18BD219EF322}</a:tableStyleId>
+              </a:tblPr>
+              <a:tblGrid>
+                <a:gridCol w="2779486">
+                  <a:extLst>
+                    <a:ext uri="{9D8B030D-6E8A-4147-A177-3AD203B41FA5}">
+                      <a16:colId xmlns:a16="http://schemas.microsoft.com/office/drawing/2014/main" val="858713340"/>
+                    </a:ext>
+                  </a:extLst>
+                </a:gridCol>
+                <a:gridCol w="1480456">
+                  <a:extLst>
+                    <a:ext uri="{9D8B030D-6E8A-4147-A177-3AD203B41FA5}">
+                      <a16:colId xmlns:a16="http://schemas.microsoft.com/office/drawing/2014/main" val="3452561164"/>
+                    </a:ext>
+                  </a:extLst>
+                </a:gridCol>
+                <a:gridCol w="1045029">
+                  <a:extLst>
+                    <a:ext uri="{9D8B030D-6E8A-4147-A177-3AD203B41FA5}">
+                      <a16:colId xmlns:a16="http://schemas.microsoft.com/office/drawing/2014/main" val="3285258382"/>
+                    </a:ext>
+                  </a:extLst>
+                </a:gridCol>
+                <a:gridCol w="3983130">
+                  <a:extLst>
+                    <a:ext uri="{9D8B030D-6E8A-4147-A177-3AD203B41FA5}">
+                      <a16:colId xmlns:a16="http://schemas.microsoft.com/office/drawing/2014/main" val="2543099069"/>
+                    </a:ext>
+                  </a:extLst>
+                </a:gridCol>
+              </a:tblGrid>
+              <a:tr h="402998">
+                <a:tc>
+                  <a:txBody>
+                    <a:bodyPr/>
+                    <a:lstStyle/>
+                    <a:p>
+                      <a:pPr latinLnBrk="1"/>
+                      <a:endParaRPr lang="ko-KR" altLang="en-US"/>
+                    </a:p>
+                  </a:txBody>
+                  <a:tcPr/>
+                </a:tc>
+                <a:tc>
+                  <a:txBody>
+                    <a:bodyPr/>
+                    <a:lstStyle/>
+                    <a:p>
+                      <a:pPr algn="ctr" latinLnBrk="1"/>
+                      <a:r>
+                        <a:rPr lang="ko-KR" altLang="en-US">
+                          <a:solidFill>
+                            <a:schemeClr val="tx1"/>
+                          </a:solidFill>
+                        </a:rPr>
+                        <a:t>쓰레드</a:t>
+                      </a:r>
+                    </a:p>
+                  </a:txBody>
+                  <a:tcPr anchor="ctr"/>
+                </a:tc>
+                <a:tc>
+                  <a:txBody>
+                    <a:bodyPr/>
+                    <a:lstStyle/>
+                    <a:p>
+                      <a:pPr algn="ctr" latinLnBrk="1"/>
+                      <a:r>
+                        <a:rPr lang="ko-KR" altLang="en-US">
+                          <a:solidFill>
+                            <a:schemeClr val="tx1"/>
+                          </a:solidFill>
+                        </a:rPr>
+                        <a:t>시간</a:t>
+                      </a:r>
+                      <a:r>
+                        <a:rPr lang="en-US" altLang="ko-KR">
+                          <a:solidFill>
+                            <a:schemeClr val="tx1"/>
+                          </a:solidFill>
+                        </a:rPr>
+                        <a:t>(ms)</a:t>
+                      </a:r>
+                      <a:endParaRPr lang="ko-KR" altLang="en-US">
+                        <a:solidFill>
+                          <a:schemeClr val="tx1"/>
+                        </a:solidFill>
+                      </a:endParaRPr>
+                    </a:p>
+                  </a:txBody>
+                  <a:tcPr anchor="ctr"/>
+                </a:tc>
+                <a:tc>
+                  <a:txBody>
+                    <a:bodyPr/>
+                    <a:lstStyle/>
+                    <a:p>
+                      <a:pPr algn="ctr" latinLnBrk="1"/>
+                      <a:r>
+                        <a:rPr lang="ko-KR" altLang="en-US">
+                          <a:solidFill>
+                            <a:schemeClr val="tx1"/>
+                          </a:solidFill>
+                        </a:rPr>
+                        <a:t>결과</a:t>
+                      </a:r>
+                    </a:p>
+                  </a:txBody>
+                  <a:tcPr anchor="ctr"/>
+                </a:tc>
+                <a:extLst>
+                  <a:ext uri="{0D108BD9-81ED-4DB2-BD59-A6C34878D82A}">
+                    <a16:rowId xmlns:a16="http://schemas.microsoft.com/office/drawing/2014/main" val="3542652350"/>
+                  </a:ext>
+                </a:extLst>
+              </a:tr>
+              <a:tr h="402998">
+                <a:tc rowSpan="4">
+                  <a:txBody>
+                    <a:bodyPr/>
+                    <a:lstStyle/>
+                    <a:p>
+                      <a:pPr algn="ctr" latinLnBrk="1"/>
+                      <a:r>
+                        <a:rPr lang="ko-KR" altLang="en-US"/>
+                        <a:t>만능객체 </a:t>
+                      </a:r>
+                      <a:r>
+                        <a:rPr lang="en-US" altLang="ko-KR"/>
+                        <a:t>Queue</a:t>
+                      </a:r>
+                      <a:endParaRPr lang="ko-KR" altLang="en-US"/>
+                    </a:p>
+                  </a:txBody>
+                  <a:tcPr anchor="ctr"/>
+                </a:tc>
+                <a:tc>
+                  <a:txBody>
+                    <a:bodyPr/>
+                    <a:lstStyle/>
+                    <a:p>
+                      <a:pPr algn="ctr" latinLnBrk="1"/>
+                      <a:r>
+                        <a:rPr lang="en-US" altLang="ko-KR"/>
+                        <a:t>1</a:t>
+                      </a:r>
+                      <a:r>
+                        <a:rPr lang="ko-KR" altLang="en-US"/>
+                        <a:t>개</a:t>
+                      </a:r>
+                      <a:endParaRPr lang="en-US" altLang="ko-KR"/>
+                    </a:p>
+                  </a:txBody>
+                  <a:tcPr anchor="ctr"/>
+                </a:tc>
+                <a:tc>
+                  <a:txBody>
+                    <a:bodyPr/>
+                    <a:lstStyle/>
+                    <a:p>
+                      <a:pPr algn="ctr" latinLnBrk="1"/>
+                      <a:r>
+                        <a:rPr lang="en-US" altLang="ko-KR"/>
+                        <a:t>613</a:t>
+                      </a:r>
+                      <a:endParaRPr lang="ko-KR" altLang="en-US"/>
+                    </a:p>
+                  </a:txBody>
+                  <a:tcPr anchor="ctr"/>
+                </a:tc>
+                <a:tc>
+                  <a:txBody>
+                    <a:bodyPr/>
+                    <a:lstStyle/>
+                    <a:p>
+                      <a:pPr algn="ctr" latinLnBrk="1"/>
+                      <a:r>
+                        <a:rPr lang="en-US" altLang="ko-KR"/>
+                        <a:t>1, 6, 7, 11, 14, 16, 21, 22, 23, 27, 29, 39, 40, 41, 45, 47, 52, 54, 56, 58</a:t>
+                      </a:r>
+                      <a:endParaRPr lang="ko-KR" altLang="en-US"/>
+                    </a:p>
+                  </a:txBody>
+                  <a:tcPr anchor="ctr"/>
+                </a:tc>
+                <a:extLst>
+                  <a:ext uri="{0D108BD9-81ED-4DB2-BD59-A6C34878D82A}">
+                    <a16:rowId xmlns:a16="http://schemas.microsoft.com/office/drawing/2014/main" val="2220231314"/>
+                  </a:ext>
+                </a:extLst>
+              </a:tr>
+              <a:tr h="402998">
+                <a:tc vMerge="1">
+                  <a:txBody>
+                    <a:bodyPr/>
+                    <a:lstStyle/>
+                    <a:p>
+                      <a:pPr latinLnBrk="1"/>
+                      <a:endParaRPr lang="ko-KR" altLang="en-US"/>
+                    </a:p>
+                  </a:txBody>
+                  <a:tcPr/>
+                </a:tc>
+                <a:tc>
+                  <a:txBody>
+                    <a:bodyPr/>
+                    <a:lstStyle/>
+                    <a:p>
+                      <a:pPr algn="ctr" latinLnBrk="1"/>
+                      <a:r>
+                        <a:rPr lang="en-US" altLang="ko-KR"/>
+                        <a:t>2</a:t>
+                      </a:r>
+                      <a:r>
+                        <a:rPr lang="ko-KR" altLang="en-US"/>
+                        <a:t>개</a:t>
+                      </a:r>
+                    </a:p>
+                  </a:txBody>
+                  <a:tcPr anchor="ctr"/>
+                </a:tc>
+                <a:tc>
+                  <a:txBody>
+                    <a:bodyPr/>
+                    <a:lstStyle/>
+                    <a:p>
+                      <a:pPr algn="ctr" latinLnBrk="1"/>
+                      <a:r>
+                        <a:rPr lang="en-US" altLang="ko-KR"/>
+                        <a:t>219</a:t>
+                      </a:r>
+                      <a:endParaRPr lang="ko-KR" altLang="en-US"/>
+                    </a:p>
+                  </a:txBody>
+                  <a:tcPr anchor="ctr"/>
+                </a:tc>
+                <a:tc>
+                  <a:txBody>
+                    <a:bodyPr/>
+                    <a:lstStyle/>
+                    <a:p>
+                      <a:pPr algn="ctr" latinLnBrk="1"/>
+                      <a:r>
+                        <a:rPr lang="en-US" altLang="ko-KR"/>
+                        <a:t>3, 4, 6, 7, 13, 14, 15, 19, 20, 21, 22, 33, 35, 36, 37, 40, 42, 46, 48, 49</a:t>
+                      </a:r>
+                      <a:endParaRPr lang="ko-KR" altLang="en-US"/>
+                    </a:p>
+                  </a:txBody>
+                  <a:tcPr anchor="ctr"/>
+                </a:tc>
+                <a:extLst>
+                  <a:ext uri="{0D108BD9-81ED-4DB2-BD59-A6C34878D82A}">
+                    <a16:rowId xmlns:a16="http://schemas.microsoft.com/office/drawing/2014/main" val="484012607"/>
+                  </a:ext>
+                </a:extLst>
+              </a:tr>
+              <a:tr h="402998">
+                <a:tc vMerge="1">
+                  <a:txBody>
+                    <a:bodyPr/>
+                    <a:lstStyle/>
+                    <a:p>
+                      <a:pPr latinLnBrk="1"/>
+                      <a:endParaRPr lang="ko-KR" altLang="en-US"/>
+                    </a:p>
+                  </a:txBody>
+                  <a:tcPr/>
+                </a:tc>
+                <a:tc>
+                  <a:txBody>
+                    <a:bodyPr/>
+                    <a:lstStyle/>
+                    <a:p>
+                      <a:pPr algn="ctr" latinLnBrk="1"/>
+                      <a:r>
+                        <a:rPr lang="en-US" altLang="ko-KR"/>
+                        <a:t>4</a:t>
+                      </a:r>
+                      <a:r>
+                        <a:rPr lang="ko-KR" altLang="en-US"/>
+                        <a:t>개</a:t>
+                      </a:r>
+                    </a:p>
+                  </a:txBody>
+                  <a:tcPr anchor="ctr"/>
+                </a:tc>
+                <a:tc>
+                  <a:txBody>
+                    <a:bodyPr/>
+                    <a:lstStyle/>
+                    <a:p>
+                      <a:pPr algn="ctr" latinLnBrk="1"/>
+                      <a:r>
+                        <a:rPr lang="en-US" altLang="ko-KR"/>
+                        <a:t>96</a:t>
+                      </a:r>
+                      <a:endParaRPr lang="ko-KR" altLang="en-US"/>
+                    </a:p>
+                  </a:txBody>
+                  <a:tcPr anchor="ctr"/>
+                </a:tc>
+                <a:tc>
+                  <a:txBody>
+                    <a:bodyPr/>
+                    <a:lstStyle/>
+                    <a:p>
+                      <a:pPr algn="ctr" latinLnBrk="1"/>
+                      <a:r>
+                        <a:rPr lang="en-US" altLang="ko-KR"/>
+                        <a:t>3, 6, 7, 11, 15, 19, 20, 21, 28, 33, 35, 53, 58, 60, 61, 67, 73, 75, 80, 84</a:t>
+                      </a:r>
+                      <a:endParaRPr lang="ko-KR" altLang="en-US"/>
+                    </a:p>
+                  </a:txBody>
+                  <a:tcPr anchor="ctr"/>
+                </a:tc>
+                <a:extLst>
+                  <a:ext uri="{0D108BD9-81ED-4DB2-BD59-A6C34878D82A}">
+                    <a16:rowId xmlns:a16="http://schemas.microsoft.com/office/drawing/2014/main" val="114936681"/>
+                  </a:ext>
+                </a:extLst>
+              </a:tr>
+              <a:tr h="402998">
+                <a:tc vMerge="1">
+                  <a:txBody>
+                    <a:bodyPr/>
+                    <a:lstStyle/>
+                    <a:p>
+                      <a:pPr latinLnBrk="1"/>
+                      <a:endParaRPr lang="ko-KR" altLang="en-US"/>
+                    </a:p>
+                  </a:txBody>
+                  <a:tcPr/>
+                </a:tc>
+                <a:tc>
+                  <a:txBody>
+                    <a:bodyPr/>
+                    <a:lstStyle/>
+                    <a:p>
+                      <a:pPr algn="ctr" latinLnBrk="1"/>
+                      <a:r>
+                        <a:rPr lang="en-US" altLang="ko-KR"/>
+                        <a:t>8</a:t>
+                      </a:r>
+                      <a:r>
+                        <a:rPr lang="ko-KR" altLang="en-US"/>
+                        <a:t>개</a:t>
+                      </a:r>
+                    </a:p>
+                  </a:txBody>
+                  <a:tcPr anchor="ctr"/>
+                </a:tc>
+                <a:tc>
+                  <a:txBody>
+                    <a:bodyPr/>
+                    <a:lstStyle/>
+                    <a:p>
+                      <a:pPr algn="ctr" latinLnBrk="1"/>
+                      <a:r>
+                        <a:rPr lang="en-US" altLang="ko-KR"/>
+                        <a:t>108</a:t>
+                      </a:r>
+                      <a:endParaRPr lang="ko-KR" altLang="en-US"/>
+                    </a:p>
+                  </a:txBody>
+                  <a:tcPr anchor="ctr"/>
+                </a:tc>
+                <a:tc>
+                  <a:txBody>
+                    <a:bodyPr/>
+                    <a:lstStyle/>
+                    <a:p>
+                      <a:pPr algn="ctr" latinLnBrk="1"/>
+                      <a:r>
+                        <a:rPr lang="en-US" altLang="ko-KR"/>
+                        <a:t>3, 6, 7, 11, 15, 18, 28, 35, 43, 53, 58, 60, 61, 67, 75, 93, 97, 98, 111, 113</a:t>
+                      </a:r>
+                      <a:endParaRPr lang="ko-KR" altLang="en-US"/>
+                    </a:p>
+                  </a:txBody>
+                  <a:tcPr anchor="ctr"/>
+                </a:tc>
+                <a:extLst>
+                  <a:ext uri="{0D108BD9-81ED-4DB2-BD59-A6C34878D82A}">
+                    <a16:rowId xmlns:a16="http://schemas.microsoft.com/office/drawing/2014/main" val="272348954"/>
+                  </a:ext>
+                </a:extLst>
+              </a:tr>
+              <a:tr h="695586">
+                <a:tc rowSpan="4">
+                  <a:txBody>
+                    <a:bodyPr/>
+                    <a:lstStyle/>
+                    <a:p>
+                      <a:pPr algn="ctr" latinLnBrk="1"/>
+                      <a:r>
+                        <a:rPr lang="en-US" altLang="ko-KR"/>
+                        <a:t>Mutex</a:t>
+                      </a:r>
+                      <a:r>
+                        <a:rPr lang="ko-KR" altLang="en-US"/>
+                        <a:t> </a:t>
+                      </a:r>
+                      <a:r>
+                        <a:rPr lang="en-US" altLang="ko-KR"/>
+                        <a:t>Queue</a:t>
+                      </a:r>
+                      <a:endParaRPr lang="ko-KR" altLang="en-US"/>
+                    </a:p>
+                  </a:txBody>
+                  <a:tcPr anchor="ctr"/>
+                </a:tc>
+                <a:tc>
+                  <a:txBody>
+                    <a:bodyPr/>
+                    <a:lstStyle/>
+                    <a:p>
+                      <a:pPr algn="ctr" latinLnBrk="1"/>
+                      <a:r>
+                        <a:rPr lang="en-US" altLang="ko-KR"/>
+                        <a:t>1</a:t>
+                      </a:r>
+                      <a:r>
+                        <a:rPr lang="ko-KR" altLang="en-US"/>
+                        <a:t>개</a:t>
+                      </a:r>
+                      <a:endParaRPr lang="en-US" altLang="ko-KR"/>
+                    </a:p>
+                  </a:txBody>
+                  <a:tcPr anchor="ctr"/>
+                </a:tc>
+                <a:tc>
+                  <a:txBody>
+                    <a:bodyPr/>
+                    <a:lstStyle/>
+                    <a:p>
+                      <a:pPr algn="ctr" latinLnBrk="1"/>
+                      <a:r>
+                        <a:rPr lang="en-US" altLang="ko-KR"/>
+                        <a:t>6</a:t>
+                      </a:r>
+                      <a:endParaRPr lang="ko-KR" altLang="en-US"/>
+                    </a:p>
+                  </a:txBody>
+                  <a:tcPr anchor="ctr"/>
+                </a:tc>
+                <a:tc>
+                  <a:txBody>
+                    <a:bodyPr/>
+                    <a:lstStyle/>
+                    <a:p>
+                      <a:pPr algn="ctr" latinLnBrk="1"/>
+                      <a:r>
+                        <a:rPr lang="en-US" altLang="ko-KR"/>
+                        <a:t>1, 6, 7, 11, 14, 16, 21, 22, 23, 27, 29, 39, 40, 41, 45, 47, 52, 54, 56, 58</a:t>
+                      </a:r>
+                      <a:endParaRPr lang="ko-KR" altLang="en-US"/>
+                    </a:p>
+                  </a:txBody>
+                  <a:tcPr anchor="ctr"/>
+                </a:tc>
+                <a:extLst>
+                  <a:ext uri="{0D108BD9-81ED-4DB2-BD59-A6C34878D82A}">
+                    <a16:rowId xmlns:a16="http://schemas.microsoft.com/office/drawing/2014/main" val="1171725222"/>
+                  </a:ext>
+                </a:extLst>
+              </a:tr>
+              <a:tr h="695586">
+                <a:tc vMerge="1">
+                  <a:txBody>
+                    <a:bodyPr/>
+                    <a:lstStyle/>
+                    <a:p>
+                      <a:pPr latinLnBrk="1"/>
+                      <a:endParaRPr lang="ko-KR" altLang="en-US"/>
+                    </a:p>
+                  </a:txBody>
+                  <a:tcPr/>
+                </a:tc>
+                <a:tc>
+                  <a:txBody>
+                    <a:bodyPr/>
+                    <a:lstStyle/>
+                    <a:p>
+                      <a:pPr algn="ctr" latinLnBrk="1"/>
+                      <a:r>
+                        <a:rPr lang="en-US" altLang="ko-KR"/>
+                        <a:t>2</a:t>
+                      </a:r>
+                      <a:r>
+                        <a:rPr lang="ko-KR" altLang="en-US"/>
+                        <a:t>개</a:t>
+                      </a:r>
+                    </a:p>
+                  </a:txBody>
+                  <a:tcPr anchor="ctr"/>
+                </a:tc>
+                <a:tc>
+                  <a:txBody>
+                    <a:bodyPr/>
+                    <a:lstStyle/>
+                    <a:p>
+                      <a:pPr algn="ctr" latinLnBrk="1"/>
+                      <a:r>
+                        <a:rPr lang="en-US" altLang="ko-KR"/>
+                        <a:t>1</a:t>
+                      </a:r>
+                      <a:endParaRPr lang="ko-KR" altLang="en-US"/>
+                    </a:p>
+                  </a:txBody>
+                  <a:tcPr anchor="ctr"/>
+                </a:tc>
+                <a:tc>
+                  <a:txBody>
+                    <a:bodyPr/>
+                    <a:lstStyle/>
+                    <a:p>
+                      <a:pPr algn="ctr" latinLnBrk="1"/>
+                      <a:r>
+                        <a:rPr lang="en-US" altLang="ko-KR"/>
+                        <a:t>3, 4, 6, 7, 13, 14, 15, 19, 20, 21, 22, 33, 35, 36, 37, 40, 42, 46, 48, 49</a:t>
+                      </a:r>
+                      <a:endParaRPr lang="ko-KR" altLang="en-US"/>
+                    </a:p>
+                  </a:txBody>
+                  <a:tcPr anchor="ctr"/>
+                </a:tc>
+                <a:extLst>
+                  <a:ext uri="{0D108BD9-81ED-4DB2-BD59-A6C34878D82A}">
+                    <a16:rowId xmlns:a16="http://schemas.microsoft.com/office/drawing/2014/main" val="3770393000"/>
+                  </a:ext>
+                </a:extLst>
+              </a:tr>
+              <a:tr h="695586">
+                <a:tc vMerge="1">
+                  <a:txBody>
+                    <a:bodyPr/>
+                    <a:lstStyle/>
+                    <a:p>
+                      <a:pPr latinLnBrk="1"/>
+                      <a:endParaRPr lang="ko-KR" altLang="en-US"/>
+                    </a:p>
+                  </a:txBody>
+                  <a:tcPr/>
+                </a:tc>
+                <a:tc>
+                  <a:txBody>
+                    <a:bodyPr/>
+                    <a:lstStyle/>
+                    <a:p>
+                      <a:pPr algn="ctr" latinLnBrk="1"/>
+                      <a:r>
+                        <a:rPr lang="en-US" altLang="ko-KR"/>
+                        <a:t>4</a:t>
+                      </a:r>
+                      <a:r>
+                        <a:rPr lang="ko-KR" altLang="en-US"/>
+                        <a:t>개</a:t>
+                      </a:r>
+                    </a:p>
+                  </a:txBody>
+                  <a:tcPr anchor="ctr"/>
+                </a:tc>
+                <a:tc>
+                  <a:txBody>
+                    <a:bodyPr/>
+                    <a:lstStyle/>
+                    <a:p>
+                      <a:pPr algn="ctr" latinLnBrk="1"/>
+                      <a:r>
+                        <a:rPr lang="en-US" altLang="ko-KR"/>
+                        <a:t>3</a:t>
+                      </a:r>
+                      <a:endParaRPr lang="ko-KR" altLang="en-US"/>
+                    </a:p>
+                  </a:txBody>
+                  <a:tcPr anchor="ctr"/>
+                </a:tc>
+                <a:tc>
+                  <a:txBody>
+                    <a:bodyPr/>
+                    <a:lstStyle/>
+                    <a:p>
+                      <a:pPr algn="ctr" latinLnBrk="1"/>
+                      <a:r>
+                        <a:rPr lang="en-US" altLang="ko-KR"/>
+                        <a:t>3, 6, 7, 11, 15, 19, 20, 21, 28, 33, 35, 53, 58, 60, 61, 67, 73, 75, 80, 84</a:t>
+                      </a:r>
+                      <a:endParaRPr lang="ko-KR" altLang="en-US"/>
+                    </a:p>
+                  </a:txBody>
+                  <a:tcPr anchor="ctr"/>
+                </a:tc>
+                <a:extLst>
+                  <a:ext uri="{0D108BD9-81ED-4DB2-BD59-A6C34878D82A}">
+                    <a16:rowId xmlns:a16="http://schemas.microsoft.com/office/drawing/2014/main" val="1956506710"/>
+                  </a:ext>
+                </a:extLst>
+              </a:tr>
+              <a:tr h="695586">
+                <a:tc vMerge="1">
+                  <a:txBody>
+                    <a:bodyPr/>
+                    <a:lstStyle/>
+                    <a:p>
+                      <a:pPr latinLnBrk="1"/>
+                      <a:endParaRPr lang="ko-KR" altLang="en-US"/>
+                    </a:p>
+                  </a:txBody>
+                  <a:tcPr/>
+                </a:tc>
+                <a:tc>
+                  <a:txBody>
+                    <a:bodyPr/>
+                    <a:lstStyle/>
+                    <a:p>
+                      <a:pPr algn="ctr" latinLnBrk="1"/>
+                      <a:r>
+                        <a:rPr lang="en-US" altLang="ko-KR"/>
+                        <a:t>8</a:t>
+                      </a:r>
+                      <a:r>
+                        <a:rPr lang="ko-KR" altLang="en-US"/>
+                        <a:t>개</a:t>
+                      </a:r>
+                    </a:p>
+                  </a:txBody>
+                  <a:tcPr anchor="ctr"/>
+                </a:tc>
+                <a:tc>
+                  <a:txBody>
+                    <a:bodyPr/>
+                    <a:lstStyle/>
+                    <a:p>
+                      <a:pPr algn="ctr" latinLnBrk="1"/>
+                      <a:r>
+                        <a:rPr lang="en-US" altLang="ko-KR"/>
+                        <a:t>5</a:t>
+                      </a:r>
+                      <a:endParaRPr lang="ko-KR" altLang="en-US"/>
+                    </a:p>
+                  </a:txBody>
+                  <a:tcPr anchor="ctr"/>
+                </a:tc>
+                <a:tc>
+                  <a:txBody>
+                    <a:bodyPr/>
+                    <a:lstStyle/>
+                    <a:p>
+                      <a:pPr algn="ctr" latinLnBrk="1"/>
+                      <a:r>
+                        <a:rPr lang="en-US" altLang="ko-KR"/>
+                        <a:t>3, 6, 7, 11, 15, 18, 28, 35, 43, 53, 58, 60, 61, 67, 75, 93, 97, 98, 111, 113</a:t>
+                      </a:r>
+                      <a:endParaRPr lang="ko-KR" altLang="en-US"/>
+                    </a:p>
+                  </a:txBody>
+                  <a:tcPr anchor="ctr"/>
+                </a:tc>
+                <a:extLst>
+                  <a:ext uri="{0D108BD9-81ED-4DB2-BD59-A6C34878D82A}">
+                    <a16:rowId xmlns:a16="http://schemas.microsoft.com/office/drawing/2014/main" val="4149718984"/>
+                  </a:ext>
+                </a:extLst>
+              </a:tr>
+            </a:tbl>
+          </a:graphicData>
+        </a:graphic>
+      </p:graphicFrame>
+    </p:spTree>
+    <p:extLst>
+      <p:ext uri="{BB962C8B-B14F-4D97-AF65-F5344CB8AC3E}">
+        <p14:creationId xmlns:p14="http://schemas.microsoft.com/office/powerpoint/2010/main" val="3192358335"/>
+      </p:ext>
+    </p:extLst>
+  </p:cSld>
+  <p:clrMapOvr>
+    <a:masterClrMapping/>
+  </p:clrMapOvr>
+</p:sld>
+</file>
+
 <file path=ppt/theme/theme1.xml><?xml version="1.0" encoding="utf-8"?>
 <a:theme xmlns:a="http://schemas.openxmlformats.org/drawingml/2006/main" name="Office 테마">
   <a:themeElements>

--- a/표정리.pptx
+++ b/표정리.pptx
@@ -12,6 +12,7 @@
     <p:sldId id="260" r:id="rId6"/>
     <p:sldId id="261" r:id="rId7"/>
     <p:sldId id="262" r:id="rId8"/>
+    <p:sldId id="263" r:id="rId9"/>
   </p:sldIdLst>
   <p:sldSz cx="12192000" cy="6858000"/>
   <p:notesSz cx="6858000" cy="9144000"/>
@@ -265,7 +266,7 @@
           <a:p>
             <a:fld id="{93EFE02C-6951-4A24-9F91-644F60701F4E}" type="datetimeFigureOut">
               <a:rPr lang="ko-KR" altLang="en-US" smtClean="0"/>
-              <a:t>2021-11-09</a:t>
+              <a:t>2021-11-17</a:t>
             </a:fld>
             <a:endParaRPr lang="ko-KR" altLang="en-US"/>
           </a:p>
@@ -463,7 +464,7 @@
           <a:p>
             <a:fld id="{93EFE02C-6951-4A24-9F91-644F60701F4E}" type="datetimeFigureOut">
               <a:rPr lang="ko-KR" altLang="en-US" smtClean="0"/>
-              <a:t>2021-11-09</a:t>
+              <a:t>2021-11-17</a:t>
             </a:fld>
             <a:endParaRPr lang="ko-KR" altLang="en-US"/>
           </a:p>
@@ -671,7 +672,7 @@
           <a:p>
             <a:fld id="{93EFE02C-6951-4A24-9F91-644F60701F4E}" type="datetimeFigureOut">
               <a:rPr lang="ko-KR" altLang="en-US" smtClean="0"/>
-              <a:t>2021-11-09</a:t>
+              <a:t>2021-11-17</a:t>
             </a:fld>
             <a:endParaRPr lang="ko-KR" altLang="en-US"/>
           </a:p>
@@ -869,7 +870,7 @@
           <a:p>
             <a:fld id="{93EFE02C-6951-4A24-9F91-644F60701F4E}" type="datetimeFigureOut">
               <a:rPr lang="ko-KR" altLang="en-US" smtClean="0"/>
-              <a:t>2021-11-09</a:t>
+              <a:t>2021-11-17</a:t>
             </a:fld>
             <a:endParaRPr lang="ko-KR" altLang="en-US"/>
           </a:p>
@@ -1144,7 +1145,7 @@
           <a:p>
             <a:fld id="{93EFE02C-6951-4A24-9F91-644F60701F4E}" type="datetimeFigureOut">
               <a:rPr lang="ko-KR" altLang="en-US" smtClean="0"/>
-              <a:t>2021-11-09</a:t>
+              <a:t>2021-11-17</a:t>
             </a:fld>
             <a:endParaRPr lang="ko-KR" altLang="en-US"/>
           </a:p>
@@ -1409,7 +1410,7 @@
           <a:p>
             <a:fld id="{93EFE02C-6951-4A24-9F91-644F60701F4E}" type="datetimeFigureOut">
               <a:rPr lang="ko-KR" altLang="en-US" smtClean="0"/>
-              <a:t>2021-11-09</a:t>
+              <a:t>2021-11-17</a:t>
             </a:fld>
             <a:endParaRPr lang="ko-KR" altLang="en-US"/>
           </a:p>
@@ -1821,7 +1822,7 @@
           <a:p>
             <a:fld id="{93EFE02C-6951-4A24-9F91-644F60701F4E}" type="datetimeFigureOut">
               <a:rPr lang="ko-KR" altLang="en-US" smtClean="0"/>
-              <a:t>2021-11-09</a:t>
+              <a:t>2021-11-17</a:t>
             </a:fld>
             <a:endParaRPr lang="ko-KR" altLang="en-US"/>
           </a:p>
@@ -1962,7 +1963,7 @@
           <a:p>
             <a:fld id="{93EFE02C-6951-4A24-9F91-644F60701F4E}" type="datetimeFigureOut">
               <a:rPr lang="ko-KR" altLang="en-US" smtClean="0"/>
-              <a:t>2021-11-09</a:t>
+              <a:t>2021-11-17</a:t>
             </a:fld>
             <a:endParaRPr lang="ko-KR" altLang="en-US"/>
           </a:p>
@@ -2075,7 +2076,7 @@
           <a:p>
             <a:fld id="{93EFE02C-6951-4A24-9F91-644F60701F4E}" type="datetimeFigureOut">
               <a:rPr lang="ko-KR" altLang="en-US" smtClean="0"/>
-              <a:t>2021-11-09</a:t>
+              <a:t>2021-11-17</a:t>
             </a:fld>
             <a:endParaRPr lang="ko-KR" altLang="en-US"/>
           </a:p>
@@ -2386,7 +2387,7 @@
           <a:p>
             <a:fld id="{93EFE02C-6951-4A24-9F91-644F60701F4E}" type="datetimeFigureOut">
               <a:rPr lang="ko-KR" altLang="en-US" smtClean="0"/>
-              <a:t>2021-11-09</a:t>
+              <a:t>2021-11-17</a:t>
             </a:fld>
             <a:endParaRPr lang="ko-KR" altLang="en-US"/>
           </a:p>
@@ -2674,7 +2675,7 @@
           <a:p>
             <a:fld id="{93EFE02C-6951-4A24-9F91-644F60701F4E}" type="datetimeFigureOut">
               <a:rPr lang="ko-KR" altLang="en-US" smtClean="0"/>
-              <a:t>2021-11-09</a:t>
+              <a:t>2021-11-17</a:t>
             </a:fld>
             <a:endParaRPr lang="ko-KR" altLang="en-US"/>
           </a:p>
@@ -2915,7 +2916,7 @@
           <a:p>
             <a:fld id="{93EFE02C-6951-4A24-9F91-644F60701F4E}" type="datetimeFigureOut">
               <a:rPr lang="ko-KR" altLang="en-US" smtClean="0"/>
-              <a:t>2021-11-09</a:t>
+              <a:t>2021-11-17</a:t>
             </a:fld>
             <a:endParaRPr lang="ko-KR" altLang="en-US"/>
           </a:p>
@@ -8269,6 +8270,991 @@
 </p:sld>
 </file>
 
+<file path=ppt/slides/slide8.xml><?xml version="1.0" encoding="utf-8"?>
+<p:sld xmlns:a="http://schemas.openxmlformats.org/drawingml/2006/main" xmlns:r="http://schemas.openxmlformats.org/officeDocument/2006/relationships" xmlns:p="http://schemas.openxmlformats.org/presentationml/2006/main">
+  <p:cSld>
+    <p:spTree>
+      <p:nvGrpSpPr>
+        <p:cNvPr id="1" name=""/>
+        <p:cNvGrpSpPr/>
+        <p:nvPr/>
+      </p:nvGrpSpPr>
+      <p:grpSpPr>
+        <a:xfrm>
+          <a:off x="0" y="0"/>
+          <a:ext cx="0" cy="0"/>
+          <a:chOff x="0" y="0"/>
+          <a:chExt cx="0" cy="0"/>
+        </a:xfrm>
+      </p:grpSpPr>
+      <p:sp>
+        <p:nvSpPr>
+          <p:cNvPr id="6" name="TextBox 5">
+            <a:extLst>
+              <a:ext uri="{FF2B5EF4-FFF2-40B4-BE49-F238E27FC236}">
+                <a16:creationId xmlns:a16="http://schemas.microsoft.com/office/drawing/2014/main" id="{0A7BDBCA-B22C-4194-8E7D-197C28900707}"/>
+              </a:ext>
+            </a:extLst>
+          </p:cNvPr>
+          <p:cNvSpPr txBox="1"/>
+          <p:nvPr/>
+        </p:nvSpPr>
+        <p:spPr>
+          <a:xfrm>
+            <a:off x="638629" y="4071256"/>
+            <a:ext cx="8127999" cy="369332"/>
+          </a:xfrm>
+          <a:prstGeom prst="rect">
+            <a:avLst/>
+          </a:prstGeom>
+          <a:noFill/>
+        </p:spPr>
+        <p:txBody>
+          <a:bodyPr wrap="square" rtlCol="0">
+            <a:spAutoFit/>
+          </a:bodyPr>
+          <a:lstStyle/>
+          <a:p>
+            <a:pPr algn="ctr"/>
+            <a:r>
+              <a:rPr lang="en-US" altLang="ko-KR"/>
+              <a:t>&lt;</a:t>
+            </a:r>
+            <a:r>
+              <a:rPr lang="ko-KR" altLang="en-US"/>
+              <a:t>빵집 알고리즘</a:t>
+            </a:r>
+            <a:r>
+              <a:rPr lang="en-US" altLang="ko-KR"/>
+              <a:t>&gt;</a:t>
+            </a:r>
+            <a:endParaRPr lang="ko-KR" altLang="en-US"/>
+          </a:p>
+        </p:txBody>
+      </p:sp>
+      <p:graphicFrame>
+        <p:nvGraphicFramePr>
+          <p:cNvPr id="2" name="표 2">
+            <a:extLst>
+              <a:ext uri="{FF2B5EF4-FFF2-40B4-BE49-F238E27FC236}">
+                <a16:creationId xmlns:a16="http://schemas.microsoft.com/office/drawing/2014/main" id="{2080671F-9281-426D-9D0D-5EE282A5DF46}"/>
+              </a:ext>
+            </a:extLst>
+          </p:cNvPr>
+          <p:cNvGraphicFramePr>
+            <a:graphicFrameLocks noGrp="1"/>
+          </p:cNvGraphicFramePr>
+          <p:nvPr>
+            <p:extLst>
+              <p:ext uri="{D42A27DB-BD31-4B8C-83A1-F6EECF244321}">
+                <p14:modId xmlns:p14="http://schemas.microsoft.com/office/powerpoint/2010/main" val="2229430089"/>
+              </p:ext>
+            </p:extLst>
+          </p:nvPr>
+        </p:nvGraphicFramePr>
+        <p:xfrm>
+          <a:off x="266669" y="286158"/>
+          <a:ext cx="7312002" cy="5963872"/>
+        </p:xfrm>
+        <a:graphic>
+          <a:graphicData uri="http://schemas.openxmlformats.org/drawingml/2006/table">
+            <a:tbl>
+              <a:tblPr firstRow="1" bandRow="1">
+                <a:tableStyleId>{F5AB1C69-6EDB-4FF4-983F-18BD219EF322}</a:tableStyleId>
+              </a:tblPr>
+              <a:tblGrid>
+                <a:gridCol w="2873168">
+                  <a:extLst>
+                    <a:ext uri="{9D8B030D-6E8A-4147-A177-3AD203B41FA5}">
+                      <a16:colId xmlns:a16="http://schemas.microsoft.com/office/drawing/2014/main" val="858713340"/>
+                    </a:ext>
+                  </a:extLst>
+                </a:gridCol>
+                <a:gridCol w="2219417">
+                  <a:extLst>
+                    <a:ext uri="{9D8B030D-6E8A-4147-A177-3AD203B41FA5}">
+                      <a16:colId xmlns:a16="http://schemas.microsoft.com/office/drawing/2014/main" val="3452561164"/>
+                    </a:ext>
+                  </a:extLst>
+                </a:gridCol>
+                <a:gridCol w="2219417">
+                  <a:extLst>
+                    <a:ext uri="{9D8B030D-6E8A-4147-A177-3AD203B41FA5}">
+                      <a16:colId xmlns:a16="http://schemas.microsoft.com/office/drawing/2014/main" val="3285258382"/>
+                    </a:ext>
+                  </a:extLst>
+                </a:gridCol>
+              </a:tblGrid>
+              <a:tr h="372742">
+                <a:tc>
+                  <a:txBody>
+                    <a:bodyPr/>
+                    <a:lstStyle/>
+                    <a:p>
+                      <a:pPr latinLnBrk="1"/>
+                      <a:endParaRPr lang="ko-KR" altLang="en-US"/>
+                    </a:p>
+                  </a:txBody>
+                  <a:tcPr/>
+                </a:tc>
+                <a:tc>
+                  <a:txBody>
+                    <a:bodyPr/>
+                    <a:lstStyle/>
+                    <a:p>
+                      <a:pPr algn="ctr" latinLnBrk="1"/>
+                      <a:r>
+                        <a:rPr lang="ko-KR" altLang="en-US">
+                          <a:solidFill>
+                            <a:schemeClr val="tx1"/>
+                          </a:solidFill>
+                        </a:rPr>
+                        <a:t>쓰레드</a:t>
+                      </a:r>
+                    </a:p>
+                  </a:txBody>
+                  <a:tcPr anchor="ctr"/>
+                </a:tc>
+                <a:tc>
+                  <a:txBody>
+                    <a:bodyPr/>
+                    <a:lstStyle/>
+                    <a:p>
+                      <a:pPr algn="ctr" latinLnBrk="1"/>
+                      <a:r>
+                        <a:rPr lang="ko-KR" altLang="en-US">
+                          <a:solidFill>
+                            <a:schemeClr val="tx1"/>
+                          </a:solidFill>
+                        </a:rPr>
+                        <a:t>시간</a:t>
+                      </a:r>
+                      <a:r>
+                        <a:rPr lang="en-US" altLang="ko-KR">
+                          <a:solidFill>
+                            <a:schemeClr val="tx1"/>
+                          </a:solidFill>
+                        </a:rPr>
+                        <a:t>(ms)</a:t>
+                      </a:r>
+                      <a:endParaRPr lang="ko-KR" altLang="en-US">
+                        <a:solidFill>
+                          <a:schemeClr val="tx1"/>
+                        </a:solidFill>
+                      </a:endParaRPr>
+                    </a:p>
+                  </a:txBody>
+                  <a:tcPr anchor="ctr"/>
+                </a:tc>
+                <a:extLst>
+                  <a:ext uri="{0D108BD9-81ED-4DB2-BD59-A6C34878D82A}">
+                    <a16:rowId xmlns:a16="http://schemas.microsoft.com/office/drawing/2014/main" val="3542652350"/>
+                  </a:ext>
+                </a:extLst>
+              </a:tr>
+              <a:tr h="372742">
+                <a:tc rowSpan="5">
+                  <a:txBody>
+                    <a:bodyPr/>
+                    <a:lstStyle/>
+                    <a:p>
+                      <a:pPr algn="ctr" latinLnBrk="1"/>
+                      <a:r>
+                        <a:rPr lang="en-US" altLang="ko-KR"/>
+                        <a:t>Lock</a:t>
+                      </a:r>
+                      <a:endParaRPr lang="ko-KR" altLang="en-US"/>
+                    </a:p>
+                  </a:txBody>
+                  <a:tcPr anchor="ctr"/>
+                </a:tc>
+                <a:tc>
+                  <a:txBody>
+                    <a:bodyPr/>
+                    <a:lstStyle/>
+                    <a:p>
+                      <a:pPr algn="ctr" latinLnBrk="1"/>
+                      <a:r>
+                        <a:rPr lang="en-US" altLang="ko-KR"/>
+                        <a:t>1</a:t>
+                      </a:r>
+                      <a:r>
+                        <a:rPr lang="ko-KR" altLang="en-US"/>
+                        <a:t>개</a:t>
+                      </a:r>
+                      <a:endParaRPr lang="en-US" altLang="ko-KR"/>
+                    </a:p>
+                  </a:txBody>
+                  <a:tcPr anchor="ctr"/>
+                </a:tc>
+                <a:tc>
+                  <a:txBody>
+                    <a:bodyPr/>
+                    <a:lstStyle/>
+                    <a:p>
+                      <a:pPr algn="ctr" latinLnBrk="1"/>
+                      <a:r>
+                        <a:rPr lang="en-US" altLang="ko-KR"/>
+                        <a:t>655</a:t>
+                      </a:r>
+                      <a:endParaRPr lang="ko-KR" altLang="en-US"/>
+                    </a:p>
+                  </a:txBody>
+                  <a:tcPr anchor="ctr"/>
+                </a:tc>
+                <a:extLst>
+                  <a:ext uri="{0D108BD9-81ED-4DB2-BD59-A6C34878D82A}">
+                    <a16:rowId xmlns:a16="http://schemas.microsoft.com/office/drawing/2014/main" val="2220231314"/>
+                  </a:ext>
+                </a:extLst>
+              </a:tr>
+              <a:tr h="372742">
+                <a:tc vMerge="1">
+                  <a:txBody>
+                    <a:bodyPr/>
+                    <a:lstStyle/>
+                    <a:p>
+                      <a:pPr latinLnBrk="1"/>
+                      <a:endParaRPr lang="ko-KR" altLang="en-US"/>
+                    </a:p>
+                  </a:txBody>
+                  <a:tcPr/>
+                </a:tc>
+                <a:tc>
+                  <a:txBody>
+                    <a:bodyPr/>
+                    <a:lstStyle/>
+                    <a:p>
+                      <a:pPr algn="ctr" latinLnBrk="1"/>
+                      <a:r>
+                        <a:rPr lang="en-US" altLang="ko-KR"/>
+                        <a:t>2</a:t>
+                      </a:r>
+                      <a:r>
+                        <a:rPr lang="ko-KR" altLang="en-US"/>
+                        <a:t>개</a:t>
+                      </a:r>
+                    </a:p>
+                  </a:txBody>
+                  <a:tcPr anchor="ctr"/>
+                </a:tc>
+                <a:tc>
+                  <a:txBody>
+                    <a:bodyPr/>
+                    <a:lstStyle/>
+                    <a:p>
+                      <a:pPr algn="ctr" latinLnBrk="1"/>
+                      <a:r>
+                        <a:rPr lang="en-US" altLang="ko-KR"/>
+                        <a:t>1129</a:t>
+                      </a:r>
+                      <a:endParaRPr lang="ko-KR" altLang="en-US"/>
+                    </a:p>
+                  </a:txBody>
+                  <a:tcPr anchor="ctr"/>
+                </a:tc>
+                <a:extLst>
+                  <a:ext uri="{0D108BD9-81ED-4DB2-BD59-A6C34878D82A}">
+                    <a16:rowId xmlns:a16="http://schemas.microsoft.com/office/drawing/2014/main" val="484012607"/>
+                  </a:ext>
+                </a:extLst>
+              </a:tr>
+              <a:tr h="372742">
+                <a:tc vMerge="1">
+                  <a:txBody>
+                    <a:bodyPr/>
+                    <a:lstStyle/>
+                    <a:p>
+                      <a:pPr latinLnBrk="1"/>
+                      <a:endParaRPr lang="ko-KR" altLang="en-US"/>
+                    </a:p>
+                  </a:txBody>
+                  <a:tcPr/>
+                </a:tc>
+                <a:tc>
+                  <a:txBody>
+                    <a:bodyPr/>
+                    <a:lstStyle/>
+                    <a:p>
+                      <a:pPr algn="ctr" latinLnBrk="1"/>
+                      <a:r>
+                        <a:rPr lang="en-US" altLang="ko-KR"/>
+                        <a:t>4</a:t>
+                      </a:r>
+                      <a:r>
+                        <a:rPr lang="ko-KR" altLang="en-US"/>
+                        <a:t>개</a:t>
+                      </a:r>
+                    </a:p>
+                  </a:txBody>
+                  <a:tcPr anchor="ctr"/>
+                </a:tc>
+                <a:tc>
+                  <a:txBody>
+                    <a:bodyPr/>
+                    <a:lstStyle/>
+                    <a:p>
+                      <a:pPr algn="ctr" latinLnBrk="1"/>
+                      <a:r>
+                        <a:rPr lang="en-US" altLang="ko-KR"/>
+                        <a:t>1569</a:t>
+                      </a:r>
+                      <a:endParaRPr lang="ko-KR" altLang="en-US"/>
+                    </a:p>
+                  </a:txBody>
+                  <a:tcPr anchor="ctr"/>
+                </a:tc>
+                <a:extLst>
+                  <a:ext uri="{0D108BD9-81ED-4DB2-BD59-A6C34878D82A}">
+                    <a16:rowId xmlns:a16="http://schemas.microsoft.com/office/drawing/2014/main" val="114936681"/>
+                  </a:ext>
+                </a:extLst>
+              </a:tr>
+              <a:tr h="372742">
+                <a:tc vMerge="1">
+                  <a:txBody>
+                    <a:bodyPr/>
+                    <a:lstStyle/>
+                    <a:p>
+                      <a:pPr latinLnBrk="1"/>
+                      <a:endParaRPr lang="ko-KR" altLang="en-US"/>
+                    </a:p>
+                  </a:txBody>
+                  <a:tcPr/>
+                </a:tc>
+                <a:tc>
+                  <a:txBody>
+                    <a:bodyPr/>
+                    <a:lstStyle/>
+                    <a:p>
+                      <a:pPr algn="ctr" latinLnBrk="1"/>
+                      <a:r>
+                        <a:rPr lang="en-US" altLang="ko-KR"/>
+                        <a:t>8</a:t>
+                      </a:r>
+                      <a:r>
+                        <a:rPr lang="ko-KR" altLang="en-US"/>
+                        <a:t>개</a:t>
+                      </a:r>
+                    </a:p>
+                  </a:txBody>
+                  <a:tcPr anchor="ctr"/>
+                </a:tc>
+                <a:tc>
+                  <a:txBody>
+                    <a:bodyPr/>
+                    <a:lstStyle/>
+                    <a:p>
+                      <a:pPr algn="ctr" latinLnBrk="1"/>
+                      <a:r>
+                        <a:rPr lang="en-US" altLang="ko-KR"/>
+                        <a:t>1667</a:t>
+                      </a:r>
+                      <a:endParaRPr lang="ko-KR" altLang="en-US"/>
+                    </a:p>
+                  </a:txBody>
+                  <a:tcPr anchor="ctr"/>
+                </a:tc>
+                <a:extLst>
+                  <a:ext uri="{0D108BD9-81ED-4DB2-BD59-A6C34878D82A}">
+                    <a16:rowId xmlns:a16="http://schemas.microsoft.com/office/drawing/2014/main" val="272348954"/>
+                  </a:ext>
+                </a:extLst>
+              </a:tr>
+              <a:tr h="372742">
+                <a:tc vMerge="1">
+                  <a:txBody>
+                    <a:bodyPr/>
+                    <a:lstStyle/>
+                    <a:p>
+                      <a:pPr latinLnBrk="1"/>
+                      <a:endParaRPr lang="ko-KR" altLang="en-US"/>
+                    </a:p>
+                  </a:txBody>
+                  <a:tcPr/>
+                </a:tc>
+                <a:tc>
+                  <a:txBody>
+                    <a:bodyPr/>
+                    <a:lstStyle/>
+                    <a:p>
+                      <a:pPr algn="ctr" latinLnBrk="1"/>
+                      <a:r>
+                        <a:rPr lang="en-US" altLang="ko-KR"/>
+                        <a:t>16</a:t>
+                      </a:r>
+                      <a:r>
+                        <a:rPr lang="ko-KR" altLang="en-US"/>
+                        <a:t>개</a:t>
+                      </a:r>
+                    </a:p>
+                  </a:txBody>
+                  <a:tcPr anchor="ctr"/>
+                </a:tc>
+                <a:tc>
+                  <a:txBody>
+                    <a:bodyPr/>
+                    <a:lstStyle/>
+                    <a:p>
+                      <a:pPr algn="ctr" latinLnBrk="1"/>
+                      <a:r>
+                        <a:rPr lang="en-US" altLang="ko-KR"/>
+                        <a:t>1680</a:t>
+                      </a:r>
+                      <a:endParaRPr lang="ko-KR" altLang="en-US"/>
+                    </a:p>
+                  </a:txBody>
+                  <a:tcPr anchor="ctr"/>
+                </a:tc>
+                <a:extLst>
+                  <a:ext uri="{0D108BD9-81ED-4DB2-BD59-A6C34878D82A}">
+                    <a16:rowId xmlns:a16="http://schemas.microsoft.com/office/drawing/2014/main" val="617397477"/>
+                  </a:ext>
+                </a:extLst>
+              </a:tr>
+              <a:tr h="372742">
+                <a:tc rowSpan="5">
+                  <a:txBody>
+                    <a:bodyPr/>
+                    <a:lstStyle/>
+                    <a:p>
+                      <a:pPr algn="ctr"/>
+                      <a:r>
+                        <a:rPr lang="en-US" altLang="ko-KR"/>
+                        <a:t>Lock-Free</a:t>
+                      </a:r>
+                      <a:endParaRPr lang="ko-KR" altLang="en-US"/>
+                    </a:p>
+                  </a:txBody>
+                  <a:tcPr anchor="ctr"/>
+                </a:tc>
+                <a:tc>
+                  <a:txBody>
+                    <a:bodyPr/>
+                    <a:lstStyle/>
+                    <a:p>
+                      <a:pPr algn="ctr" latinLnBrk="1"/>
+                      <a:r>
+                        <a:rPr lang="en-US" altLang="ko-KR"/>
+                        <a:t>1</a:t>
+                      </a:r>
+                      <a:r>
+                        <a:rPr lang="ko-KR" altLang="en-US"/>
+                        <a:t>개</a:t>
+                      </a:r>
+                      <a:endParaRPr lang="en-US" altLang="ko-KR"/>
+                    </a:p>
+                  </a:txBody>
+                  <a:tcPr anchor="ctr"/>
+                </a:tc>
+                <a:tc>
+                  <a:txBody>
+                    <a:bodyPr/>
+                    <a:lstStyle/>
+                    <a:p>
+                      <a:pPr algn="ctr"/>
+                      <a:r>
+                        <a:rPr lang="en-US" altLang="ko-KR"/>
+                        <a:t>462</a:t>
+                      </a:r>
+                      <a:endParaRPr lang="ko-KR" altLang="en-US"/>
+                    </a:p>
+                  </a:txBody>
+                  <a:tcPr anchor="ctr"/>
+                </a:tc>
+                <a:extLst>
+                  <a:ext uri="{0D108BD9-81ED-4DB2-BD59-A6C34878D82A}">
+                    <a16:rowId xmlns:a16="http://schemas.microsoft.com/office/drawing/2014/main" val="1171725222"/>
+                  </a:ext>
+                </a:extLst>
+              </a:tr>
+              <a:tr h="372742">
+                <a:tc vMerge="1">
+                  <a:txBody>
+                    <a:bodyPr/>
+                    <a:lstStyle/>
+                    <a:p>
+                      <a:pPr latinLnBrk="1"/>
+                      <a:endParaRPr lang="ko-KR" altLang="en-US"/>
+                    </a:p>
+                  </a:txBody>
+                  <a:tcPr/>
+                </a:tc>
+                <a:tc>
+                  <a:txBody>
+                    <a:bodyPr/>
+                    <a:lstStyle/>
+                    <a:p>
+                      <a:pPr algn="ctr" latinLnBrk="1"/>
+                      <a:r>
+                        <a:rPr lang="en-US" altLang="ko-KR"/>
+                        <a:t>2</a:t>
+                      </a:r>
+                      <a:r>
+                        <a:rPr lang="ko-KR" altLang="en-US"/>
+                        <a:t>개</a:t>
+                      </a:r>
+                    </a:p>
+                  </a:txBody>
+                  <a:tcPr anchor="ctr"/>
+                </a:tc>
+                <a:tc>
+                  <a:txBody>
+                    <a:bodyPr/>
+                    <a:lstStyle/>
+                    <a:p>
+                      <a:pPr algn="ctr"/>
+                      <a:r>
+                        <a:rPr lang="en-US" altLang="ko-KR"/>
+                        <a:t>525</a:t>
+                      </a:r>
+                      <a:endParaRPr lang="ko-KR" altLang="en-US"/>
+                    </a:p>
+                  </a:txBody>
+                  <a:tcPr anchor="ctr"/>
+                </a:tc>
+                <a:extLst>
+                  <a:ext uri="{0D108BD9-81ED-4DB2-BD59-A6C34878D82A}">
+                    <a16:rowId xmlns:a16="http://schemas.microsoft.com/office/drawing/2014/main" val="3198805274"/>
+                  </a:ext>
+                </a:extLst>
+              </a:tr>
+              <a:tr h="372742">
+                <a:tc vMerge="1">
+                  <a:txBody>
+                    <a:bodyPr/>
+                    <a:lstStyle/>
+                    <a:p>
+                      <a:pPr latinLnBrk="1"/>
+                      <a:endParaRPr lang="ko-KR" altLang="en-US"/>
+                    </a:p>
+                  </a:txBody>
+                  <a:tcPr/>
+                </a:tc>
+                <a:tc>
+                  <a:txBody>
+                    <a:bodyPr/>
+                    <a:lstStyle/>
+                    <a:p>
+                      <a:pPr algn="ctr" latinLnBrk="1"/>
+                      <a:r>
+                        <a:rPr lang="en-US" altLang="ko-KR"/>
+                        <a:t>4</a:t>
+                      </a:r>
+                      <a:r>
+                        <a:rPr lang="ko-KR" altLang="en-US"/>
+                        <a:t>개</a:t>
+                      </a:r>
+                    </a:p>
+                  </a:txBody>
+                  <a:tcPr anchor="ctr"/>
+                </a:tc>
+                <a:tc>
+                  <a:txBody>
+                    <a:bodyPr/>
+                    <a:lstStyle/>
+                    <a:p>
+                      <a:pPr algn="ctr"/>
+                      <a:r>
+                        <a:rPr lang="en-US" altLang="ko-KR"/>
+                        <a:t>783</a:t>
+                      </a:r>
+                      <a:endParaRPr lang="ko-KR" altLang="en-US"/>
+                    </a:p>
+                  </a:txBody>
+                  <a:tcPr anchor="ctr"/>
+                </a:tc>
+                <a:extLst>
+                  <a:ext uri="{0D108BD9-81ED-4DB2-BD59-A6C34878D82A}">
+                    <a16:rowId xmlns:a16="http://schemas.microsoft.com/office/drawing/2014/main" val="3770393000"/>
+                  </a:ext>
+                </a:extLst>
+              </a:tr>
+              <a:tr h="372742">
+                <a:tc vMerge="1">
+                  <a:txBody>
+                    <a:bodyPr/>
+                    <a:lstStyle/>
+                    <a:p>
+                      <a:pPr latinLnBrk="1"/>
+                      <a:endParaRPr lang="ko-KR" altLang="en-US"/>
+                    </a:p>
+                  </a:txBody>
+                  <a:tcPr/>
+                </a:tc>
+                <a:tc>
+                  <a:txBody>
+                    <a:bodyPr/>
+                    <a:lstStyle/>
+                    <a:p>
+                      <a:pPr algn="ctr" latinLnBrk="1"/>
+                      <a:r>
+                        <a:rPr lang="en-US" altLang="ko-KR"/>
+                        <a:t>8</a:t>
+                      </a:r>
+                      <a:r>
+                        <a:rPr lang="ko-KR" altLang="en-US"/>
+                        <a:t>개</a:t>
+                      </a:r>
+                    </a:p>
+                  </a:txBody>
+                  <a:tcPr anchor="ctr"/>
+                </a:tc>
+                <a:tc>
+                  <a:txBody>
+                    <a:bodyPr/>
+                    <a:lstStyle/>
+                    <a:p>
+                      <a:pPr algn="ctr"/>
+                      <a:r>
+                        <a:rPr lang="en-US" altLang="ko-KR"/>
+                        <a:t>851</a:t>
+                      </a:r>
+                      <a:endParaRPr lang="ko-KR" altLang="en-US"/>
+                    </a:p>
+                  </a:txBody>
+                  <a:tcPr anchor="ctr"/>
+                </a:tc>
+                <a:extLst>
+                  <a:ext uri="{0D108BD9-81ED-4DB2-BD59-A6C34878D82A}">
+                    <a16:rowId xmlns:a16="http://schemas.microsoft.com/office/drawing/2014/main" val="883999911"/>
+                  </a:ext>
+                </a:extLst>
+              </a:tr>
+              <a:tr h="372742">
+                <a:tc vMerge="1">
+                  <a:txBody>
+                    <a:bodyPr/>
+                    <a:lstStyle/>
+                    <a:p>
+                      <a:pPr latinLnBrk="1"/>
+                      <a:endParaRPr lang="ko-KR" altLang="en-US"/>
+                    </a:p>
+                  </a:txBody>
+                  <a:tcPr/>
+                </a:tc>
+                <a:tc>
+                  <a:txBody>
+                    <a:bodyPr/>
+                    <a:lstStyle/>
+                    <a:p>
+                      <a:pPr algn="ctr" latinLnBrk="1"/>
+                      <a:r>
+                        <a:rPr lang="en-US" altLang="ko-KR"/>
+                        <a:t>16</a:t>
+                      </a:r>
+                      <a:r>
+                        <a:rPr lang="ko-KR" altLang="en-US"/>
+                        <a:t>개</a:t>
+                      </a:r>
+                    </a:p>
+                  </a:txBody>
+                  <a:tcPr anchor="ctr"/>
+                </a:tc>
+                <a:tc>
+                  <a:txBody>
+                    <a:bodyPr/>
+                    <a:lstStyle/>
+                    <a:p>
+                      <a:pPr algn="ctr"/>
+                      <a:r>
+                        <a:rPr lang="en-US" altLang="ko-KR"/>
+                        <a:t>860</a:t>
+                      </a:r>
+                      <a:endParaRPr lang="ko-KR" altLang="en-US"/>
+                    </a:p>
+                  </a:txBody>
+                  <a:tcPr anchor="ctr"/>
+                </a:tc>
+                <a:extLst>
+                  <a:ext uri="{0D108BD9-81ED-4DB2-BD59-A6C34878D82A}">
+                    <a16:rowId xmlns:a16="http://schemas.microsoft.com/office/drawing/2014/main" val="4235058905"/>
+                  </a:ext>
+                </a:extLst>
+              </a:tr>
+              <a:tr h="372742">
+                <a:tc rowSpan="5">
+                  <a:txBody>
+                    <a:bodyPr/>
+                    <a:lstStyle/>
+                    <a:p>
+                      <a:pPr algn="ctr" latinLnBrk="1"/>
+                      <a:r>
+                        <a:rPr lang="en-US" altLang="ko-KR"/>
+                        <a:t>Lock-Free </a:t>
+                      </a:r>
+                    </a:p>
+                    <a:p>
+                      <a:pPr algn="ctr" latinLnBrk="1"/>
+                      <a:r>
+                        <a:rPr lang="ko-KR" altLang="en-US"/>
+                        <a:t>소거</a:t>
+                      </a:r>
+                    </a:p>
+                  </a:txBody>
+                  <a:tcPr anchor="ctr"/>
+                </a:tc>
+                <a:tc>
+                  <a:txBody>
+                    <a:bodyPr/>
+                    <a:lstStyle/>
+                    <a:p>
+                      <a:pPr algn="ctr" latinLnBrk="1"/>
+                      <a:r>
+                        <a:rPr lang="en-US" altLang="ko-KR"/>
+                        <a:t>1</a:t>
+                      </a:r>
+                      <a:r>
+                        <a:rPr lang="ko-KR" altLang="en-US"/>
+                        <a:t>개</a:t>
+                      </a:r>
+                      <a:endParaRPr lang="en-US" altLang="ko-KR"/>
+                    </a:p>
+                  </a:txBody>
+                  <a:tcPr anchor="ctr"/>
+                </a:tc>
+                <a:tc>
+                  <a:txBody>
+                    <a:bodyPr/>
+                    <a:lstStyle/>
+                    <a:p>
+                      <a:pPr algn="ctr" latinLnBrk="1"/>
+                      <a:r>
+                        <a:rPr lang="en-US" altLang="ko-KR"/>
+                        <a:t>457</a:t>
+                      </a:r>
+                      <a:endParaRPr lang="ko-KR" altLang="en-US"/>
+                    </a:p>
+                  </a:txBody>
+                  <a:tcPr anchor="ctr"/>
+                </a:tc>
+                <a:extLst>
+                  <a:ext uri="{0D108BD9-81ED-4DB2-BD59-A6C34878D82A}">
+                    <a16:rowId xmlns:a16="http://schemas.microsoft.com/office/drawing/2014/main" val="1956506710"/>
+                  </a:ext>
+                </a:extLst>
+              </a:tr>
+              <a:tr h="372742">
+                <a:tc vMerge="1">
+                  <a:txBody>
+                    <a:bodyPr/>
+                    <a:lstStyle/>
+                    <a:p>
+                      <a:pPr latinLnBrk="1"/>
+                      <a:endParaRPr lang="ko-KR" altLang="en-US"/>
+                    </a:p>
+                  </a:txBody>
+                  <a:tcPr/>
+                </a:tc>
+                <a:tc>
+                  <a:txBody>
+                    <a:bodyPr/>
+                    <a:lstStyle/>
+                    <a:p>
+                      <a:pPr algn="ctr" latinLnBrk="1"/>
+                      <a:r>
+                        <a:rPr lang="en-US" altLang="ko-KR"/>
+                        <a:t>2</a:t>
+                      </a:r>
+                      <a:r>
+                        <a:rPr lang="ko-KR" altLang="en-US"/>
+                        <a:t>개</a:t>
+                      </a:r>
+                    </a:p>
+                  </a:txBody>
+                  <a:tcPr anchor="ctr"/>
+                </a:tc>
+                <a:tc>
+                  <a:txBody>
+                    <a:bodyPr/>
+                    <a:lstStyle/>
+                    <a:p>
+                      <a:pPr algn="ctr" latinLnBrk="1"/>
+                      <a:r>
+                        <a:rPr lang="en-US" altLang="ko-KR"/>
+                        <a:t>597</a:t>
+                      </a:r>
+                      <a:endParaRPr lang="ko-KR" altLang="en-US"/>
+                    </a:p>
+                  </a:txBody>
+                  <a:tcPr anchor="ctr"/>
+                </a:tc>
+                <a:extLst>
+                  <a:ext uri="{0D108BD9-81ED-4DB2-BD59-A6C34878D82A}">
+                    <a16:rowId xmlns:a16="http://schemas.microsoft.com/office/drawing/2014/main" val="1069000350"/>
+                  </a:ext>
+                </a:extLst>
+              </a:tr>
+              <a:tr h="372742">
+                <a:tc vMerge="1">
+                  <a:txBody>
+                    <a:bodyPr/>
+                    <a:lstStyle/>
+                    <a:p>
+                      <a:pPr latinLnBrk="1"/>
+                      <a:endParaRPr lang="ko-KR" altLang="en-US"/>
+                    </a:p>
+                  </a:txBody>
+                  <a:tcPr/>
+                </a:tc>
+                <a:tc>
+                  <a:txBody>
+                    <a:bodyPr/>
+                    <a:lstStyle/>
+                    <a:p>
+                      <a:pPr algn="ctr" latinLnBrk="1"/>
+                      <a:r>
+                        <a:rPr lang="en-US" altLang="ko-KR"/>
+                        <a:t>4</a:t>
+                      </a:r>
+                      <a:r>
+                        <a:rPr lang="ko-KR" altLang="en-US"/>
+                        <a:t>개</a:t>
+                      </a:r>
+                    </a:p>
+                  </a:txBody>
+                  <a:tcPr anchor="ctr"/>
+                </a:tc>
+                <a:tc>
+                  <a:txBody>
+                    <a:bodyPr/>
+                    <a:lstStyle/>
+                    <a:p>
+                      <a:pPr algn="ctr" latinLnBrk="1"/>
+                      <a:r>
+                        <a:rPr lang="en-US" altLang="ko-KR"/>
+                        <a:t>868</a:t>
+                      </a:r>
+                      <a:endParaRPr lang="ko-KR" altLang="en-US"/>
+                    </a:p>
+                  </a:txBody>
+                  <a:tcPr anchor="ctr"/>
+                </a:tc>
+                <a:extLst>
+                  <a:ext uri="{0D108BD9-81ED-4DB2-BD59-A6C34878D82A}">
+                    <a16:rowId xmlns:a16="http://schemas.microsoft.com/office/drawing/2014/main" val="4149718984"/>
+                  </a:ext>
+                </a:extLst>
+              </a:tr>
+              <a:tr h="372742">
+                <a:tc vMerge="1">
+                  <a:txBody>
+                    <a:bodyPr/>
+                    <a:lstStyle/>
+                    <a:p>
+                      <a:pPr latinLnBrk="1"/>
+                      <a:endParaRPr lang="ko-KR" altLang="en-US"/>
+                    </a:p>
+                  </a:txBody>
+                  <a:tcPr/>
+                </a:tc>
+                <a:tc>
+                  <a:txBody>
+                    <a:bodyPr/>
+                    <a:lstStyle/>
+                    <a:p>
+                      <a:pPr algn="ctr" latinLnBrk="1"/>
+                      <a:r>
+                        <a:rPr lang="en-US" altLang="ko-KR"/>
+                        <a:t>8</a:t>
+                      </a:r>
+                      <a:r>
+                        <a:rPr lang="ko-KR" altLang="en-US"/>
+                        <a:t>개</a:t>
+                      </a:r>
+                    </a:p>
+                  </a:txBody>
+                  <a:tcPr anchor="ctr"/>
+                </a:tc>
+                <a:tc>
+                  <a:txBody>
+                    <a:bodyPr/>
+                    <a:lstStyle/>
+                    <a:p>
+                      <a:pPr algn="ctr" latinLnBrk="1"/>
+                      <a:r>
+                        <a:rPr lang="en-US" altLang="ko-KR"/>
+                        <a:t>960</a:t>
+                      </a:r>
+                      <a:endParaRPr lang="ko-KR" altLang="en-US"/>
+                    </a:p>
+                  </a:txBody>
+                  <a:tcPr anchor="ctr"/>
+                </a:tc>
+                <a:extLst>
+                  <a:ext uri="{0D108BD9-81ED-4DB2-BD59-A6C34878D82A}">
+                    <a16:rowId xmlns:a16="http://schemas.microsoft.com/office/drawing/2014/main" val="1562089562"/>
+                  </a:ext>
+                </a:extLst>
+              </a:tr>
+              <a:tr h="372742">
+                <a:tc vMerge="1">
+                  <a:txBody>
+                    <a:bodyPr/>
+                    <a:lstStyle/>
+                    <a:p>
+                      <a:pPr latinLnBrk="1"/>
+                      <a:endParaRPr lang="ko-KR" altLang="en-US"/>
+                    </a:p>
+                  </a:txBody>
+                  <a:tcPr/>
+                </a:tc>
+                <a:tc>
+                  <a:txBody>
+                    <a:bodyPr/>
+                    <a:lstStyle/>
+                    <a:p>
+                      <a:pPr algn="ctr" latinLnBrk="1"/>
+                      <a:r>
+                        <a:rPr lang="en-US" altLang="ko-KR"/>
+                        <a:t>16</a:t>
+                      </a:r>
+                      <a:r>
+                        <a:rPr lang="ko-KR" altLang="en-US"/>
+                        <a:t>개</a:t>
+                      </a:r>
+                    </a:p>
+                  </a:txBody>
+                  <a:tcPr anchor="ctr"/>
+                </a:tc>
+                <a:tc>
+                  <a:txBody>
+                    <a:bodyPr/>
+                    <a:lstStyle/>
+                    <a:p>
+                      <a:pPr algn="ctr" latinLnBrk="1"/>
+                      <a:r>
+                        <a:rPr lang="en-US" altLang="ko-KR"/>
+                        <a:t>997</a:t>
+                      </a:r>
+                      <a:endParaRPr lang="ko-KR" altLang="en-US"/>
+                    </a:p>
+                  </a:txBody>
+                  <a:tcPr anchor="ctr"/>
+                </a:tc>
+                <a:extLst>
+                  <a:ext uri="{0D108BD9-81ED-4DB2-BD59-A6C34878D82A}">
+                    <a16:rowId xmlns:a16="http://schemas.microsoft.com/office/drawing/2014/main" val="2087120435"/>
+                  </a:ext>
+                </a:extLst>
+              </a:tr>
+            </a:tbl>
+          </a:graphicData>
+        </a:graphic>
+      </p:graphicFrame>
+    </p:spTree>
+    <p:extLst>
+      <p:ext uri="{BB962C8B-B14F-4D97-AF65-F5344CB8AC3E}">
+        <p14:creationId xmlns:p14="http://schemas.microsoft.com/office/powerpoint/2010/main" val="1079287763"/>
+      </p:ext>
+    </p:extLst>
+  </p:cSld>
+  <p:clrMapOvr>
+    <a:masterClrMapping/>
+  </p:clrMapOvr>
+</p:sld>
+</file>
+
 <file path=ppt/theme/theme1.xml><?xml version="1.0" encoding="utf-8"?>
 <a:theme xmlns:a="http://schemas.openxmlformats.org/drawingml/2006/main" name="Office 테마">
   <a:themeElements>

--- a/표정리.pptx
+++ b/표정리.pptx
@@ -13,6 +13,8 @@
     <p:sldId id="261" r:id="rId7"/>
     <p:sldId id="262" r:id="rId8"/>
     <p:sldId id="263" r:id="rId9"/>
+    <p:sldId id="264" r:id="rId10"/>
+    <p:sldId id="265" r:id="rId11"/>
   </p:sldIdLst>
   <p:sldSz cx="12192000" cy="6858000"/>
   <p:notesSz cx="6858000" cy="9144000"/>
@@ -266,7 +268,7 @@
           <a:p>
             <a:fld id="{93EFE02C-6951-4A24-9F91-644F60701F4E}" type="datetimeFigureOut">
               <a:rPr lang="ko-KR" altLang="en-US" smtClean="0"/>
-              <a:t>2021-11-17</a:t>
+              <a:t>2021-11-23</a:t>
             </a:fld>
             <a:endParaRPr lang="ko-KR" altLang="en-US"/>
           </a:p>
@@ -464,7 +466,7 @@
           <a:p>
             <a:fld id="{93EFE02C-6951-4A24-9F91-644F60701F4E}" type="datetimeFigureOut">
               <a:rPr lang="ko-KR" altLang="en-US" smtClean="0"/>
-              <a:t>2021-11-17</a:t>
+              <a:t>2021-11-23</a:t>
             </a:fld>
             <a:endParaRPr lang="ko-KR" altLang="en-US"/>
           </a:p>
@@ -672,7 +674,7 @@
           <a:p>
             <a:fld id="{93EFE02C-6951-4A24-9F91-644F60701F4E}" type="datetimeFigureOut">
               <a:rPr lang="ko-KR" altLang="en-US" smtClean="0"/>
-              <a:t>2021-11-17</a:t>
+              <a:t>2021-11-23</a:t>
             </a:fld>
             <a:endParaRPr lang="ko-KR" altLang="en-US"/>
           </a:p>
@@ -870,7 +872,7 @@
           <a:p>
             <a:fld id="{93EFE02C-6951-4A24-9F91-644F60701F4E}" type="datetimeFigureOut">
               <a:rPr lang="ko-KR" altLang="en-US" smtClean="0"/>
-              <a:t>2021-11-17</a:t>
+              <a:t>2021-11-23</a:t>
             </a:fld>
             <a:endParaRPr lang="ko-KR" altLang="en-US"/>
           </a:p>
@@ -1145,7 +1147,7 @@
           <a:p>
             <a:fld id="{93EFE02C-6951-4A24-9F91-644F60701F4E}" type="datetimeFigureOut">
               <a:rPr lang="ko-KR" altLang="en-US" smtClean="0"/>
-              <a:t>2021-11-17</a:t>
+              <a:t>2021-11-23</a:t>
             </a:fld>
             <a:endParaRPr lang="ko-KR" altLang="en-US"/>
           </a:p>
@@ -1410,7 +1412,7 @@
           <a:p>
             <a:fld id="{93EFE02C-6951-4A24-9F91-644F60701F4E}" type="datetimeFigureOut">
               <a:rPr lang="ko-KR" altLang="en-US" smtClean="0"/>
-              <a:t>2021-11-17</a:t>
+              <a:t>2021-11-23</a:t>
             </a:fld>
             <a:endParaRPr lang="ko-KR" altLang="en-US"/>
           </a:p>
@@ -1822,7 +1824,7 @@
           <a:p>
             <a:fld id="{93EFE02C-6951-4A24-9F91-644F60701F4E}" type="datetimeFigureOut">
               <a:rPr lang="ko-KR" altLang="en-US" smtClean="0"/>
-              <a:t>2021-11-17</a:t>
+              <a:t>2021-11-23</a:t>
             </a:fld>
             <a:endParaRPr lang="ko-KR" altLang="en-US"/>
           </a:p>
@@ -1963,7 +1965,7 @@
           <a:p>
             <a:fld id="{93EFE02C-6951-4A24-9F91-644F60701F4E}" type="datetimeFigureOut">
               <a:rPr lang="ko-KR" altLang="en-US" smtClean="0"/>
-              <a:t>2021-11-17</a:t>
+              <a:t>2021-11-23</a:t>
             </a:fld>
             <a:endParaRPr lang="ko-KR" altLang="en-US"/>
           </a:p>
@@ -2076,7 +2078,7 @@
           <a:p>
             <a:fld id="{93EFE02C-6951-4A24-9F91-644F60701F4E}" type="datetimeFigureOut">
               <a:rPr lang="ko-KR" altLang="en-US" smtClean="0"/>
-              <a:t>2021-11-17</a:t>
+              <a:t>2021-11-23</a:t>
             </a:fld>
             <a:endParaRPr lang="ko-KR" altLang="en-US"/>
           </a:p>
@@ -2387,7 +2389,7 @@
           <a:p>
             <a:fld id="{93EFE02C-6951-4A24-9F91-644F60701F4E}" type="datetimeFigureOut">
               <a:rPr lang="ko-KR" altLang="en-US" smtClean="0"/>
-              <a:t>2021-11-17</a:t>
+              <a:t>2021-11-23</a:t>
             </a:fld>
             <a:endParaRPr lang="ko-KR" altLang="en-US"/>
           </a:p>
@@ -2675,7 +2677,7 @@
           <a:p>
             <a:fld id="{93EFE02C-6951-4A24-9F91-644F60701F4E}" type="datetimeFigureOut">
               <a:rPr lang="ko-KR" altLang="en-US" smtClean="0"/>
-              <a:t>2021-11-17</a:t>
+              <a:t>2021-11-23</a:t>
             </a:fld>
             <a:endParaRPr lang="ko-KR" altLang="en-US"/>
           </a:p>
@@ -2916,7 +2918,7 @@
           <a:p>
             <a:fld id="{93EFE02C-6951-4A24-9F91-644F60701F4E}" type="datetimeFigureOut">
               <a:rPr lang="ko-KR" altLang="en-US" smtClean="0"/>
-              <a:t>2021-11-17</a:t>
+              <a:t>2021-11-23</a:t>
             </a:fld>
             <a:endParaRPr lang="ko-KR" altLang="en-US"/>
           </a:p>
@@ -3735,6 +3737,840 @@
 </p:sld>
 </file>
 
+<file path=ppt/slides/slide10.xml><?xml version="1.0" encoding="utf-8"?>
+<p:sld xmlns:a="http://schemas.openxmlformats.org/drawingml/2006/main" xmlns:r="http://schemas.openxmlformats.org/officeDocument/2006/relationships" xmlns:p="http://schemas.openxmlformats.org/presentationml/2006/main">
+  <p:cSld>
+    <p:spTree>
+      <p:nvGrpSpPr>
+        <p:cNvPr id="1" name=""/>
+        <p:cNvGrpSpPr/>
+        <p:nvPr/>
+      </p:nvGrpSpPr>
+      <p:grpSpPr>
+        <a:xfrm>
+          <a:off x="0" y="0"/>
+          <a:ext cx="0" cy="0"/>
+          <a:chOff x="0" y="0"/>
+          <a:chExt cx="0" cy="0"/>
+        </a:xfrm>
+      </p:grpSpPr>
+      <p:sp>
+        <p:nvSpPr>
+          <p:cNvPr id="6" name="TextBox 5">
+            <a:extLst>
+              <a:ext uri="{FF2B5EF4-FFF2-40B4-BE49-F238E27FC236}">
+                <a16:creationId xmlns:a16="http://schemas.microsoft.com/office/drawing/2014/main" id="{0A7BDBCA-B22C-4194-8E7D-197C28900707}"/>
+              </a:ext>
+            </a:extLst>
+          </p:cNvPr>
+          <p:cNvSpPr txBox="1"/>
+          <p:nvPr/>
+        </p:nvSpPr>
+        <p:spPr>
+          <a:xfrm>
+            <a:off x="638629" y="4071256"/>
+            <a:ext cx="8127999" cy="369332"/>
+          </a:xfrm>
+          <a:prstGeom prst="rect">
+            <a:avLst/>
+          </a:prstGeom>
+          <a:noFill/>
+        </p:spPr>
+        <p:txBody>
+          <a:bodyPr wrap="square" rtlCol="0">
+            <a:spAutoFit/>
+          </a:bodyPr>
+          <a:lstStyle/>
+          <a:p>
+            <a:pPr algn="ctr"/>
+            <a:r>
+              <a:rPr lang="en-US" altLang="ko-KR"/>
+              <a:t>&lt;</a:t>
+            </a:r>
+            <a:r>
+              <a:rPr lang="ko-KR" altLang="en-US"/>
+              <a:t>빵집 알고리즘</a:t>
+            </a:r>
+            <a:r>
+              <a:rPr lang="en-US" altLang="ko-KR"/>
+              <a:t>&gt;</a:t>
+            </a:r>
+            <a:endParaRPr lang="ko-KR" altLang="en-US"/>
+          </a:p>
+        </p:txBody>
+      </p:sp>
+      <p:graphicFrame>
+        <p:nvGraphicFramePr>
+          <p:cNvPr id="2" name="표 2">
+            <a:extLst>
+              <a:ext uri="{FF2B5EF4-FFF2-40B4-BE49-F238E27FC236}">
+                <a16:creationId xmlns:a16="http://schemas.microsoft.com/office/drawing/2014/main" id="{2080671F-9281-426D-9D0D-5EE282A5DF46}"/>
+              </a:ext>
+            </a:extLst>
+          </p:cNvPr>
+          <p:cNvGraphicFramePr>
+            <a:graphicFrameLocks noGrp="1"/>
+          </p:cNvGraphicFramePr>
+          <p:nvPr/>
+        </p:nvGraphicFramePr>
+        <p:xfrm>
+          <a:off x="266670" y="286158"/>
+          <a:ext cx="8381384" cy="4903832"/>
+        </p:xfrm>
+        <a:graphic>
+          <a:graphicData uri="http://schemas.openxmlformats.org/drawingml/2006/table">
+            <a:tbl>
+              <a:tblPr firstRow="1" bandRow="1">
+                <a:tableStyleId>{F5AB1C69-6EDB-4FF4-983F-18BD219EF322}</a:tableStyleId>
+              </a:tblPr>
+              <a:tblGrid>
+                <a:gridCol w="3768819">
+                  <a:extLst>
+                    <a:ext uri="{9D8B030D-6E8A-4147-A177-3AD203B41FA5}">
+                      <a16:colId xmlns:a16="http://schemas.microsoft.com/office/drawing/2014/main" val="858713340"/>
+                    </a:ext>
+                  </a:extLst>
+                </a:gridCol>
+                <a:gridCol w="2396308">
+                  <a:extLst>
+                    <a:ext uri="{9D8B030D-6E8A-4147-A177-3AD203B41FA5}">
+                      <a16:colId xmlns:a16="http://schemas.microsoft.com/office/drawing/2014/main" val="3452561164"/>
+                    </a:ext>
+                  </a:extLst>
+                </a:gridCol>
+                <a:gridCol w="2216257">
+                  <a:extLst>
+                    <a:ext uri="{9D8B030D-6E8A-4147-A177-3AD203B41FA5}">
+                      <a16:colId xmlns:a16="http://schemas.microsoft.com/office/drawing/2014/main" val="3285258382"/>
+                    </a:ext>
+                  </a:extLst>
+                </a:gridCol>
+              </a:tblGrid>
+              <a:tr h="0">
+                <a:tc>
+                  <a:txBody>
+                    <a:bodyPr/>
+                    <a:lstStyle/>
+                    <a:p>
+                      <a:pPr latinLnBrk="1"/>
+                      <a:endParaRPr lang="ko-KR" altLang="en-US"/>
+                    </a:p>
+                  </a:txBody>
+                  <a:tcPr/>
+                </a:tc>
+                <a:tc>
+                  <a:txBody>
+                    <a:bodyPr/>
+                    <a:lstStyle/>
+                    <a:p>
+                      <a:pPr algn="ctr" latinLnBrk="1"/>
+                      <a:r>
+                        <a:rPr lang="ko-KR" altLang="en-US">
+                          <a:solidFill>
+                            <a:schemeClr val="tx1"/>
+                          </a:solidFill>
+                        </a:rPr>
+                        <a:t>쓰레드</a:t>
+                      </a:r>
+                    </a:p>
+                  </a:txBody>
+                  <a:tcPr anchor="ctr"/>
+                </a:tc>
+                <a:tc>
+                  <a:txBody>
+                    <a:bodyPr/>
+                    <a:lstStyle/>
+                    <a:p>
+                      <a:pPr algn="ctr" latinLnBrk="1"/>
+                      <a:r>
+                        <a:rPr lang="ko-KR" altLang="en-US">
+                          <a:solidFill>
+                            <a:schemeClr val="tx1"/>
+                          </a:solidFill>
+                        </a:rPr>
+                        <a:t>시간</a:t>
+                      </a:r>
+                      <a:r>
+                        <a:rPr lang="en-US" altLang="ko-KR">
+                          <a:solidFill>
+                            <a:schemeClr val="tx1"/>
+                          </a:solidFill>
+                        </a:rPr>
+                        <a:t>(ms)</a:t>
+                      </a:r>
+                      <a:endParaRPr lang="ko-KR" altLang="en-US">
+                        <a:solidFill>
+                          <a:schemeClr val="tx1"/>
+                        </a:solidFill>
+                      </a:endParaRPr>
+                    </a:p>
+                  </a:txBody>
+                  <a:tcPr anchor="ctr"/>
+                </a:tc>
+                <a:extLst>
+                  <a:ext uri="{0D108BD9-81ED-4DB2-BD59-A6C34878D82A}">
+                    <a16:rowId xmlns:a16="http://schemas.microsoft.com/office/drawing/2014/main" val="3542652350"/>
+                  </a:ext>
+                </a:extLst>
+              </a:tr>
+              <a:tr h="402998">
+                <a:tc rowSpan="4">
+                  <a:txBody>
+                    <a:bodyPr/>
+                    <a:lstStyle/>
+                    <a:p>
+                      <a:pPr algn="ctr" latinLnBrk="1"/>
+                      <a:r>
+                        <a:rPr lang="ko-KR" altLang="en-US"/>
+                        <a:t>성긴</a:t>
+                      </a:r>
+                      <a:endParaRPr lang="en-US" altLang="ko-KR"/>
+                    </a:p>
+                    <a:p>
+                      <a:pPr algn="ctr" latinLnBrk="1"/>
+                      <a:r>
+                        <a:rPr lang="ko-KR" altLang="en-US"/>
+                        <a:t> 동기화</a:t>
+                      </a:r>
+                    </a:p>
+                  </a:txBody>
+                  <a:tcPr anchor="ctr"/>
+                </a:tc>
+                <a:tc>
+                  <a:txBody>
+                    <a:bodyPr/>
+                    <a:lstStyle/>
+                    <a:p>
+                      <a:pPr algn="ctr" latinLnBrk="1"/>
+                      <a:r>
+                        <a:rPr lang="en-US" altLang="ko-KR"/>
+                        <a:t>1</a:t>
+                      </a:r>
+                      <a:r>
+                        <a:rPr lang="ko-KR" altLang="en-US"/>
+                        <a:t>개</a:t>
+                      </a:r>
+                      <a:endParaRPr lang="en-US" altLang="ko-KR"/>
+                    </a:p>
+                  </a:txBody>
+                  <a:tcPr anchor="ctr"/>
+                </a:tc>
+                <a:tc>
+                  <a:txBody>
+                    <a:bodyPr/>
+                    <a:lstStyle/>
+                    <a:p>
+                      <a:pPr algn="ctr" latinLnBrk="1"/>
+                      <a:r>
+                        <a:rPr lang="en-US" altLang="ko-KR"/>
+                        <a:t>715</a:t>
+                      </a:r>
+                      <a:endParaRPr lang="ko-KR" altLang="en-US"/>
+                    </a:p>
+                  </a:txBody>
+                  <a:tcPr anchor="ctr"/>
+                </a:tc>
+                <a:extLst>
+                  <a:ext uri="{0D108BD9-81ED-4DB2-BD59-A6C34878D82A}">
+                    <a16:rowId xmlns:a16="http://schemas.microsoft.com/office/drawing/2014/main" val="2220231314"/>
+                  </a:ext>
+                </a:extLst>
+              </a:tr>
+              <a:tr h="402998">
+                <a:tc vMerge="1">
+                  <a:txBody>
+                    <a:bodyPr/>
+                    <a:lstStyle/>
+                    <a:p>
+                      <a:pPr latinLnBrk="1"/>
+                      <a:endParaRPr lang="ko-KR" altLang="en-US"/>
+                    </a:p>
+                  </a:txBody>
+                  <a:tcPr/>
+                </a:tc>
+                <a:tc>
+                  <a:txBody>
+                    <a:bodyPr/>
+                    <a:lstStyle/>
+                    <a:p>
+                      <a:pPr algn="ctr" latinLnBrk="1"/>
+                      <a:r>
+                        <a:rPr lang="en-US" altLang="ko-KR"/>
+                        <a:t>2</a:t>
+                      </a:r>
+                      <a:r>
+                        <a:rPr lang="ko-KR" altLang="en-US"/>
+                        <a:t>개</a:t>
+                      </a:r>
+                    </a:p>
+                  </a:txBody>
+                  <a:tcPr anchor="ctr"/>
+                </a:tc>
+                <a:tc>
+                  <a:txBody>
+                    <a:bodyPr/>
+                    <a:lstStyle/>
+                    <a:p>
+                      <a:pPr algn="ctr" latinLnBrk="1"/>
+                      <a:r>
+                        <a:rPr lang="en-US" altLang="ko-KR"/>
+                        <a:t>1120</a:t>
+                      </a:r>
+                      <a:endParaRPr lang="ko-KR" altLang="en-US"/>
+                    </a:p>
+                  </a:txBody>
+                  <a:tcPr anchor="ctr"/>
+                </a:tc>
+                <a:extLst>
+                  <a:ext uri="{0D108BD9-81ED-4DB2-BD59-A6C34878D82A}">
+                    <a16:rowId xmlns:a16="http://schemas.microsoft.com/office/drawing/2014/main" val="484012607"/>
+                  </a:ext>
+                </a:extLst>
+              </a:tr>
+              <a:tr h="402998">
+                <a:tc vMerge="1">
+                  <a:txBody>
+                    <a:bodyPr/>
+                    <a:lstStyle/>
+                    <a:p>
+                      <a:pPr latinLnBrk="1"/>
+                      <a:endParaRPr lang="ko-KR" altLang="en-US"/>
+                    </a:p>
+                  </a:txBody>
+                  <a:tcPr/>
+                </a:tc>
+                <a:tc>
+                  <a:txBody>
+                    <a:bodyPr/>
+                    <a:lstStyle/>
+                    <a:p>
+                      <a:pPr algn="ctr" latinLnBrk="1"/>
+                      <a:r>
+                        <a:rPr lang="en-US" altLang="ko-KR"/>
+                        <a:t>4</a:t>
+                      </a:r>
+                      <a:r>
+                        <a:rPr lang="ko-KR" altLang="en-US"/>
+                        <a:t>개</a:t>
+                      </a:r>
+                    </a:p>
+                  </a:txBody>
+                  <a:tcPr anchor="ctr"/>
+                </a:tc>
+                <a:tc>
+                  <a:txBody>
+                    <a:bodyPr/>
+                    <a:lstStyle/>
+                    <a:p>
+                      <a:pPr algn="ctr" latinLnBrk="1"/>
+                      <a:r>
+                        <a:rPr lang="en-US" altLang="ko-KR"/>
+                        <a:t>1552</a:t>
+                      </a:r>
+                      <a:endParaRPr lang="ko-KR" altLang="en-US"/>
+                    </a:p>
+                  </a:txBody>
+                  <a:tcPr anchor="ctr"/>
+                </a:tc>
+                <a:extLst>
+                  <a:ext uri="{0D108BD9-81ED-4DB2-BD59-A6C34878D82A}">
+                    <a16:rowId xmlns:a16="http://schemas.microsoft.com/office/drawing/2014/main" val="114936681"/>
+                  </a:ext>
+                </a:extLst>
+              </a:tr>
+              <a:tr h="402998">
+                <a:tc vMerge="1">
+                  <a:txBody>
+                    <a:bodyPr/>
+                    <a:lstStyle/>
+                    <a:p>
+                      <a:pPr latinLnBrk="1"/>
+                      <a:endParaRPr lang="ko-KR" altLang="en-US"/>
+                    </a:p>
+                  </a:txBody>
+                  <a:tcPr/>
+                </a:tc>
+                <a:tc>
+                  <a:txBody>
+                    <a:bodyPr/>
+                    <a:lstStyle/>
+                    <a:p>
+                      <a:pPr algn="ctr" latinLnBrk="1"/>
+                      <a:r>
+                        <a:rPr lang="en-US" altLang="ko-KR"/>
+                        <a:t>8</a:t>
+                      </a:r>
+                      <a:r>
+                        <a:rPr lang="ko-KR" altLang="en-US"/>
+                        <a:t>개</a:t>
+                      </a:r>
+                    </a:p>
+                  </a:txBody>
+                  <a:tcPr anchor="ctr"/>
+                </a:tc>
+                <a:tc>
+                  <a:txBody>
+                    <a:bodyPr/>
+                    <a:lstStyle/>
+                    <a:p>
+                      <a:pPr algn="ctr" latinLnBrk="1"/>
+                      <a:r>
+                        <a:rPr lang="en-US" altLang="ko-KR"/>
+                        <a:t>1668</a:t>
+                      </a:r>
+                      <a:endParaRPr lang="ko-KR" altLang="en-US"/>
+                    </a:p>
+                  </a:txBody>
+                  <a:tcPr anchor="ctr"/>
+                </a:tc>
+                <a:extLst>
+                  <a:ext uri="{0D108BD9-81ED-4DB2-BD59-A6C34878D82A}">
+                    <a16:rowId xmlns:a16="http://schemas.microsoft.com/office/drawing/2014/main" val="272348954"/>
+                  </a:ext>
+                </a:extLst>
+              </a:tr>
+              <a:tr h="347793">
+                <a:tc rowSpan="4">
+                  <a:txBody>
+                    <a:bodyPr/>
+                    <a:lstStyle/>
+                    <a:p>
+                      <a:pPr algn="ctr"/>
+                      <a:r>
+                        <a:rPr lang="en-US" altLang="ko-KR"/>
+                        <a:t>Lock-Free</a:t>
+                      </a:r>
+                      <a:endParaRPr lang="ko-KR" altLang="en-US"/>
+                    </a:p>
+                  </a:txBody>
+                  <a:tcPr anchor="ctr"/>
+                </a:tc>
+                <a:tc>
+                  <a:txBody>
+                    <a:bodyPr/>
+                    <a:lstStyle/>
+                    <a:p>
+                      <a:pPr algn="ctr" latinLnBrk="1"/>
+                      <a:r>
+                        <a:rPr lang="en-US" altLang="ko-KR"/>
+                        <a:t>1</a:t>
+                      </a:r>
+                      <a:r>
+                        <a:rPr lang="ko-KR" altLang="en-US"/>
+                        <a:t>개</a:t>
+                      </a:r>
+                      <a:endParaRPr lang="en-US" altLang="ko-KR"/>
+                    </a:p>
+                  </a:txBody>
+                  <a:tcPr anchor="ctr"/>
+                </a:tc>
+                <a:tc>
+                  <a:txBody>
+                    <a:bodyPr/>
+                    <a:lstStyle/>
+                    <a:p>
+                      <a:pPr algn="ctr"/>
+                      <a:r>
+                        <a:rPr lang="en-US" altLang="ko-KR"/>
+                        <a:t>550</a:t>
+                      </a:r>
+                      <a:endParaRPr lang="ko-KR" altLang="en-US"/>
+                    </a:p>
+                  </a:txBody>
+                  <a:tcPr anchor="ctr"/>
+                </a:tc>
+                <a:extLst>
+                  <a:ext uri="{0D108BD9-81ED-4DB2-BD59-A6C34878D82A}">
+                    <a16:rowId xmlns:a16="http://schemas.microsoft.com/office/drawing/2014/main" val="1171725222"/>
+                  </a:ext>
+                </a:extLst>
+              </a:tr>
+              <a:tr h="347793">
+                <a:tc vMerge="1">
+                  <a:txBody>
+                    <a:bodyPr/>
+                    <a:lstStyle/>
+                    <a:p>
+                      <a:pPr latinLnBrk="1"/>
+                      <a:endParaRPr lang="ko-KR" altLang="en-US"/>
+                    </a:p>
+                  </a:txBody>
+                  <a:tcPr/>
+                </a:tc>
+                <a:tc>
+                  <a:txBody>
+                    <a:bodyPr/>
+                    <a:lstStyle/>
+                    <a:p>
+                      <a:pPr algn="ctr" latinLnBrk="1"/>
+                      <a:r>
+                        <a:rPr lang="en-US" altLang="ko-KR"/>
+                        <a:t>2</a:t>
+                      </a:r>
+                      <a:r>
+                        <a:rPr lang="ko-KR" altLang="en-US"/>
+                        <a:t>개</a:t>
+                      </a:r>
+                    </a:p>
+                  </a:txBody>
+                  <a:tcPr anchor="ctr"/>
+                </a:tc>
+                <a:tc>
+                  <a:txBody>
+                    <a:bodyPr/>
+                    <a:lstStyle/>
+                    <a:p>
+                      <a:pPr algn="ctr"/>
+                      <a:r>
+                        <a:rPr lang="en-US" altLang="ko-KR"/>
+                        <a:t>779</a:t>
+                      </a:r>
+                      <a:endParaRPr lang="ko-KR" altLang="en-US"/>
+                    </a:p>
+                  </a:txBody>
+                  <a:tcPr anchor="ctr"/>
+                </a:tc>
+                <a:extLst>
+                  <a:ext uri="{0D108BD9-81ED-4DB2-BD59-A6C34878D82A}">
+                    <a16:rowId xmlns:a16="http://schemas.microsoft.com/office/drawing/2014/main" val="3198805274"/>
+                  </a:ext>
+                </a:extLst>
+              </a:tr>
+              <a:tr h="347793">
+                <a:tc vMerge="1">
+                  <a:txBody>
+                    <a:bodyPr/>
+                    <a:lstStyle/>
+                    <a:p>
+                      <a:pPr latinLnBrk="1"/>
+                      <a:endParaRPr lang="ko-KR" altLang="en-US"/>
+                    </a:p>
+                  </a:txBody>
+                  <a:tcPr/>
+                </a:tc>
+                <a:tc>
+                  <a:txBody>
+                    <a:bodyPr/>
+                    <a:lstStyle/>
+                    <a:p>
+                      <a:pPr algn="ctr" latinLnBrk="1"/>
+                      <a:r>
+                        <a:rPr lang="en-US" altLang="ko-KR"/>
+                        <a:t>4</a:t>
+                      </a:r>
+                      <a:r>
+                        <a:rPr lang="ko-KR" altLang="en-US"/>
+                        <a:t>개</a:t>
+                      </a:r>
+                    </a:p>
+                  </a:txBody>
+                  <a:tcPr anchor="ctr"/>
+                </a:tc>
+                <a:tc>
+                  <a:txBody>
+                    <a:bodyPr/>
+                    <a:lstStyle/>
+                    <a:p>
+                      <a:pPr algn="ctr"/>
+                      <a:r>
+                        <a:rPr lang="en-US" altLang="ko-KR"/>
+                        <a:t>724</a:t>
+                      </a:r>
+                      <a:endParaRPr lang="ko-KR" altLang="en-US"/>
+                    </a:p>
+                  </a:txBody>
+                  <a:tcPr anchor="ctr"/>
+                </a:tc>
+                <a:extLst>
+                  <a:ext uri="{0D108BD9-81ED-4DB2-BD59-A6C34878D82A}">
+                    <a16:rowId xmlns:a16="http://schemas.microsoft.com/office/drawing/2014/main" val="3770393000"/>
+                  </a:ext>
+                </a:extLst>
+              </a:tr>
+              <a:tr h="347793">
+                <a:tc vMerge="1">
+                  <a:txBody>
+                    <a:bodyPr/>
+                    <a:lstStyle/>
+                    <a:p>
+                      <a:pPr latinLnBrk="1"/>
+                      <a:endParaRPr lang="ko-KR" altLang="en-US"/>
+                    </a:p>
+                  </a:txBody>
+                  <a:tcPr/>
+                </a:tc>
+                <a:tc>
+                  <a:txBody>
+                    <a:bodyPr/>
+                    <a:lstStyle/>
+                    <a:p>
+                      <a:pPr algn="ctr" latinLnBrk="1"/>
+                      <a:r>
+                        <a:rPr lang="en-US" altLang="ko-KR"/>
+                        <a:t>8</a:t>
+                      </a:r>
+                      <a:r>
+                        <a:rPr lang="ko-KR" altLang="en-US"/>
+                        <a:t>개</a:t>
+                      </a:r>
+                    </a:p>
+                  </a:txBody>
+                  <a:tcPr anchor="ctr"/>
+                </a:tc>
+                <a:tc>
+                  <a:txBody>
+                    <a:bodyPr/>
+                    <a:lstStyle/>
+                    <a:p>
+                      <a:pPr algn="ctr"/>
+                      <a:r>
+                        <a:rPr lang="en-US" altLang="ko-KR"/>
+                        <a:t>858</a:t>
+                      </a:r>
+                      <a:endParaRPr lang="ko-KR" altLang="en-US"/>
+                    </a:p>
+                  </a:txBody>
+                  <a:tcPr anchor="ctr"/>
+                </a:tc>
+                <a:extLst>
+                  <a:ext uri="{0D108BD9-81ED-4DB2-BD59-A6C34878D82A}">
+                    <a16:rowId xmlns:a16="http://schemas.microsoft.com/office/drawing/2014/main" val="883999911"/>
+                  </a:ext>
+                </a:extLst>
+              </a:tr>
+              <a:tr h="347793">
+                <a:tc rowSpan="4">
+                  <a:txBody>
+                    <a:bodyPr/>
+                    <a:lstStyle/>
+                    <a:p>
+                      <a:pPr algn="ctr" latinLnBrk="1"/>
+                      <a:r>
+                        <a:rPr lang="en-US" altLang="ko-KR"/>
+                        <a:t>Lock-Free </a:t>
+                      </a:r>
+                    </a:p>
+                    <a:p>
+                      <a:pPr algn="ctr" latinLnBrk="1"/>
+                      <a:r>
+                        <a:rPr lang="en-US" altLang="ko-KR"/>
+                        <a:t>STAMPED</a:t>
+                      </a:r>
+                      <a:endParaRPr lang="ko-KR" altLang="en-US"/>
+                    </a:p>
+                  </a:txBody>
+                  <a:tcPr anchor="ctr"/>
+                </a:tc>
+                <a:tc>
+                  <a:txBody>
+                    <a:bodyPr/>
+                    <a:lstStyle/>
+                    <a:p>
+                      <a:pPr algn="ctr" latinLnBrk="1"/>
+                      <a:r>
+                        <a:rPr lang="en-US" altLang="ko-KR"/>
+                        <a:t>1</a:t>
+                      </a:r>
+                      <a:r>
+                        <a:rPr lang="ko-KR" altLang="en-US"/>
+                        <a:t>개</a:t>
+                      </a:r>
+                      <a:endParaRPr lang="en-US" altLang="ko-KR"/>
+                    </a:p>
+                  </a:txBody>
+                  <a:tcPr anchor="ctr"/>
+                </a:tc>
+                <a:tc>
+                  <a:txBody>
+                    <a:bodyPr/>
+                    <a:lstStyle/>
+                    <a:p>
+                      <a:pPr algn="ctr" latinLnBrk="1"/>
+                      <a:r>
+                        <a:rPr lang="en-US" altLang="ko-KR"/>
+                        <a:t>580</a:t>
+                      </a:r>
+                      <a:endParaRPr lang="ko-KR" altLang="en-US"/>
+                    </a:p>
+                  </a:txBody>
+                  <a:tcPr anchor="ctr"/>
+                </a:tc>
+                <a:extLst>
+                  <a:ext uri="{0D108BD9-81ED-4DB2-BD59-A6C34878D82A}">
+                    <a16:rowId xmlns:a16="http://schemas.microsoft.com/office/drawing/2014/main" val="1956506710"/>
+                  </a:ext>
+                </a:extLst>
+              </a:tr>
+              <a:tr h="347793">
+                <a:tc vMerge="1">
+                  <a:txBody>
+                    <a:bodyPr/>
+                    <a:lstStyle/>
+                    <a:p>
+                      <a:pPr latinLnBrk="1"/>
+                      <a:endParaRPr lang="ko-KR" altLang="en-US"/>
+                    </a:p>
+                  </a:txBody>
+                  <a:tcPr/>
+                </a:tc>
+                <a:tc>
+                  <a:txBody>
+                    <a:bodyPr/>
+                    <a:lstStyle/>
+                    <a:p>
+                      <a:pPr algn="ctr" latinLnBrk="1"/>
+                      <a:r>
+                        <a:rPr lang="en-US" altLang="ko-KR"/>
+                        <a:t>2</a:t>
+                      </a:r>
+                      <a:r>
+                        <a:rPr lang="ko-KR" altLang="en-US"/>
+                        <a:t>개</a:t>
+                      </a:r>
+                    </a:p>
+                  </a:txBody>
+                  <a:tcPr anchor="ctr"/>
+                </a:tc>
+                <a:tc>
+                  <a:txBody>
+                    <a:bodyPr/>
+                    <a:lstStyle/>
+                    <a:p>
+                      <a:pPr algn="ctr" latinLnBrk="1"/>
+                      <a:r>
+                        <a:rPr lang="en-US" altLang="ko-KR"/>
+                        <a:t>800</a:t>
+                      </a:r>
+                      <a:endParaRPr lang="ko-KR" altLang="en-US"/>
+                    </a:p>
+                  </a:txBody>
+                  <a:tcPr anchor="ctr"/>
+                </a:tc>
+                <a:extLst>
+                  <a:ext uri="{0D108BD9-81ED-4DB2-BD59-A6C34878D82A}">
+                    <a16:rowId xmlns:a16="http://schemas.microsoft.com/office/drawing/2014/main" val="1069000350"/>
+                  </a:ext>
+                </a:extLst>
+              </a:tr>
+              <a:tr h="347793">
+                <a:tc vMerge="1">
+                  <a:txBody>
+                    <a:bodyPr/>
+                    <a:lstStyle/>
+                    <a:p>
+                      <a:pPr latinLnBrk="1"/>
+                      <a:endParaRPr lang="ko-KR" altLang="en-US"/>
+                    </a:p>
+                  </a:txBody>
+                  <a:tcPr/>
+                </a:tc>
+                <a:tc>
+                  <a:txBody>
+                    <a:bodyPr/>
+                    <a:lstStyle/>
+                    <a:p>
+                      <a:pPr algn="ctr" latinLnBrk="1"/>
+                      <a:r>
+                        <a:rPr lang="en-US" altLang="ko-KR"/>
+                        <a:t>4</a:t>
+                      </a:r>
+                      <a:r>
+                        <a:rPr lang="ko-KR" altLang="en-US"/>
+                        <a:t>개</a:t>
+                      </a:r>
+                    </a:p>
+                  </a:txBody>
+                  <a:tcPr anchor="ctr"/>
+                </a:tc>
+                <a:tc>
+                  <a:txBody>
+                    <a:bodyPr/>
+                    <a:lstStyle/>
+                    <a:p>
+                      <a:pPr algn="ctr" latinLnBrk="1"/>
+                      <a:r>
+                        <a:rPr lang="en-US" altLang="ko-KR"/>
+                        <a:t>786</a:t>
+                      </a:r>
+                      <a:endParaRPr lang="ko-KR" altLang="en-US"/>
+                    </a:p>
+                  </a:txBody>
+                  <a:tcPr anchor="ctr"/>
+                </a:tc>
+                <a:extLst>
+                  <a:ext uri="{0D108BD9-81ED-4DB2-BD59-A6C34878D82A}">
+                    <a16:rowId xmlns:a16="http://schemas.microsoft.com/office/drawing/2014/main" val="4149718984"/>
+                  </a:ext>
+                </a:extLst>
+              </a:tr>
+              <a:tr h="347793">
+                <a:tc vMerge="1">
+                  <a:txBody>
+                    <a:bodyPr/>
+                    <a:lstStyle/>
+                    <a:p>
+                      <a:pPr latinLnBrk="1"/>
+                      <a:endParaRPr lang="ko-KR" altLang="en-US"/>
+                    </a:p>
+                  </a:txBody>
+                  <a:tcPr/>
+                </a:tc>
+                <a:tc>
+                  <a:txBody>
+                    <a:bodyPr/>
+                    <a:lstStyle/>
+                    <a:p>
+                      <a:pPr algn="ctr" latinLnBrk="1"/>
+                      <a:r>
+                        <a:rPr lang="en-US" altLang="ko-KR"/>
+                        <a:t>8</a:t>
+                      </a:r>
+                      <a:r>
+                        <a:rPr lang="ko-KR" altLang="en-US"/>
+                        <a:t>개</a:t>
+                      </a:r>
+                    </a:p>
+                  </a:txBody>
+                  <a:tcPr anchor="ctr"/>
+                </a:tc>
+                <a:tc>
+                  <a:txBody>
+                    <a:bodyPr/>
+                    <a:lstStyle/>
+                    <a:p>
+                      <a:pPr algn="ctr" latinLnBrk="1"/>
+                      <a:r>
+                        <a:rPr lang="en-US" altLang="ko-KR"/>
+                        <a:t>923</a:t>
+                      </a:r>
+                      <a:endParaRPr lang="ko-KR" altLang="en-US"/>
+                    </a:p>
+                  </a:txBody>
+                  <a:tcPr anchor="ctr"/>
+                </a:tc>
+                <a:extLst>
+                  <a:ext uri="{0D108BD9-81ED-4DB2-BD59-A6C34878D82A}">
+                    <a16:rowId xmlns:a16="http://schemas.microsoft.com/office/drawing/2014/main" val="1562089562"/>
+                  </a:ext>
+                </a:extLst>
+              </a:tr>
+            </a:tbl>
+          </a:graphicData>
+        </a:graphic>
+      </p:graphicFrame>
+    </p:spTree>
+    <p:extLst>
+      <p:ext uri="{BB962C8B-B14F-4D97-AF65-F5344CB8AC3E}">
+        <p14:creationId xmlns:p14="http://schemas.microsoft.com/office/powerpoint/2010/main" val="3385287452"/>
+      </p:ext>
+    </p:extLst>
+  </p:cSld>
+  <p:clrMapOvr>
+    <a:masterClrMapping/>
+  </p:clrMapOvr>
+</p:sld>
+</file>
+
 <file path=ppt/slides/slide2.xml><?xml version="1.0" encoding="utf-8"?>
 <p:sld xmlns:a="http://schemas.openxmlformats.org/drawingml/2006/main" xmlns:r="http://schemas.openxmlformats.org/officeDocument/2006/relationships" xmlns:p="http://schemas.openxmlformats.org/presentationml/2006/main">
   <p:cSld>
@@ -8347,14 +9183,14 @@
           <p:nvPr>
             <p:extLst>
               <p:ext uri="{D42A27DB-BD31-4B8C-83A1-F6EECF244321}">
-                <p14:modId xmlns:p14="http://schemas.microsoft.com/office/powerpoint/2010/main" val="2229430089"/>
+                <p14:modId xmlns:p14="http://schemas.microsoft.com/office/powerpoint/2010/main" val="2849142187"/>
               </p:ext>
             </p:extLst>
           </p:nvPr>
         </p:nvGraphicFramePr>
         <p:xfrm>
-          <a:off x="266669" y="286158"/>
-          <a:ext cx="7312002" cy="5963872"/>
+          <a:off x="297665" y="0"/>
+          <a:ext cx="7312002" cy="7757762"/>
         </p:xfrm>
         <a:graphic>
           <a:graphicData uri="http://schemas.openxmlformats.org/drawingml/2006/table">
@@ -8458,12 +9294,15 @@
                     <a:bodyPr/>
                     <a:lstStyle/>
                     <a:p>
-                      <a:pPr algn="ctr" latinLnBrk="1"/>
-                      <a:r>
-                        <a:rPr lang="en-US" altLang="ko-KR"/>
-                        <a:t>Lock</a:t>
-                      </a:r>
-                      <a:endParaRPr lang="ko-KR" altLang="en-US"/>
+                      <a:pPr algn="ctr"/>
+                      <a:r>
+                        <a:rPr lang="en-US" altLang="ko-KR"/>
+                        <a:t>Lock Free </a:t>
+                      </a:r>
+                      <a:r>
+                        <a:rPr lang="ko-KR" altLang="en-US"/>
+                        <a:t>일반</a:t>
+                      </a:r>
                     </a:p>
                   </a:txBody>
                   <a:tcPr anchor="ctr"/>
@@ -8495,7 +9334,7 @@
                       <a:pPr algn="ctr" latinLnBrk="1"/>
                       <a:r>
                         <a:rPr lang="en-US" altLang="ko-KR"/>
-                        <a:t>655</a:t>
+                        <a:t>540</a:t>
                       </a:r>
                       <a:endParaRPr lang="ko-KR" altLang="en-US"/>
                     </a:p>
@@ -8546,7 +9385,7 @@
                       <a:pPr algn="ctr" latinLnBrk="1"/>
                       <a:r>
                         <a:rPr lang="en-US" altLang="ko-KR"/>
-                        <a:t>1129</a:t>
+                        <a:t>793</a:t>
                       </a:r>
                       <a:endParaRPr lang="ko-KR" altLang="en-US"/>
                     </a:p>
@@ -8597,7 +9436,7 @@
                       <a:pPr algn="ctr" latinLnBrk="1"/>
                       <a:r>
                         <a:rPr lang="en-US" altLang="ko-KR"/>
-                        <a:t>1569</a:t>
+                        <a:t>745</a:t>
                       </a:r>
                       <a:endParaRPr lang="ko-KR" altLang="en-US"/>
                     </a:p>
@@ -8648,7 +9487,7 @@
                       <a:pPr algn="ctr" latinLnBrk="1"/>
                       <a:r>
                         <a:rPr lang="en-US" altLang="ko-KR"/>
-                        <a:t>1667</a:t>
+                        <a:t>887</a:t>
                       </a:r>
                       <a:endParaRPr lang="ko-KR" altLang="en-US"/>
                     </a:p>
@@ -8699,7 +9538,7 @@
                       <a:pPr algn="ctr" latinLnBrk="1"/>
                       <a:r>
                         <a:rPr lang="en-US" altLang="ko-KR"/>
-                        <a:t>1680</a:t>
+                        <a:t>922</a:t>
                       </a:r>
                       <a:endParaRPr lang="ko-KR" altLang="en-US"/>
                     </a:p>
@@ -8718,10 +9557,30 @@
                     <a:bodyPr/>
                     <a:lstStyle/>
                     <a:p>
-                      <a:pPr algn="ctr"/>
-                      <a:r>
-                        <a:rPr lang="en-US" altLang="ko-KR"/>
-                        <a:t>Lock-Free</a:t>
+                      <a:pPr marL="0" marR="0" lvl="0" indent="0" algn="ctr" defTabSz="914400" rtl="0" eaLnBrk="1" fontAlgn="auto" latinLnBrk="1" hangingPunct="1">
+                        <a:lnSpc>
+                          <a:spcPct val="100000"/>
+                        </a:lnSpc>
+                        <a:spcBef>
+                          <a:spcPts val="0"/>
+                        </a:spcBef>
+                        <a:spcAft>
+                          <a:spcPts val="0"/>
+                        </a:spcAft>
+                        <a:buClrTx/>
+                        <a:buSzTx/>
+                        <a:buFontTx/>
+                        <a:buNone/>
+                        <a:tabLst/>
+                        <a:defRPr/>
+                      </a:pPr>
+                      <a:r>
+                        <a:rPr lang="ko-KR" altLang="en-US"/>
+                        <a:t>순차 </a:t>
+                      </a:r>
+                      <a:r>
+                        <a:rPr lang="en-US" altLang="ko-KR"/>
+                        <a:t>Skip List</a:t>
                       </a:r>
                       <a:endParaRPr lang="ko-KR" altLang="en-US"/>
                     </a:p>
@@ -8752,10 +9611,10 @@
                     <a:bodyPr/>
                     <a:lstStyle/>
                     <a:p>
-                      <a:pPr algn="ctr"/>
-                      <a:r>
-                        <a:rPr lang="en-US" altLang="ko-KR"/>
-                        <a:t>462</a:t>
+                      <a:pPr algn="ctr" latinLnBrk="1"/>
+                      <a:r>
+                        <a:rPr lang="en-US" altLang="ko-KR"/>
+                        <a:t>738</a:t>
                       </a:r>
                       <a:endParaRPr lang="ko-KR" altLang="en-US"/>
                     </a:p>
@@ -8803,10 +9662,10 @@
                     <a:bodyPr/>
                     <a:lstStyle/>
                     <a:p>
-                      <a:pPr algn="ctr"/>
-                      <a:r>
-                        <a:rPr lang="en-US" altLang="ko-KR"/>
-                        <a:t>525</a:t>
+                      <a:pPr algn="ctr" latinLnBrk="1"/>
+                      <a:r>
+                        <a:rPr lang="en-US" altLang="ko-KR"/>
+                        <a:t>793</a:t>
                       </a:r>
                       <a:endParaRPr lang="ko-KR" altLang="en-US"/>
                     </a:p>
@@ -8854,10 +9713,10 @@
                     <a:bodyPr/>
                     <a:lstStyle/>
                     <a:p>
-                      <a:pPr algn="ctr"/>
-                      <a:r>
-                        <a:rPr lang="en-US" altLang="ko-KR"/>
-                        <a:t>783</a:t>
+                      <a:pPr algn="ctr" latinLnBrk="1"/>
+                      <a:r>
+                        <a:rPr lang="en-US" altLang="ko-KR"/>
+                        <a:t>971</a:t>
                       </a:r>
                       <a:endParaRPr lang="ko-KR" altLang="en-US"/>
                     </a:p>
@@ -8905,10 +9764,10 @@
                     <a:bodyPr/>
                     <a:lstStyle/>
                     <a:p>
-                      <a:pPr algn="ctr"/>
-                      <a:r>
-                        <a:rPr lang="en-US" altLang="ko-KR"/>
-                        <a:t>851</a:t>
+                      <a:pPr algn="ctr" latinLnBrk="1"/>
+                      <a:r>
+                        <a:rPr lang="en-US" altLang="ko-KR"/>
+                        <a:t>1051</a:t>
                       </a:r>
                       <a:endParaRPr lang="ko-KR" altLang="en-US"/>
                     </a:p>
@@ -8956,10 +9815,10 @@
                     <a:bodyPr/>
                     <a:lstStyle/>
                     <a:p>
-                      <a:pPr algn="ctr"/>
-                      <a:r>
-                        <a:rPr lang="en-US" altLang="ko-KR"/>
-                        <a:t>860</a:t>
+                      <a:pPr algn="ctr" latinLnBrk="1"/>
+                      <a:r>
+                        <a:rPr lang="en-US" altLang="ko-KR"/>
+                        <a:t>1071</a:t>
                       </a:r>
                       <a:endParaRPr lang="ko-KR" altLang="en-US"/>
                     </a:p>
@@ -8972,24 +9831,38 @@
                   </a:ext>
                 </a:extLst>
               </a:tr>
-              <a:tr h="372742">
+              <a:tr h="186371">
                 <a:tc rowSpan="5">
                   <a:txBody>
                     <a:bodyPr/>
                     <a:lstStyle/>
                     <a:p>
-                      <a:pPr algn="ctr" latinLnBrk="1"/>
-                      <a:r>
-                        <a:rPr lang="en-US" altLang="ko-KR"/>
-                        <a:t>Lock-Free </a:t>
-                      </a:r>
-                    </a:p>
-                    <a:p>
-                      <a:pPr algn="ctr" latinLnBrk="1"/>
+                      <a:pPr marL="0" marR="0" lvl="0" indent="0" algn="ctr" defTabSz="914400" rtl="0" eaLnBrk="1" fontAlgn="auto" latinLnBrk="1" hangingPunct="1">
+                        <a:lnSpc>
+                          <a:spcPct val="100000"/>
+                        </a:lnSpc>
+                        <a:spcBef>
+                          <a:spcPts val="0"/>
+                        </a:spcBef>
+                        <a:spcAft>
+                          <a:spcPts val="0"/>
+                        </a:spcAft>
+                        <a:buClrTx/>
+                        <a:buSzTx/>
+                        <a:buFontTx/>
+                        <a:buNone/>
+                        <a:tabLst/>
+                        <a:defRPr/>
+                      </a:pPr>
                       <a:r>
                         <a:rPr lang="ko-KR" altLang="en-US"/>
-                        <a:t>소거</a:t>
-                      </a:r>
+                        <a:t>게으른 </a:t>
+                      </a:r>
+                      <a:r>
+                        <a:rPr lang="en-US" altLang="ko-KR"/>
+                        <a:t>Skip List</a:t>
+                      </a:r>
+                      <a:endParaRPr lang="ko-KR" altLang="en-US"/>
                     </a:p>
                   </a:txBody>
                   <a:tcPr anchor="ctr"/>
@@ -9021,7 +9894,7 @@
                       <a:pPr algn="ctr" latinLnBrk="1"/>
                       <a:r>
                         <a:rPr lang="en-US" altLang="ko-KR"/>
-                        <a:t>457</a:t>
+                        <a:t>764</a:t>
                       </a:r>
                       <a:endParaRPr lang="ko-KR" altLang="en-US"/>
                     </a:p>
@@ -9034,7 +9907,7 @@
                   </a:ext>
                 </a:extLst>
               </a:tr>
-              <a:tr h="372742">
+              <a:tr h="186371">
                 <a:tc vMerge="1">
                   <a:txBody>
                     <a:bodyPr/>
@@ -9072,7 +9945,58 @@
                       <a:pPr algn="ctr" latinLnBrk="1"/>
                       <a:r>
                         <a:rPr lang="en-US" altLang="ko-KR"/>
-                        <a:t>597</a:t>
+                        <a:t>452</a:t>
+                      </a:r>
+                      <a:endParaRPr lang="ko-KR" altLang="en-US"/>
+                    </a:p>
+                  </a:txBody>
+                  <a:tcPr anchor="ctr"/>
+                </a:tc>
+                <a:extLst>
+                  <a:ext uri="{0D108BD9-81ED-4DB2-BD59-A6C34878D82A}">
+                    <a16:rowId xmlns:a16="http://schemas.microsoft.com/office/drawing/2014/main" val="642662940"/>
+                  </a:ext>
+                </a:extLst>
+              </a:tr>
+              <a:tr h="186371">
+                <a:tc vMerge="1">
+                  <a:txBody>
+                    <a:bodyPr/>
+                    <a:lstStyle/>
+                    <a:p>
+                      <a:pPr latinLnBrk="1"/>
+                      <a:endParaRPr lang="ko-KR" altLang="en-US"/>
+                    </a:p>
+                  </a:txBody>
+                  <a:tcPr/>
+                </a:tc>
+                <a:tc>
+                  <a:txBody>
+                    <a:bodyPr/>
+                    <a:lstStyle/>
+                    <a:p>
+                      <a:pPr algn="ctr" latinLnBrk="1"/>
+                      <a:r>
+                        <a:rPr lang="en-US" altLang="ko-KR"/>
+                        <a:t>4</a:t>
+                      </a:r>
+                      <a:r>
+                        <a:rPr lang="ko-KR" altLang="en-US"/>
+                        <a:t>개</a:t>
+                      </a:r>
+                    </a:p>
+                  </a:txBody>
+                  <a:tcPr anchor="ctr"/>
+                </a:tc>
+                <a:tc>
+                  <a:txBody>
+                    <a:bodyPr/>
+                    <a:lstStyle/>
+                    <a:p>
+                      <a:pPr algn="ctr" latinLnBrk="1"/>
+                      <a:r>
+                        <a:rPr lang="en-US" altLang="ko-KR"/>
+                        <a:t>246</a:t>
                       </a:r>
                       <a:endParaRPr lang="ko-KR" altLang="en-US"/>
                     </a:p>
@@ -9085,7 +10009,7 @@
                   </a:ext>
                 </a:extLst>
               </a:tr>
-              <a:tr h="372742">
+              <a:tr h="186371">
                 <a:tc vMerge="1">
                   <a:txBody>
                     <a:bodyPr/>
@@ -9105,7 +10029,7 @@
                       <a:pPr algn="ctr" latinLnBrk="1"/>
                       <a:r>
                         <a:rPr lang="en-US" altLang="ko-KR"/>
-                        <a:t>4</a:t>
+                        <a:t>8</a:t>
                       </a:r>
                       <a:r>
                         <a:rPr lang="ko-KR" altLang="en-US"/>
@@ -9123,7 +10047,74 @@
                       <a:pPr algn="ctr" latinLnBrk="1"/>
                       <a:r>
                         <a:rPr lang="en-US" altLang="ko-KR"/>
-                        <a:t>868</a:t>
+                        <a:t>398</a:t>
+                      </a:r>
+                      <a:endParaRPr lang="ko-KR" altLang="en-US"/>
+                    </a:p>
+                  </a:txBody>
+                  <a:tcPr anchor="ctr"/>
+                </a:tc>
+                <a:extLst>
+                  <a:ext uri="{0D108BD9-81ED-4DB2-BD59-A6C34878D82A}">
+                    <a16:rowId xmlns:a16="http://schemas.microsoft.com/office/drawing/2014/main" val="26929607"/>
+                  </a:ext>
+                </a:extLst>
+              </a:tr>
+              <a:tr h="186371">
+                <a:tc vMerge="1">
+                  <a:txBody>
+                    <a:bodyPr/>
+                    <a:lstStyle/>
+                    <a:p>
+                      <a:pPr latinLnBrk="1"/>
+                      <a:endParaRPr lang="ko-KR" altLang="en-US"/>
+                    </a:p>
+                  </a:txBody>
+                  <a:tcPr/>
+                </a:tc>
+                <a:tc>
+                  <a:txBody>
+                    <a:bodyPr/>
+                    <a:lstStyle/>
+                    <a:p>
+                      <a:pPr marL="0" marR="0" lvl="0" indent="0" algn="ctr" defTabSz="914400" rtl="0" eaLnBrk="1" fontAlgn="auto" latinLnBrk="1" hangingPunct="1">
+                        <a:lnSpc>
+                          <a:spcPct val="100000"/>
+                        </a:lnSpc>
+                        <a:spcBef>
+                          <a:spcPts val="0"/>
+                        </a:spcBef>
+                        <a:spcAft>
+                          <a:spcPts val="0"/>
+                        </a:spcAft>
+                        <a:buClrTx/>
+                        <a:buSzTx/>
+                        <a:buFontTx/>
+                        <a:buNone/>
+                        <a:tabLst/>
+                        <a:defRPr/>
+                      </a:pPr>
+                      <a:r>
+                        <a:rPr lang="en-US" altLang="ko-KR"/>
+                        <a:t>16</a:t>
+                      </a:r>
+                      <a:r>
+                        <a:rPr lang="ko-KR" altLang="en-US"/>
+                        <a:t>개</a:t>
+                      </a:r>
+                    </a:p>
+                  </a:txBody>
+                  <a:tcPr anchor="ctr"/>
+                </a:tc>
+                <a:tc>
+                  <a:txBody>
+                    <a:bodyPr/>
+                    <a:lstStyle/>
+                    <a:p>
+                      <a:pPr algn="ctr" latinLnBrk="1"/>
+                      <a:r>
+                        <a:rPr lang="en-US" altLang="ko-KR"/>
+                        <a:t>1702</a:t>
                       </a:r>
                       <a:endParaRPr lang="ko-KR" altLang="en-US"/>
                     </a:p>
@@ -9136,45 +10127,121 @@
                   </a:ext>
                 </a:extLst>
               </a:tr>
-              <a:tr h="372742">
-                <a:tc vMerge="1">
-                  <a:txBody>
-                    <a:bodyPr/>
-                    <a:lstStyle/>
-                    <a:p>
-                      <a:pPr latinLnBrk="1"/>
-                      <a:endParaRPr lang="ko-KR" altLang="en-US"/>
-                    </a:p>
-                  </a:txBody>
-                  <a:tcPr/>
-                </a:tc>
-                <a:tc>
-                  <a:txBody>
-                    <a:bodyPr/>
-                    <a:lstStyle/>
-                    <a:p>
-                      <a:pPr algn="ctr" latinLnBrk="1"/>
-                      <a:r>
-                        <a:rPr lang="en-US" altLang="ko-KR"/>
-                        <a:t>8</a:t>
+              <a:tr h="186371">
+                <a:tc rowSpan="5">
+                  <a:txBody>
+                    <a:bodyPr/>
+                    <a:lstStyle/>
+                    <a:p>
+                      <a:pPr marL="0" marR="0" lvl="0" indent="0" algn="ctr" defTabSz="914400" rtl="0" eaLnBrk="1" fontAlgn="auto" latinLnBrk="1" hangingPunct="1">
+                        <a:lnSpc>
+                          <a:spcPct val="100000"/>
+                        </a:lnSpc>
+                        <a:spcBef>
+                          <a:spcPts val="0"/>
+                        </a:spcBef>
+                        <a:spcAft>
+                          <a:spcPts val="0"/>
+                        </a:spcAft>
+                        <a:buClrTx/>
+                        <a:buSzTx/>
+                        <a:buFontTx/>
+                        <a:buNone/>
+                        <a:tabLst/>
+                        <a:defRPr/>
+                      </a:pPr>
+                      <a:r>
+                        <a:rPr lang="en-US" altLang="ko-KR"/>
+                        <a:t>Lock-Free SkipList</a:t>
+                      </a:r>
+                      <a:endParaRPr lang="ko-KR" altLang="en-US"/>
+                    </a:p>
+                    <a:p>
+                      <a:pPr algn="ctr" latinLnBrk="1"/>
+                      <a:endParaRPr lang="ko-KR" altLang="en-US"/>
+                    </a:p>
+                  </a:txBody>
+                  <a:tcPr anchor="ctr"/>
+                </a:tc>
+                <a:tc>
+                  <a:txBody>
+                    <a:bodyPr/>
+                    <a:lstStyle/>
+                    <a:p>
+                      <a:pPr algn="ctr" latinLnBrk="1"/>
+                      <a:r>
+                        <a:rPr lang="en-US" altLang="ko-KR"/>
+                        <a:t>1</a:t>
                       </a:r>
                       <a:r>
                         <a:rPr lang="ko-KR" altLang="en-US"/>
                         <a:t>개</a:t>
                       </a:r>
-                    </a:p>
-                  </a:txBody>
-                  <a:tcPr anchor="ctr"/>
-                </a:tc>
-                <a:tc>
-                  <a:txBody>
-                    <a:bodyPr/>
-                    <a:lstStyle/>
-                    <a:p>
-                      <a:pPr algn="ctr" latinLnBrk="1"/>
-                      <a:r>
-                        <a:rPr lang="en-US" altLang="ko-KR"/>
-                        <a:t>960</a:t>
+                      <a:endParaRPr lang="en-US" altLang="ko-KR"/>
+                    </a:p>
+                  </a:txBody>
+                  <a:tcPr anchor="ctr"/>
+                </a:tc>
+                <a:tc>
+                  <a:txBody>
+                    <a:bodyPr/>
+                    <a:lstStyle/>
+                    <a:p>
+                      <a:pPr algn="ctr" latinLnBrk="1"/>
+                      <a:r>
+                        <a:rPr lang="en-US" altLang="ko-KR"/>
+                        <a:t>594</a:t>
+                      </a:r>
+                      <a:endParaRPr lang="ko-KR" altLang="en-US"/>
+                    </a:p>
+                  </a:txBody>
+                  <a:tcPr anchor="ctr"/>
+                </a:tc>
+                <a:extLst>
+                  <a:ext uri="{0D108BD9-81ED-4DB2-BD59-A6C34878D82A}">
+                    <a16:rowId xmlns:a16="http://schemas.microsoft.com/office/drawing/2014/main" val="3825296244"/>
+                  </a:ext>
+                </a:extLst>
+              </a:tr>
+              <a:tr h="186371">
+                <a:tc vMerge="1">
+                  <a:txBody>
+                    <a:bodyPr/>
+                    <a:lstStyle/>
+                    <a:p>
+                      <a:pPr latinLnBrk="1"/>
+                      <a:endParaRPr lang="ko-KR" altLang="en-US"/>
+                    </a:p>
+                  </a:txBody>
+                  <a:tcPr/>
+                </a:tc>
+                <a:tc>
+                  <a:txBody>
+                    <a:bodyPr/>
+                    <a:lstStyle/>
+                    <a:p>
+                      <a:pPr algn="ctr" latinLnBrk="1"/>
+                      <a:r>
+                        <a:rPr lang="en-US" altLang="ko-KR"/>
+                        <a:t>2</a:t>
+                      </a:r>
+                      <a:r>
+                        <a:rPr lang="ko-KR" altLang="en-US"/>
+                        <a:t>개</a:t>
+                      </a:r>
+                    </a:p>
+                  </a:txBody>
+                  <a:tcPr anchor="ctr"/>
+                </a:tc>
+                <a:tc>
+                  <a:txBody>
+                    <a:bodyPr/>
+                    <a:lstStyle/>
+                    <a:p>
+                      <a:pPr algn="ctr" latinLnBrk="1"/>
+                      <a:r>
+                        <a:rPr lang="en-US" altLang="ko-KR"/>
+                        <a:t>331</a:t>
                       </a:r>
                       <a:endParaRPr lang="ko-KR" altLang="en-US"/>
                     </a:p>
@@ -9187,7 +10254,7 @@
                   </a:ext>
                 </a:extLst>
               </a:tr>
-              <a:tr h="372742">
+              <a:tr h="186371">
                 <a:tc vMerge="1">
                   <a:txBody>
                     <a:bodyPr/>
@@ -9207,7 +10274,7 @@
                       <a:pPr algn="ctr" latinLnBrk="1"/>
                       <a:r>
                         <a:rPr lang="en-US" altLang="ko-KR"/>
-                        <a:t>16</a:t>
+                        <a:t>4</a:t>
                       </a:r>
                       <a:r>
                         <a:rPr lang="ko-KR" altLang="en-US"/>
@@ -9225,7 +10292,58 @@
                       <a:pPr algn="ctr" latinLnBrk="1"/>
                       <a:r>
                         <a:rPr lang="en-US" altLang="ko-KR"/>
-                        <a:t>997</a:t>
+                        <a:t>243</a:t>
+                      </a:r>
+                      <a:endParaRPr lang="ko-KR" altLang="en-US"/>
+                    </a:p>
+                  </a:txBody>
+                  <a:tcPr anchor="ctr"/>
+                </a:tc>
+                <a:extLst>
+                  <a:ext uri="{0D108BD9-81ED-4DB2-BD59-A6C34878D82A}">
+                    <a16:rowId xmlns:a16="http://schemas.microsoft.com/office/drawing/2014/main" val="3439497629"/>
+                  </a:ext>
+                </a:extLst>
+              </a:tr>
+              <a:tr h="186371">
+                <a:tc vMerge="1">
+                  <a:txBody>
+                    <a:bodyPr/>
+                    <a:lstStyle/>
+                    <a:p>
+                      <a:pPr latinLnBrk="1"/>
+                      <a:endParaRPr lang="ko-KR" altLang="en-US"/>
+                    </a:p>
+                  </a:txBody>
+                  <a:tcPr/>
+                </a:tc>
+                <a:tc>
+                  <a:txBody>
+                    <a:bodyPr/>
+                    <a:lstStyle/>
+                    <a:p>
+                      <a:pPr algn="ctr" latinLnBrk="1"/>
+                      <a:r>
+                        <a:rPr lang="en-US" altLang="ko-KR"/>
+                        <a:t>8</a:t>
+                      </a:r>
+                      <a:r>
+                        <a:rPr lang="ko-KR" altLang="en-US"/>
+                        <a:t>개</a:t>
+                      </a:r>
+                    </a:p>
+                  </a:txBody>
+                  <a:tcPr anchor="ctr"/>
+                </a:tc>
+                <a:tc>
+                  <a:txBody>
+                    <a:bodyPr/>
+                    <a:lstStyle/>
+                    <a:p>
+                      <a:pPr algn="ctr" latinLnBrk="1"/>
+                      <a:r>
+                        <a:rPr lang="en-US" altLang="ko-KR"/>
+                        <a:t>166</a:t>
                       </a:r>
                       <a:endParaRPr lang="ko-KR" altLang="en-US"/>
                     </a:p>
@@ -9235,6 +10353,73 @@
                 <a:extLst>
                   <a:ext uri="{0D108BD9-81ED-4DB2-BD59-A6C34878D82A}">
                     <a16:rowId xmlns:a16="http://schemas.microsoft.com/office/drawing/2014/main" val="2087120435"/>
+                  </a:ext>
+                </a:extLst>
+              </a:tr>
+              <a:tr h="186371">
+                <a:tc vMerge="1">
+                  <a:txBody>
+                    <a:bodyPr/>
+                    <a:lstStyle/>
+                    <a:p>
+                      <a:pPr latinLnBrk="1"/>
+                      <a:endParaRPr lang="ko-KR" altLang="en-US"/>
+                    </a:p>
+                  </a:txBody>
+                  <a:tcPr/>
+                </a:tc>
+                <a:tc>
+                  <a:txBody>
+                    <a:bodyPr/>
+                    <a:lstStyle/>
+                    <a:p>
+                      <a:pPr marL="0" marR="0" lvl="0" indent="0" algn="ctr" defTabSz="914400" rtl="0" eaLnBrk="1" fontAlgn="auto" latinLnBrk="1" hangingPunct="1">
+                        <a:lnSpc>
+                          <a:spcPct val="100000"/>
+                        </a:lnSpc>
+                        <a:spcBef>
+                          <a:spcPts val="0"/>
+                        </a:spcBef>
+                        <a:spcAft>
+                          <a:spcPts val="0"/>
+                        </a:spcAft>
+                        <a:buClrTx/>
+                        <a:buSzTx/>
+                        <a:buFontTx/>
+                        <a:buNone/>
+                        <a:tabLst/>
+                        <a:defRPr/>
+                      </a:pPr>
+                      <a:r>
+                        <a:rPr lang="en-US" altLang="ko-KR"/>
+                        <a:t>16</a:t>
+                      </a:r>
+                      <a:r>
+                        <a:rPr lang="ko-KR" altLang="en-US"/>
+                        <a:t>개</a:t>
+                      </a:r>
+                    </a:p>
+                  </a:txBody>
+                  <a:tcPr anchor="ctr"/>
+                </a:tc>
+                <a:tc>
+                  <a:txBody>
+                    <a:bodyPr/>
+                    <a:lstStyle/>
+                    <a:p>
+                      <a:pPr algn="ctr" latinLnBrk="1"/>
+                      <a:r>
+                        <a:rPr lang="en-US" altLang="ko-KR"/>
+                        <a:t>183</a:t>
+                      </a:r>
+                      <a:endParaRPr lang="ko-KR" altLang="en-US"/>
+                    </a:p>
+                  </a:txBody>
+                  <a:tcPr anchor="ctr"/>
+                </a:tc>
+                <a:extLst>
+                  <a:ext uri="{0D108BD9-81ED-4DB2-BD59-A6C34878D82A}">
+                    <a16:rowId xmlns:a16="http://schemas.microsoft.com/office/drawing/2014/main" val="570395710"/>
                   </a:ext>
                 </a:extLst>
               </a:tr>
@@ -9246,6 +10431,443 @@
     <p:extLst>
       <p:ext uri="{BB962C8B-B14F-4D97-AF65-F5344CB8AC3E}">
         <p14:creationId xmlns:p14="http://schemas.microsoft.com/office/powerpoint/2010/main" val="1079287763"/>
+      </p:ext>
+    </p:extLst>
+  </p:cSld>
+  <p:clrMapOvr>
+    <a:masterClrMapping/>
+  </p:clrMapOvr>
+</p:sld>
+</file>
+
+<file path=ppt/slides/slide9.xml><?xml version="1.0" encoding="utf-8"?>
+<p:sld xmlns:a="http://schemas.openxmlformats.org/drawingml/2006/main" xmlns:r="http://schemas.openxmlformats.org/officeDocument/2006/relationships" xmlns:p="http://schemas.openxmlformats.org/presentationml/2006/main">
+  <p:cSld>
+    <p:spTree>
+      <p:nvGrpSpPr>
+        <p:cNvPr id="1" name=""/>
+        <p:cNvGrpSpPr/>
+        <p:nvPr/>
+      </p:nvGrpSpPr>
+      <p:grpSpPr>
+        <a:xfrm>
+          <a:off x="0" y="0"/>
+          <a:ext cx="0" cy="0"/>
+          <a:chOff x="0" y="0"/>
+          <a:chExt cx="0" cy="0"/>
+        </a:xfrm>
+      </p:grpSpPr>
+      <p:graphicFrame>
+        <p:nvGraphicFramePr>
+          <p:cNvPr id="5" name="표 5">
+            <a:extLst>
+              <a:ext uri="{FF2B5EF4-FFF2-40B4-BE49-F238E27FC236}">
+                <a16:creationId xmlns:a16="http://schemas.microsoft.com/office/drawing/2014/main" id="{3224C753-06C5-444F-A172-3C6379BAA518}"/>
+              </a:ext>
+            </a:extLst>
+          </p:cNvPr>
+          <p:cNvGraphicFramePr>
+            <a:graphicFrameLocks noGrp="1"/>
+          </p:cNvGraphicFramePr>
+          <p:nvPr>
+            <p:extLst>
+              <p:ext uri="{D42A27DB-BD31-4B8C-83A1-F6EECF244321}">
+                <p14:modId xmlns:p14="http://schemas.microsoft.com/office/powerpoint/2010/main" val="4264204786"/>
+              </p:ext>
+            </p:extLst>
+          </p:nvPr>
+        </p:nvGraphicFramePr>
+        <p:xfrm>
+          <a:off x="638629" y="654350"/>
+          <a:ext cx="9353868" cy="4856762"/>
+        </p:xfrm>
+        <a:graphic>
+          <a:graphicData uri="http://schemas.openxmlformats.org/drawingml/2006/table">
+            <a:tbl>
+              <a:tblPr firstRow="1" bandRow="1">
+                <a:tableStyleId>{1FECB4D8-DB02-4DC6-A0A2-4F2EBAE1DC90}</a:tableStyleId>
+              </a:tblPr>
+              <a:tblGrid>
+                <a:gridCol w="2121047">
+                  <a:extLst>
+                    <a:ext uri="{9D8B030D-6E8A-4147-A177-3AD203B41FA5}">
+                      <a16:colId xmlns:a16="http://schemas.microsoft.com/office/drawing/2014/main" val="1410968825"/>
+                    </a:ext>
+                  </a:extLst>
+                </a:gridCol>
+                <a:gridCol w="2652583">
+                  <a:extLst>
+                    <a:ext uri="{9D8B030D-6E8A-4147-A177-3AD203B41FA5}">
+                      <a16:colId xmlns:a16="http://schemas.microsoft.com/office/drawing/2014/main" val="2828192862"/>
+                    </a:ext>
+                  </a:extLst>
+                </a:gridCol>
+                <a:gridCol w="4580238">
+                  <a:extLst>
+                    <a:ext uri="{9D8B030D-6E8A-4147-A177-3AD203B41FA5}">
+                      <a16:colId xmlns:a16="http://schemas.microsoft.com/office/drawing/2014/main" val="3830808436"/>
+                    </a:ext>
+                  </a:extLst>
+                </a:gridCol>
+              </a:tblGrid>
+              <a:tr h="957857">
+                <a:tc>
+                  <a:txBody>
+                    <a:bodyPr/>
+                    <a:lstStyle/>
+                    <a:p>
+                      <a:pPr algn="ctr" latinLnBrk="1"/>
+                      <a:r>
+                        <a:rPr lang="ko-KR" altLang="en-US">
+                          <a:solidFill>
+                            <a:schemeClr val="tx1"/>
+                          </a:solidFill>
+                        </a:rPr>
+                        <a:t>쓰레드</a:t>
+                      </a:r>
+                    </a:p>
+                  </a:txBody>
+                  <a:tcPr anchor="ctr"/>
+                </a:tc>
+                <a:tc>
+                  <a:txBody>
+                    <a:bodyPr/>
+                    <a:lstStyle/>
+                    <a:p>
+                      <a:pPr algn="ctr" latinLnBrk="1"/>
+                      <a:r>
+                        <a:rPr lang="ko-KR" altLang="en-US">
+                          <a:solidFill>
+                            <a:schemeClr val="tx1"/>
+                          </a:solidFill>
+                        </a:rPr>
+                        <a:t>시간</a:t>
+                      </a:r>
+                      <a:r>
+                        <a:rPr lang="en-US" altLang="ko-KR">
+                          <a:solidFill>
+                            <a:schemeClr val="tx1"/>
+                          </a:solidFill>
+                        </a:rPr>
+                        <a:t>(ms)</a:t>
+                      </a:r>
+                      <a:endParaRPr lang="ko-KR" altLang="en-US">
+                        <a:solidFill>
+                          <a:schemeClr val="tx1"/>
+                        </a:solidFill>
+                      </a:endParaRPr>
+                    </a:p>
+                  </a:txBody>
+                  <a:tcPr anchor="ctr"/>
+                </a:tc>
+                <a:tc>
+                  <a:txBody>
+                    <a:bodyPr/>
+                    <a:lstStyle/>
+                    <a:p>
+                      <a:pPr algn="ctr" latinLnBrk="1"/>
+                      <a:r>
+                        <a:rPr lang="ko-KR" altLang="en-US">
+                          <a:solidFill>
+                            <a:schemeClr val="tx1"/>
+                          </a:solidFill>
+                        </a:rPr>
+                        <a:t>결과</a:t>
+                      </a:r>
+                    </a:p>
+                  </a:txBody>
+                  <a:tcPr anchor="ctr"/>
+                </a:tc>
+                <a:extLst>
+                  <a:ext uri="{0D108BD9-81ED-4DB2-BD59-A6C34878D82A}">
+                    <a16:rowId xmlns:a16="http://schemas.microsoft.com/office/drawing/2014/main" val="1890738120"/>
+                  </a:ext>
+                </a:extLst>
+              </a:tr>
+              <a:tr h="779781">
+                <a:tc>
+                  <a:txBody>
+                    <a:bodyPr/>
+                    <a:lstStyle/>
+                    <a:p>
+                      <a:pPr algn="ctr" latinLnBrk="1"/>
+                      <a:r>
+                        <a:rPr lang="en-US" altLang="ko-KR"/>
+                        <a:t>1</a:t>
+                      </a:r>
+                      <a:r>
+                        <a:rPr lang="ko-KR" altLang="en-US"/>
+                        <a:t>개</a:t>
+                      </a:r>
+                      <a:endParaRPr lang="en-US" altLang="ko-KR"/>
+                    </a:p>
+                  </a:txBody>
+                  <a:tcPr anchor="ctr"/>
+                </a:tc>
+                <a:tc>
+                  <a:txBody>
+                    <a:bodyPr/>
+                    <a:lstStyle/>
+                    <a:p>
+                      <a:pPr algn="ctr" latinLnBrk="1"/>
+                      <a:r>
+                        <a:rPr lang="en-US" altLang="ko-KR"/>
+                        <a:t>764</a:t>
+                      </a:r>
+                      <a:endParaRPr lang="ko-KR" altLang="en-US"/>
+                    </a:p>
+                  </a:txBody>
+                  <a:tcPr anchor="ctr"/>
+                </a:tc>
+                <a:tc>
+                  <a:txBody>
+                    <a:bodyPr/>
+                    <a:lstStyle/>
+                    <a:p>
+                      <a:pPr algn="ctr" latinLnBrk="1"/>
+                      <a:r>
+                        <a:rPr lang="en-US" altLang="ko-KR"/>
+                        <a:t>0, 3, 4, 5, 8, 10, 12, 13, 14, 15, 17, 18, 19, 20, 21, 23, 27, 28, 29, 30</a:t>
+                      </a:r>
+                      <a:endParaRPr lang="ko-KR" altLang="en-US"/>
+                    </a:p>
+                  </a:txBody>
+                  <a:tcPr anchor="ctr"/>
+                </a:tc>
+                <a:extLst>
+                  <a:ext uri="{0D108BD9-81ED-4DB2-BD59-A6C34878D82A}">
+                    <a16:rowId xmlns:a16="http://schemas.microsoft.com/office/drawing/2014/main" val="921373988"/>
+                  </a:ext>
+                </a:extLst>
+              </a:tr>
+              <a:tr h="779781">
+                <a:tc>
+                  <a:txBody>
+                    <a:bodyPr/>
+                    <a:lstStyle/>
+                    <a:p>
+                      <a:pPr algn="ctr" latinLnBrk="1"/>
+                      <a:r>
+                        <a:rPr lang="en-US" altLang="ko-KR"/>
+                        <a:t>2</a:t>
+                      </a:r>
+                      <a:r>
+                        <a:rPr lang="ko-KR" altLang="en-US"/>
+                        <a:t>개</a:t>
+                      </a:r>
+                    </a:p>
+                  </a:txBody>
+                  <a:tcPr anchor="ctr"/>
+                </a:tc>
+                <a:tc>
+                  <a:txBody>
+                    <a:bodyPr/>
+                    <a:lstStyle/>
+                    <a:p>
+                      <a:pPr algn="ctr" latinLnBrk="1"/>
+                      <a:r>
+                        <a:rPr lang="en-US" altLang="ko-KR"/>
+                        <a:t>452</a:t>
+                      </a:r>
+                      <a:endParaRPr lang="ko-KR" altLang="en-US"/>
+                    </a:p>
+                  </a:txBody>
+                  <a:tcPr anchor="ctr"/>
+                </a:tc>
+                <a:tc>
+                  <a:txBody>
+                    <a:bodyPr/>
+                    <a:lstStyle/>
+                    <a:p>
+                      <a:pPr algn="ctr" latinLnBrk="1"/>
+                      <a:r>
+                        <a:rPr lang="en-US" altLang="ko-KR"/>
+                        <a:t>1, 3, 6, 8, 9, 11, 12, 15, 16, 17, 18, 19, 20, 21, 22, 23, 24, 25, 27, 30,</a:t>
+                      </a:r>
+                      <a:endParaRPr lang="ko-KR" altLang="en-US"/>
+                    </a:p>
+                  </a:txBody>
+                  <a:tcPr anchor="ctr"/>
+                </a:tc>
+                <a:extLst>
+                  <a:ext uri="{0D108BD9-81ED-4DB2-BD59-A6C34878D82A}">
+                    <a16:rowId xmlns:a16="http://schemas.microsoft.com/office/drawing/2014/main" val="3320458616"/>
+                  </a:ext>
+                </a:extLst>
+              </a:tr>
+              <a:tr h="779781">
+                <a:tc>
+                  <a:txBody>
+                    <a:bodyPr/>
+                    <a:lstStyle/>
+                    <a:p>
+                      <a:pPr algn="ctr" latinLnBrk="1"/>
+                      <a:r>
+                        <a:rPr lang="en-US" altLang="ko-KR"/>
+                        <a:t>4</a:t>
+                      </a:r>
+                      <a:r>
+                        <a:rPr lang="ko-KR" altLang="en-US"/>
+                        <a:t>개</a:t>
+                      </a:r>
+                    </a:p>
+                  </a:txBody>
+                  <a:tcPr anchor="ctr"/>
+                </a:tc>
+                <a:tc>
+                  <a:txBody>
+                    <a:bodyPr/>
+                    <a:lstStyle/>
+                    <a:p>
+                      <a:pPr algn="ctr" latinLnBrk="1"/>
+                      <a:r>
+                        <a:rPr lang="en-US" altLang="ko-KR"/>
+                        <a:t>246</a:t>
+                      </a:r>
+                      <a:endParaRPr lang="ko-KR" altLang="en-US"/>
+                    </a:p>
+                  </a:txBody>
+                  <a:tcPr anchor="ctr"/>
+                </a:tc>
+                <a:tc>
+                  <a:txBody>
+                    <a:bodyPr/>
+                    <a:lstStyle/>
+                    <a:p>
+                      <a:pPr algn="ctr" latinLnBrk="1"/>
+                      <a:r>
+                        <a:rPr lang="en-US" altLang="ko-KR"/>
+                        <a:t>1, 2, 4, 5, 7, 8, 11, 14, 17, 18, 21, 22, 24, 25, 26, 29, 30, 31, 33, 36,</a:t>
+                      </a:r>
+                      <a:endParaRPr lang="ko-KR" altLang="en-US"/>
+                    </a:p>
+                  </a:txBody>
+                  <a:tcPr anchor="ctr"/>
+                </a:tc>
+                <a:extLst>
+                  <a:ext uri="{0D108BD9-81ED-4DB2-BD59-A6C34878D82A}">
+                    <a16:rowId xmlns:a16="http://schemas.microsoft.com/office/drawing/2014/main" val="3275777393"/>
+                  </a:ext>
+                </a:extLst>
+              </a:tr>
+              <a:tr h="779781">
+                <a:tc>
+                  <a:txBody>
+                    <a:bodyPr/>
+                    <a:lstStyle/>
+                    <a:p>
+                      <a:pPr algn="ctr" latinLnBrk="1"/>
+                      <a:r>
+                        <a:rPr lang="en-US" altLang="ko-KR"/>
+                        <a:t>8</a:t>
+                      </a:r>
+                      <a:r>
+                        <a:rPr lang="ko-KR" altLang="en-US"/>
+                        <a:t>개</a:t>
+                      </a:r>
+                    </a:p>
+                  </a:txBody>
+                  <a:tcPr anchor="ctr"/>
+                </a:tc>
+                <a:tc>
+                  <a:txBody>
+                    <a:bodyPr/>
+                    <a:lstStyle/>
+                    <a:p>
+                      <a:pPr algn="ctr" latinLnBrk="1"/>
+                      <a:r>
+                        <a:rPr lang="en-US" altLang="ko-KR"/>
+                        <a:t>398</a:t>
+                      </a:r>
+                      <a:endParaRPr lang="ko-KR" altLang="en-US"/>
+                    </a:p>
+                  </a:txBody>
+                  <a:tcPr anchor="ctr"/>
+                </a:tc>
+                <a:tc>
+                  <a:txBody>
+                    <a:bodyPr/>
+                    <a:lstStyle/>
+                    <a:p>
+                      <a:pPr algn="ctr" latinLnBrk="1"/>
+                      <a:r>
+                        <a:rPr lang="en-US" altLang="ko-KR"/>
+                        <a:t>1, 4, 5, 12, 14, 16, 18, 20, 22, 26, 27, 29, 30, 33, 34, 35, 36, 37, 40, 43,</a:t>
+                      </a:r>
+                      <a:endParaRPr lang="ko-KR" altLang="en-US"/>
+                    </a:p>
+                  </a:txBody>
+                  <a:tcPr anchor="ctr"/>
+                </a:tc>
+                <a:extLst>
+                  <a:ext uri="{0D108BD9-81ED-4DB2-BD59-A6C34878D82A}">
+                    <a16:rowId xmlns:a16="http://schemas.microsoft.com/office/drawing/2014/main" val="1123357034"/>
+                  </a:ext>
+                </a:extLst>
+              </a:tr>
+              <a:tr h="779781">
+                <a:tc>
+                  <a:txBody>
+                    <a:bodyPr/>
+                    <a:lstStyle/>
+                    <a:p>
+                      <a:pPr algn="ctr" latinLnBrk="1"/>
+                      <a:r>
+                        <a:rPr lang="en-US" altLang="ko-KR"/>
+                        <a:t>16</a:t>
+                      </a:r>
+                      <a:r>
+                        <a:rPr lang="ko-KR" altLang="en-US"/>
+                        <a:t>개</a:t>
+                      </a:r>
+                    </a:p>
+                  </a:txBody>
+                  <a:tcPr anchor="ctr"/>
+                </a:tc>
+                <a:tc>
+                  <a:txBody>
+                    <a:bodyPr/>
+                    <a:lstStyle/>
+                    <a:p>
+                      <a:pPr algn="ctr" latinLnBrk="1"/>
+                      <a:r>
+                        <a:rPr lang="en-US" altLang="ko-KR"/>
+                        <a:t>1702</a:t>
+                      </a:r>
+                      <a:endParaRPr lang="ko-KR" altLang="en-US"/>
+                    </a:p>
+                  </a:txBody>
+                  <a:tcPr anchor="ctr"/>
+                </a:tc>
+                <a:tc>
+                  <a:txBody>
+                    <a:bodyPr/>
+                    <a:lstStyle/>
+                    <a:p>
+                      <a:pPr algn="ctr" latinLnBrk="1"/>
+                      <a:r>
+                        <a:rPr lang="en-US" altLang="ko-KR"/>
+                        <a:t>0, 1, 2, 4, 5, 9, 13, 16, 19, 22, 23, 27, 29, 30, 34, 36, 37, 38, 40, 41,</a:t>
+                      </a:r>
+                      <a:endParaRPr lang="ko-KR" altLang="en-US"/>
+                    </a:p>
+                  </a:txBody>
+                  <a:tcPr anchor="ctr"/>
+                </a:tc>
+                <a:extLst>
+                  <a:ext uri="{0D108BD9-81ED-4DB2-BD59-A6C34878D82A}">
+                    <a16:rowId xmlns:a16="http://schemas.microsoft.com/office/drawing/2014/main" val="4050471691"/>
+                  </a:ext>
+                </a:extLst>
+              </a:tr>
+            </a:tbl>
+          </a:graphicData>
+        </a:graphic>
+      </p:graphicFrame>
+    </p:spTree>
+    <p:extLst>
+      <p:ext uri="{BB962C8B-B14F-4D97-AF65-F5344CB8AC3E}">
+        <p14:creationId xmlns:p14="http://schemas.microsoft.com/office/powerpoint/2010/main" val="490210930"/>
       </p:ext>
     </p:extLst>
   </p:cSld>
